--- a/pathway_analysis/files/MetaPathways_Tutorial_Pathway_Analysis.pptx
+++ b/pathway_analysis/files/MetaPathways_Tutorial_Pathway_Analysis.pptx
@@ -5,17 +5,41 @@
     <p:sldMasterId id="2147483663" r:id="rId1"/>
   </p:sldMasterIdLst>
   <p:notesMasterIdLst>
-    <p:notesMasterId r:id="rId7"/>
+    <p:notesMasterId r:id="rId31"/>
   </p:notesMasterIdLst>
   <p:handoutMasterIdLst>
-    <p:handoutMasterId r:id="rId8"/>
+    <p:handoutMasterId r:id="rId32"/>
   </p:handoutMasterIdLst>
   <p:sldIdLst>
     <p:sldId id="364" r:id="rId2"/>
-    <p:sldId id="365" r:id="rId3"/>
-    <p:sldId id="366" r:id="rId4"/>
+    <p:sldId id="366" r:id="rId3"/>
+    <p:sldId id="365" r:id="rId4"/>
     <p:sldId id="378" r:id="rId5"/>
     <p:sldId id="381" r:id="rId6"/>
+    <p:sldId id="382" r:id="rId7"/>
+    <p:sldId id="383" r:id="rId8"/>
+    <p:sldId id="384" r:id="rId9"/>
+    <p:sldId id="387" r:id="rId10"/>
+    <p:sldId id="386" r:id="rId11"/>
+    <p:sldId id="385" r:id="rId12"/>
+    <p:sldId id="388" r:id="rId13"/>
+    <p:sldId id="390" r:id="rId14"/>
+    <p:sldId id="391" r:id="rId15"/>
+    <p:sldId id="392" r:id="rId16"/>
+    <p:sldId id="393" r:id="rId17"/>
+    <p:sldId id="394" r:id="rId18"/>
+    <p:sldId id="395" r:id="rId19"/>
+    <p:sldId id="396" r:id="rId20"/>
+    <p:sldId id="397" r:id="rId21"/>
+    <p:sldId id="398" r:id="rId22"/>
+    <p:sldId id="399" r:id="rId23"/>
+    <p:sldId id="400" r:id="rId24"/>
+    <p:sldId id="401" r:id="rId25"/>
+    <p:sldId id="402" r:id="rId26"/>
+    <p:sldId id="403" r:id="rId27"/>
+    <p:sldId id="404" r:id="rId28"/>
+    <p:sldId id="405" r:id="rId29"/>
+    <p:sldId id="406" r:id="rId30"/>
   </p:sldIdLst>
   <p:sldSz cx="9144000" cy="6858000" type="screen4x3"/>
   <p:notesSz cx="6858000" cy="9144000"/>
@@ -894,6 +918,1986 @@
     <p:extLst>
       <p:ext uri="{BB962C8B-B14F-4D97-AF65-F5344CB8AC3E}">
         <p14:creationId xmlns:p14="http://schemas.microsoft.com/office/powerpoint/2010/main" val="4007272840"/>
+      </p:ext>
+    </p:extLst>
+  </p:cSld>
+  <p:clrMapOvr>
+    <a:masterClrMapping/>
+  </p:clrMapOvr>
+</p:notes>
+</file>
+
+<file path=ppt/notesSlides/notesSlide10.xml><?xml version="1.0" encoding="utf-8"?>
+<p:notes xmlns:a="http://schemas.openxmlformats.org/drawingml/2006/main" xmlns:r="http://schemas.openxmlformats.org/officeDocument/2006/relationships" xmlns:p="http://schemas.openxmlformats.org/presentationml/2006/main">
+  <p:cSld>
+    <p:spTree>
+      <p:nvGrpSpPr>
+        <p:cNvPr id="1" name=""/>
+        <p:cNvGrpSpPr/>
+        <p:nvPr/>
+      </p:nvGrpSpPr>
+      <p:grpSpPr>
+        <a:xfrm>
+          <a:off x="0" y="0"/>
+          <a:ext cx="0" cy="0"/>
+          <a:chOff x="0" y="0"/>
+          <a:chExt cx="0" cy="0"/>
+        </a:xfrm>
+      </p:grpSpPr>
+      <p:sp>
+        <p:nvSpPr>
+          <p:cNvPr id="2" name="Slide Image Placeholder 1"/>
+          <p:cNvSpPr>
+            <a:spLocks noGrp="1" noRot="1" noChangeAspect="1"/>
+          </p:cNvSpPr>
+          <p:nvPr>
+            <p:ph type="sldImg"/>
+          </p:nvPr>
+        </p:nvSpPr>
+        <p:spPr/>
+      </p:sp>
+      <p:sp>
+        <p:nvSpPr>
+          <p:cNvPr id="3" name="Notes Placeholder 2"/>
+          <p:cNvSpPr>
+            <a:spLocks noGrp="1"/>
+          </p:cNvSpPr>
+          <p:nvPr>
+            <p:ph type="body" idx="1"/>
+          </p:nvPr>
+        </p:nvSpPr>
+        <p:spPr/>
+        <p:txBody>
+          <a:bodyPr/>
+          <a:lstStyle/>
+          <a:p>
+            <a:endParaRPr lang="en-US" dirty="0"/>
+          </a:p>
+        </p:txBody>
+      </p:sp>
+      <p:sp>
+        <p:nvSpPr>
+          <p:cNvPr id="4" name="Slide Number Placeholder 3"/>
+          <p:cNvSpPr>
+            <a:spLocks noGrp="1"/>
+          </p:cNvSpPr>
+          <p:nvPr>
+            <p:ph type="sldNum" sz="quarter" idx="10"/>
+          </p:nvPr>
+        </p:nvSpPr>
+        <p:spPr/>
+        <p:txBody>
+          <a:bodyPr/>
+          <a:lstStyle/>
+          <a:p>
+            <a:pPr>
+              <a:defRPr/>
+            </a:pPr>
+            <a:fld id="{2C59AB3E-9F2B-7F49-AEC8-85309F7C0979}" type="slidenum">
+              <a:rPr lang="en-US" smtClean="0"/>
+              <a:pPr>
+                <a:defRPr/>
+              </a:pPr>
+              <a:t>16</a:t>
+            </a:fld>
+            <a:endParaRPr lang="en-US"/>
+          </a:p>
+        </p:txBody>
+      </p:sp>
+    </p:spTree>
+    <p:extLst>
+      <p:ext uri="{BB962C8B-B14F-4D97-AF65-F5344CB8AC3E}">
+        <p14:creationId xmlns:p14="http://schemas.microsoft.com/office/powerpoint/2010/main" val="1887676362"/>
+      </p:ext>
+    </p:extLst>
+  </p:cSld>
+  <p:clrMapOvr>
+    <a:masterClrMapping/>
+  </p:clrMapOvr>
+</p:notes>
+</file>
+
+<file path=ppt/notesSlides/notesSlide11.xml><?xml version="1.0" encoding="utf-8"?>
+<p:notes xmlns:a="http://schemas.openxmlformats.org/drawingml/2006/main" xmlns:r="http://schemas.openxmlformats.org/officeDocument/2006/relationships" xmlns:p="http://schemas.openxmlformats.org/presentationml/2006/main">
+  <p:cSld>
+    <p:spTree>
+      <p:nvGrpSpPr>
+        <p:cNvPr id="1" name=""/>
+        <p:cNvGrpSpPr/>
+        <p:nvPr/>
+      </p:nvGrpSpPr>
+      <p:grpSpPr>
+        <a:xfrm>
+          <a:off x="0" y="0"/>
+          <a:ext cx="0" cy="0"/>
+          <a:chOff x="0" y="0"/>
+          <a:chExt cx="0" cy="0"/>
+        </a:xfrm>
+      </p:grpSpPr>
+      <p:sp>
+        <p:nvSpPr>
+          <p:cNvPr id="2" name="Slide Image Placeholder 1"/>
+          <p:cNvSpPr>
+            <a:spLocks noGrp="1" noRot="1" noChangeAspect="1"/>
+          </p:cNvSpPr>
+          <p:nvPr>
+            <p:ph type="sldImg"/>
+          </p:nvPr>
+        </p:nvSpPr>
+        <p:spPr/>
+      </p:sp>
+      <p:sp>
+        <p:nvSpPr>
+          <p:cNvPr id="3" name="Notes Placeholder 2"/>
+          <p:cNvSpPr>
+            <a:spLocks noGrp="1"/>
+          </p:cNvSpPr>
+          <p:nvPr>
+            <p:ph type="body" idx="1"/>
+          </p:nvPr>
+        </p:nvSpPr>
+        <p:spPr/>
+        <p:txBody>
+          <a:bodyPr/>
+          <a:lstStyle/>
+          <a:p>
+            <a:endParaRPr lang="en-US" dirty="0"/>
+          </a:p>
+        </p:txBody>
+      </p:sp>
+      <p:sp>
+        <p:nvSpPr>
+          <p:cNvPr id="4" name="Slide Number Placeholder 3"/>
+          <p:cNvSpPr>
+            <a:spLocks noGrp="1"/>
+          </p:cNvSpPr>
+          <p:nvPr>
+            <p:ph type="sldNum" sz="quarter" idx="10"/>
+          </p:nvPr>
+        </p:nvSpPr>
+        <p:spPr/>
+        <p:txBody>
+          <a:bodyPr/>
+          <a:lstStyle/>
+          <a:p>
+            <a:pPr>
+              <a:defRPr/>
+            </a:pPr>
+            <a:fld id="{2C59AB3E-9F2B-7F49-AEC8-85309F7C0979}" type="slidenum">
+              <a:rPr lang="en-US" smtClean="0"/>
+              <a:pPr>
+                <a:defRPr/>
+              </a:pPr>
+              <a:t>17</a:t>
+            </a:fld>
+            <a:endParaRPr lang="en-US"/>
+          </a:p>
+        </p:txBody>
+      </p:sp>
+    </p:spTree>
+    <p:extLst>
+      <p:ext uri="{BB962C8B-B14F-4D97-AF65-F5344CB8AC3E}">
+        <p14:creationId xmlns:p14="http://schemas.microsoft.com/office/powerpoint/2010/main" val="1887676362"/>
+      </p:ext>
+    </p:extLst>
+  </p:cSld>
+  <p:clrMapOvr>
+    <a:masterClrMapping/>
+  </p:clrMapOvr>
+</p:notes>
+</file>
+
+<file path=ppt/notesSlides/notesSlide12.xml><?xml version="1.0" encoding="utf-8"?>
+<p:notes xmlns:a="http://schemas.openxmlformats.org/drawingml/2006/main" xmlns:r="http://schemas.openxmlformats.org/officeDocument/2006/relationships" xmlns:p="http://schemas.openxmlformats.org/presentationml/2006/main">
+  <p:cSld>
+    <p:spTree>
+      <p:nvGrpSpPr>
+        <p:cNvPr id="1" name=""/>
+        <p:cNvGrpSpPr/>
+        <p:nvPr/>
+      </p:nvGrpSpPr>
+      <p:grpSpPr>
+        <a:xfrm>
+          <a:off x="0" y="0"/>
+          <a:ext cx="0" cy="0"/>
+          <a:chOff x="0" y="0"/>
+          <a:chExt cx="0" cy="0"/>
+        </a:xfrm>
+      </p:grpSpPr>
+      <p:sp>
+        <p:nvSpPr>
+          <p:cNvPr id="2" name="Slide Image Placeholder 1"/>
+          <p:cNvSpPr>
+            <a:spLocks noGrp="1" noRot="1" noChangeAspect="1"/>
+          </p:cNvSpPr>
+          <p:nvPr>
+            <p:ph type="sldImg"/>
+          </p:nvPr>
+        </p:nvSpPr>
+        <p:spPr/>
+      </p:sp>
+      <p:sp>
+        <p:nvSpPr>
+          <p:cNvPr id="3" name="Notes Placeholder 2"/>
+          <p:cNvSpPr>
+            <a:spLocks noGrp="1"/>
+          </p:cNvSpPr>
+          <p:nvPr>
+            <p:ph type="body" idx="1"/>
+          </p:nvPr>
+        </p:nvSpPr>
+        <p:spPr/>
+        <p:txBody>
+          <a:bodyPr/>
+          <a:lstStyle/>
+          <a:p>
+            <a:endParaRPr lang="en-US" dirty="0"/>
+          </a:p>
+        </p:txBody>
+      </p:sp>
+      <p:sp>
+        <p:nvSpPr>
+          <p:cNvPr id="4" name="Slide Number Placeholder 3"/>
+          <p:cNvSpPr>
+            <a:spLocks noGrp="1"/>
+          </p:cNvSpPr>
+          <p:nvPr>
+            <p:ph type="sldNum" sz="quarter" idx="10"/>
+          </p:nvPr>
+        </p:nvSpPr>
+        <p:spPr/>
+        <p:txBody>
+          <a:bodyPr/>
+          <a:lstStyle/>
+          <a:p>
+            <a:pPr>
+              <a:defRPr/>
+            </a:pPr>
+            <a:fld id="{2C59AB3E-9F2B-7F49-AEC8-85309F7C0979}" type="slidenum">
+              <a:rPr lang="en-US" smtClean="0"/>
+              <a:pPr>
+                <a:defRPr/>
+              </a:pPr>
+              <a:t>18</a:t>
+            </a:fld>
+            <a:endParaRPr lang="en-US"/>
+          </a:p>
+        </p:txBody>
+      </p:sp>
+    </p:spTree>
+    <p:extLst>
+      <p:ext uri="{BB962C8B-B14F-4D97-AF65-F5344CB8AC3E}">
+        <p14:creationId xmlns:p14="http://schemas.microsoft.com/office/powerpoint/2010/main" val="1887676362"/>
+      </p:ext>
+    </p:extLst>
+  </p:cSld>
+  <p:clrMapOvr>
+    <a:masterClrMapping/>
+  </p:clrMapOvr>
+</p:notes>
+</file>
+
+<file path=ppt/notesSlides/notesSlide13.xml><?xml version="1.0" encoding="utf-8"?>
+<p:notes xmlns:a="http://schemas.openxmlformats.org/drawingml/2006/main" xmlns:r="http://schemas.openxmlformats.org/officeDocument/2006/relationships" xmlns:p="http://schemas.openxmlformats.org/presentationml/2006/main">
+  <p:cSld>
+    <p:spTree>
+      <p:nvGrpSpPr>
+        <p:cNvPr id="1" name=""/>
+        <p:cNvGrpSpPr/>
+        <p:nvPr/>
+      </p:nvGrpSpPr>
+      <p:grpSpPr>
+        <a:xfrm>
+          <a:off x="0" y="0"/>
+          <a:ext cx="0" cy="0"/>
+          <a:chOff x="0" y="0"/>
+          <a:chExt cx="0" cy="0"/>
+        </a:xfrm>
+      </p:grpSpPr>
+      <p:sp>
+        <p:nvSpPr>
+          <p:cNvPr id="2" name="Slide Image Placeholder 1"/>
+          <p:cNvSpPr>
+            <a:spLocks noGrp="1" noRot="1" noChangeAspect="1"/>
+          </p:cNvSpPr>
+          <p:nvPr>
+            <p:ph type="sldImg"/>
+          </p:nvPr>
+        </p:nvSpPr>
+        <p:spPr/>
+      </p:sp>
+      <p:sp>
+        <p:nvSpPr>
+          <p:cNvPr id="3" name="Notes Placeholder 2"/>
+          <p:cNvSpPr>
+            <a:spLocks noGrp="1"/>
+          </p:cNvSpPr>
+          <p:nvPr>
+            <p:ph type="body" idx="1"/>
+          </p:nvPr>
+        </p:nvSpPr>
+        <p:spPr/>
+        <p:txBody>
+          <a:bodyPr/>
+          <a:lstStyle/>
+          <a:p>
+            <a:endParaRPr lang="en-US" dirty="0"/>
+          </a:p>
+        </p:txBody>
+      </p:sp>
+      <p:sp>
+        <p:nvSpPr>
+          <p:cNvPr id="4" name="Slide Number Placeholder 3"/>
+          <p:cNvSpPr>
+            <a:spLocks noGrp="1"/>
+          </p:cNvSpPr>
+          <p:nvPr>
+            <p:ph type="sldNum" sz="quarter" idx="10"/>
+          </p:nvPr>
+        </p:nvSpPr>
+        <p:spPr/>
+        <p:txBody>
+          <a:bodyPr/>
+          <a:lstStyle/>
+          <a:p>
+            <a:pPr>
+              <a:defRPr/>
+            </a:pPr>
+            <a:fld id="{2C59AB3E-9F2B-7F49-AEC8-85309F7C0979}" type="slidenum">
+              <a:rPr lang="en-US" smtClean="0"/>
+              <a:pPr>
+                <a:defRPr/>
+              </a:pPr>
+              <a:t>19</a:t>
+            </a:fld>
+            <a:endParaRPr lang="en-US"/>
+          </a:p>
+        </p:txBody>
+      </p:sp>
+    </p:spTree>
+    <p:extLst>
+      <p:ext uri="{BB962C8B-B14F-4D97-AF65-F5344CB8AC3E}">
+        <p14:creationId xmlns:p14="http://schemas.microsoft.com/office/powerpoint/2010/main" val="1887676362"/>
+      </p:ext>
+    </p:extLst>
+  </p:cSld>
+  <p:clrMapOvr>
+    <a:masterClrMapping/>
+  </p:clrMapOvr>
+</p:notes>
+</file>
+
+<file path=ppt/notesSlides/notesSlide14.xml><?xml version="1.0" encoding="utf-8"?>
+<p:notes xmlns:a="http://schemas.openxmlformats.org/drawingml/2006/main" xmlns:r="http://schemas.openxmlformats.org/officeDocument/2006/relationships" xmlns:p="http://schemas.openxmlformats.org/presentationml/2006/main">
+  <p:cSld>
+    <p:spTree>
+      <p:nvGrpSpPr>
+        <p:cNvPr id="1" name=""/>
+        <p:cNvGrpSpPr/>
+        <p:nvPr/>
+      </p:nvGrpSpPr>
+      <p:grpSpPr>
+        <a:xfrm>
+          <a:off x="0" y="0"/>
+          <a:ext cx="0" cy="0"/>
+          <a:chOff x="0" y="0"/>
+          <a:chExt cx="0" cy="0"/>
+        </a:xfrm>
+      </p:grpSpPr>
+      <p:sp>
+        <p:nvSpPr>
+          <p:cNvPr id="2" name="Slide Image Placeholder 1"/>
+          <p:cNvSpPr>
+            <a:spLocks noGrp="1" noRot="1" noChangeAspect="1"/>
+          </p:cNvSpPr>
+          <p:nvPr>
+            <p:ph type="sldImg"/>
+          </p:nvPr>
+        </p:nvSpPr>
+        <p:spPr/>
+      </p:sp>
+      <p:sp>
+        <p:nvSpPr>
+          <p:cNvPr id="3" name="Notes Placeholder 2"/>
+          <p:cNvSpPr>
+            <a:spLocks noGrp="1"/>
+          </p:cNvSpPr>
+          <p:nvPr>
+            <p:ph type="body" idx="1"/>
+          </p:nvPr>
+        </p:nvSpPr>
+        <p:spPr/>
+        <p:txBody>
+          <a:bodyPr/>
+          <a:lstStyle/>
+          <a:p>
+            <a:endParaRPr lang="en-US" dirty="0"/>
+          </a:p>
+        </p:txBody>
+      </p:sp>
+      <p:sp>
+        <p:nvSpPr>
+          <p:cNvPr id="4" name="Slide Number Placeholder 3"/>
+          <p:cNvSpPr>
+            <a:spLocks noGrp="1"/>
+          </p:cNvSpPr>
+          <p:nvPr>
+            <p:ph type="sldNum" sz="quarter" idx="10"/>
+          </p:nvPr>
+        </p:nvSpPr>
+        <p:spPr/>
+        <p:txBody>
+          <a:bodyPr/>
+          <a:lstStyle/>
+          <a:p>
+            <a:pPr>
+              <a:defRPr/>
+            </a:pPr>
+            <a:fld id="{2C59AB3E-9F2B-7F49-AEC8-85309F7C0979}" type="slidenum">
+              <a:rPr lang="en-US" smtClean="0"/>
+              <a:pPr>
+                <a:defRPr/>
+              </a:pPr>
+              <a:t>20</a:t>
+            </a:fld>
+            <a:endParaRPr lang="en-US"/>
+          </a:p>
+        </p:txBody>
+      </p:sp>
+    </p:spTree>
+    <p:extLst>
+      <p:ext uri="{BB962C8B-B14F-4D97-AF65-F5344CB8AC3E}">
+        <p14:creationId xmlns:p14="http://schemas.microsoft.com/office/powerpoint/2010/main" val="1887676362"/>
+      </p:ext>
+    </p:extLst>
+  </p:cSld>
+  <p:clrMapOvr>
+    <a:masterClrMapping/>
+  </p:clrMapOvr>
+</p:notes>
+</file>
+
+<file path=ppt/notesSlides/notesSlide15.xml><?xml version="1.0" encoding="utf-8"?>
+<p:notes xmlns:a="http://schemas.openxmlformats.org/drawingml/2006/main" xmlns:r="http://schemas.openxmlformats.org/officeDocument/2006/relationships" xmlns:p="http://schemas.openxmlformats.org/presentationml/2006/main">
+  <p:cSld>
+    <p:spTree>
+      <p:nvGrpSpPr>
+        <p:cNvPr id="1" name=""/>
+        <p:cNvGrpSpPr/>
+        <p:nvPr/>
+      </p:nvGrpSpPr>
+      <p:grpSpPr>
+        <a:xfrm>
+          <a:off x="0" y="0"/>
+          <a:ext cx="0" cy="0"/>
+          <a:chOff x="0" y="0"/>
+          <a:chExt cx="0" cy="0"/>
+        </a:xfrm>
+      </p:grpSpPr>
+      <p:sp>
+        <p:nvSpPr>
+          <p:cNvPr id="2" name="Slide Image Placeholder 1"/>
+          <p:cNvSpPr>
+            <a:spLocks noGrp="1" noRot="1" noChangeAspect="1"/>
+          </p:cNvSpPr>
+          <p:nvPr>
+            <p:ph type="sldImg"/>
+          </p:nvPr>
+        </p:nvSpPr>
+        <p:spPr/>
+      </p:sp>
+      <p:sp>
+        <p:nvSpPr>
+          <p:cNvPr id="3" name="Notes Placeholder 2"/>
+          <p:cNvSpPr>
+            <a:spLocks noGrp="1"/>
+          </p:cNvSpPr>
+          <p:nvPr>
+            <p:ph type="body" idx="1"/>
+          </p:nvPr>
+        </p:nvSpPr>
+        <p:spPr/>
+        <p:txBody>
+          <a:bodyPr/>
+          <a:lstStyle/>
+          <a:p>
+            <a:endParaRPr lang="en-US" dirty="0"/>
+          </a:p>
+        </p:txBody>
+      </p:sp>
+      <p:sp>
+        <p:nvSpPr>
+          <p:cNvPr id="4" name="Slide Number Placeholder 3"/>
+          <p:cNvSpPr>
+            <a:spLocks noGrp="1"/>
+          </p:cNvSpPr>
+          <p:nvPr>
+            <p:ph type="sldNum" sz="quarter" idx="10"/>
+          </p:nvPr>
+        </p:nvSpPr>
+        <p:spPr/>
+        <p:txBody>
+          <a:bodyPr/>
+          <a:lstStyle/>
+          <a:p>
+            <a:pPr>
+              <a:defRPr/>
+            </a:pPr>
+            <a:fld id="{2C59AB3E-9F2B-7F49-AEC8-85309F7C0979}" type="slidenum">
+              <a:rPr lang="en-US" smtClean="0"/>
+              <a:pPr>
+                <a:defRPr/>
+              </a:pPr>
+              <a:t>21</a:t>
+            </a:fld>
+            <a:endParaRPr lang="en-US"/>
+          </a:p>
+        </p:txBody>
+      </p:sp>
+    </p:spTree>
+    <p:extLst>
+      <p:ext uri="{BB962C8B-B14F-4D97-AF65-F5344CB8AC3E}">
+        <p14:creationId xmlns:p14="http://schemas.microsoft.com/office/powerpoint/2010/main" val="1887676362"/>
+      </p:ext>
+    </p:extLst>
+  </p:cSld>
+  <p:clrMapOvr>
+    <a:masterClrMapping/>
+  </p:clrMapOvr>
+</p:notes>
+</file>
+
+<file path=ppt/notesSlides/notesSlide16.xml><?xml version="1.0" encoding="utf-8"?>
+<p:notes xmlns:a="http://schemas.openxmlformats.org/drawingml/2006/main" xmlns:r="http://schemas.openxmlformats.org/officeDocument/2006/relationships" xmlns:p="http://schemas.openxmlformats.org/presentationml/2006/main">
+  <p:cSld>
+    <p:spTree>
+      <p:nvGrpSpPr>
+        <p:cNvPr id="1" name=""/>
+        <p:cNvGrpSpPr/>
+        <p:nvPr/>
+      </p:nvGrpSpPr>
+      <p:grpSpPr>
+        <a:xfrm>
+          <a:off x="0" y="0"/>
+          <a:ext cx="0" cy="0"/>
+          <a:chOff x="0" y="0"/>
+          <a:chExt cx="0" cy="0"/>
+        </a:xfrm>
+      </p:grpSpPr>
+      <p:sp>
+        <p:nvSpPr>
+          <p:cNvPr id="2" name="Slide Image Placeholder 1"/>
+          <p:cNvSpPr>
+            <a:spLocks noGrp="1" noRot="1" noChangeAspect="1"/>
+          </p:cNvSpPr>
+          <p:nvPr>
+            <p:ph type="sldImg"/>
+          </p:nvPr>
+        </p:nvSpPr>
+        <p:spPr/>
+      </p:sp>
+      <p:sp>
+        <p:nvSpPr>
+          <p:cNvPr id="3" name="Notes Placeholder 2"/>
+          <p:cNvSpPr>
+            <a:spLocks noGrp="1"/>
+          </p:cNvSpPr>
+          <p:nvPr>
+            <p:ph type="body" idx="1"/>
+          </p:nvPr>
+        </p:nvSpPr>
+        <p:spPr/>
+        <p:txBody>
+          <a:bodyPr/>
+          <a:lstStyle/>
+          <a:p>
+            <a:endParaRPr lang="en-US" dirty="0"/>
+          </a:p>
+        </p:txBody>
+      </p:sp>
+      <p:sp>
+        <p:nvSpPr>
+          <p:cNvPr id="4" name="Slide Number Placeholder 3"/>
+          <p:cNvSpPr>
+            <a:spLocks noGrp="1"/>
+          </p:cNvSpPr>
+          <p:nvPr>
+            <p:ph type="sldNum" sz="quarter" idx="10"/>
+          </p:nvPr>
+        </p:nvSpPr>
+        <p:spPr/>
+        <p:txBody>
+          <a:bodyPr/>
+          <a:lstStyle/>
+          <a:p>
+            <a:pPr>
+              <a:defRPr/>
+            </a:pPr>
+            <a:fld id="{2C59AB3E-9F2B-7F49-AEC8-85309F7C0979}" type="slidenum">
+              <a:rPr lang="en-US" smtClean="0"/>
+              <a:pPr>
+                <a:defRPr/>
+              </a:pPr>
+              <a:t>22</a:t>
+            </a:fld>
+            <a:endParaRPr lang="en-US"/>
+          </a:p>
+        </p:txBody>
+      </p:sp>
+    </p:spTree>
+    <p:extLst>
+      <p:ext uri="{BB962C8B-B14F-4D97-AF65-F5344CB8AC3E}">
+        <p14:creationId xmlns:p14="http://schemas.microsoft.com/office/powerpoint/2010/main" val="1887676362"/>
+      </p:ext>
+    </p:extLst>
+  </p:cSld>
+  <p:clrMapOvr>
+    <a:masterClrMapping/>
+  </p:clrMapOvr>
+</p:notes>
+</file>
+
+<file path=ppt/notesSlides/notesSlide17.xml><?xml version="1.0" encoding="utf-8"?>
+<p:notes xmlns:a="http://schemas.openxmlformats.org/drawingml/2006/main" xmlns:r="http://schemas.openxmlformats.org/officeDocument/2006/relationships" xmlns:p="http://schemas.openxmlformats.org/presentationml/2006/main">
+  <p:cSld>
+    <p:spTree>
+      <p:nvGrpSpPr>
+        <p:cNvPr id="1" name=""/>
+        <p:cNvGrpSpPr/>
+        <p:nvPr/>
+      </p:nvGrpSpPr>
+      <p:grpSpPr>
+        <a:xfrm>
+          <a:off x="0" y="0"/>
+          <a:ext cx="0" cy="0"/>
+          <a:chOff x="0" y="0"/>
+          <a:chExt cx="0" cy="0"/>
+        </a:xfrm>
+      </p:grpSpPr>
+      <p:sp>
+        <p:nvSpPr>
+          <p:cNvPr id="2" name="Slide Image Placeholder 1"/>
+          <p:cNvSpPr>
+            <a:spLocks noGrp="1" noRot="1" noChangeAspect="1"/>
+          </p:cNvSpPr>
+          <p:nvPr>
+            <p:ph type="sldImg"/>
+          </p:nvPr>
+        </p:nvSpPr>
+        <p:spPr/>
+      </p:sp>
+      <p:sp>
+        <p:nvSpPr>
+          <p:cNvPr id="3" name="Notes Placeholder 2"/>
+          <p:cNvSpPr>
+            <a:spLocks noGrp="1"/>
+          </p:cNvSpPr>
+          <p:nvPr>
+            <p:ph type="body" idx="1"/>
+          </p:nvPr>
+        </p:nvSpPr>
+        <p:spPr/>
+        <p:txBody>
+          <a:bodyPr/>
+          <a:lstStyle/>
+          <a:p>
+            <a:endParaRPr lang="en-US" dirty="0"/>
+          </a:p>
+        </p:txBody>
+      </p:sp>
+      <p:sp>
+        <p:nvSpPr>
+          <p:cNvPr id="4" name="Slide Number Placeholder 3"/>
+          <p:cNvSpPr>
+            <a:spLocks noGrp="1"/>
+          </p:cNvSpPr>
+          <p:nvPr>
+            <p:ph type="sldNum" sz="quarter" idx="10"/>
+          </p:nvPr>
+        </p:nvSpPr>
+        <p:spPr/>
+        <p:txBody>
+          <a:bodyPr/>
+          <a:lstStyle/>
+          <a:p>
+            <a:pPr>
+              <a:defRPr/>
+            </a:pPr>
+            <a:fld id="{2C59AB3E-9F2B-7F49-AEC8-85309F7C0979}" type="slidenum">
+              <a:rPr lang="en-US" smtClean="0"/>
+              <a:pPr>
+                <a:defRPr/>
+              </a:pPr>
+              <a:t>23</a:t>
+            </a:fld>
+            <a:endParaRPr lang="en-US"/>
+          </a:p>
+        </p:txBody>
+      </p:sp>
+    </p:spTree>
+    <p:extLst>
+      <p:ext uri="{BB962C8B-B14F-4D97-AF65-F5344CB8AC3E}">
+        <p14:creationId xmlns:p14="http://schemas.microsoft.com/office/powerpoint/2010/main" val="1887676362"/>
+      </p:ext>
+    </p:extLst>
+  </p:cSld>
+  <p:clrMapOvr>
+    <a:masterClrMapping/>
+  </p:clrMapOvr>
+</p:notes>
+</file>
+
+<file path=ppt/notesSlides/notesSlide18.xml><?xml version="1.0" encoding="utf-8"?>
+<p:notes xmlns:a="http://schemas.openxmlformats.org/drawingml/2006/main" xmlns:r="http://schemas.openxmlformats.org/officeDocument/2006/relationships" xmlns:p="http://schemas.openxmlformats.org/presentationml/2006/main">
+  <p:cSld>
+    <p:spTree>
+      <p:nvGrpSpPr>
+        <p:cNvPr id="1" name=""/>
+        <p:cNvGrpSpPr/>
+        <p:nvPr/>
+      </p:nvGrpSpPr>
+      <p:grpSpPr>
+        <a:xfrm>
+          <a:off x="0" y="0"/>
+          <a:ext cx="0" cy="0"/>
+          <a:chOff x="0" y="0"/>
+          <a:chExt cx="0" cy="0"/>
+        </a:xfrm>
+      </p:grpSpPr>
+      <p:sp>
+        <p:nvSpPr>
+          <p:cNvPr id="2" name="Slide Image Placeholder 1"/>
+          <p:cNvSpPr>
+            <a:spLocks noGrp="1" noRot="1" noChangeAspect="1"/>
+          </p:cNvSpPr>
+          <p:nvPr>
+            <p:ph type="sldImg"/>
+          </p:nvPr>
+        </p:nvSpPr>
+        <p:spPr/>
+      </p:sp>
+      <p:sp>
+        <p:nvSpPr>
+          <p:cNvPr id="3" name="Notes Placeholder 2"/>
+          <p:cNvSpPr>
+            <a:spLocks noGrp="1"/>
+          </p:cNvSpPr>
+          <p:nvPr>
+            <p:ph type="body" idx="1"/>
+          </p:nvPr>
+        </p:nvSpPr>
+        <p:spPr/>
+        <p:txBody>
+          <a:bodyPr/>
+          <a:lstStyle/>
+          <a:p>
+            <a:endParaRPr lang="en-US" dirty="0"/>
+          </a:p>
+        </p:txBody>
+      </p:sp>
+      <p:sp>
+        <p:nvSpPr>
+          <p:cNvPr id="4" name="Slide Number Placeholder 3"/>
+          <p:cNvSpPr>
+            <a:spLocks noGrp="1"/>
+          </p:cNvSpPr>
+          <p:nvPr>
+            <p:ph type="sldNum" sz="quarter" idx="10"/>
+          </p:nvPr>
+        </p:nvSpPr>
+        <p:spPr/>
+        <p:txBody>
+          <a:bodyPr/>
+          <a:lstStyle/>
+          <a:p>
+            <a:pPr>
+              <a:defRPr/>
+            </a:pPr>
+            <a:fld id="{2C59AB3E-9F2B-7F49-AEC8-85309F7C0979}" type="slidenum">
+              <a:rPr lang="en-US" smtClean="0"/>
+              <a:pPr>
+                <a:defRPr/>
+              </a:pPr>
+              <a:t>24</a:t>
+            </a:fld>
+            <a:endParaRPr lang="en-US"/>
+          </a:p>
+        </p:txBody>
+      </p:sp>
+    </p:spTree>
+    <p:extLst>
+      <p:ext uri="{BB962C8B-B14F-4D97-AF65-F5344CB8AC3E}">
+        <p14:creationId xmlns:p14="http://schemas.microsoft.com/office/powerpoint/2010/main" val="1887676362"/>
+      </p:ext>
+    </p:extLst>
+  </p:cSld>
+  <p:clrMapOvr>
+    <a:masterClrMapping/>
+  </p:clrMapOvr>
+</p:notes>
+</file>
+
+<file path=ppt/notesSlides/notesSlide19.xml><?xml version="1.0" encoding="utf-8"?>
+<p:notes xmlns:a="http://schemas.openxmlformats.org/drawingml/2006/main" xmlns:r="http://schemas.openxmlformats.org/officeDocument/2006/relationships" xmlns:p="http://schemas.openxmlformats.org/presentationml/2006/main">
+  <p:cSld>
+    <p:spTree>
+      <p:nvGrpSpPr>
+        <p:cNvPr id="1" name=""/>
+        <p:cNvGrpSpPr/>
+        <p:nvPr/>
+      </p:nvGrpSpPr>
+      <p:grpSpPr>
+        <a:xfrm>
+          <a:off x="0" y="0"/>
+          <a:ext cx="0" cy="0"/>
+          <a:chOff x="0" y="0"/>
+          <a:chExt cx="0" cy="0"/>
+        </a:xfrm>
+      </p:grpSpPr>
+      <p:sp>
+        <p:nvSpPr>
+          <p:cNvPr id="2" name="Slide Image Placeholder 1"/>
+          <p:cNvSpPr>
+            <a:spLocks noGrp="1" noRot="1" noChangeAspect="1"/>
+          </p:cNvSpPr>
+          <p:nvPr>
+            <p:ph type="sldImg"/>
+          </p:nvPr>
+        </p:nvSpPr>
+        <p:spPr/>
+      </p:sp>
+      <p:sp>
+        <p:nvSpPr>
+          <p:cNvPr id="3" name="Notes Placeholder 2"/>
+          <p:cNvSpPr>
+            <a:spLocks noGrp="1"/>
+          </p:cNvSpPr>
+          <p:nvPr>
+            <p:ph type="body" idx="1"/>
+          </p:nvPr>
+        </p:nvSpPr>
+        <p:spPr/>
+        <p:txBody>
+          <a:bodyPr/>
+          <a:lstStyle/>
+          <a:p>
+            <a:endParaRPr lang="en-US" dirty="0"/>
+          </a:p>
+        </p:txBody>
+      </p:sp>
+      <p:sp>
+        <p:nvSpPr>
+          <p:cNvPr id="4" name="Slide Number Placeholder 3"/>
+          <p:cNvSpPr>
+            <a:spLocks noGrp="1"/>
+          </p:cNvSpPr>
+          <p:nvPr>
+            <p:ph type="sldNum" sz="quarter" idx="10"/>
+          </p:nvPr>
+        </p:nvSpPr>
+        <p:spPr/>
+        <p:txBody>
+          <a:bodyPr/>
+          <a:lstStyle/>
+          <a:p>
+            <a:pPr>
+              <a:defRPr/>
+            </a:pPr>
+            <a:fld id="{2C59AB3E-9F2B-7F49-AEC8-85309F7C0979}" type="slidenum">
+              <a:rPr lang="en-US" smtClean="0"/>
+              <a:pPr>
+                <a:defRPr/>
+              </a:pPr>
+              <a:t>25</a:t>
+            </a:fld>
+            <a:endParaRPr lang="en-US"/>
+          </a:p>
+        </p:txBody>
+      </p:sp>
+    </p:spTree>
+    <p:extLst>
+      <p:ext uri="{BB962C8B-B14F-4D97-AF65-F5344CB8AC3E}">
+        <p14:creationId xmlns:p14="http://schemas.microsoft.com/office/powerpoint/2010/main" val="1887676362"/>
+      </p:ext>
+    </p:extLst>
+  </p:cSld>
+  <p:clrMapOvr>
+    <a:masterClrMapping/>
+  </p:clrMapOvr>
+</p:notes>
+</file>
+
+<file path=ppt/notesSlides/notesSlide2.xml><?xml version="1.0" encoding="utf-8"?>
+<p:notes xmlns:a="http://schemas.openxmlformats.org/drawingml/2006/main" xmlns:r="http://schemas.openxmlformats.org/officeDocument/2006/relationships" xmlns:p="http://schemas.openxmlformats.org/presentationml/2006/main">
+  <p:cSld>
+    <p:spTree>
+      <p:nvGrpSpPr>
+        <p:cNvPr id="1" name=""/>
+        <p:cNvGrpSpPr/>
+        <p:nvPr/>
+      </p:nvGrpSpPr>
+      <p:grpSpPr>
+        <a:xfrm>
+          <a:off x="0" y="0"/>
+          <a:ext cx="0" cy="0"/>
+          <a:chOff x="0" y="0"/>
+          <a:chExt cx="0" cy="0"/>
+        </a:xfrm>
+      </p:grpSpPr>
+      <p:sp>
+        <p:nvSpPr>
+          <p:cNvPr id="2" name="Slide Image Placeholder 1"/>
+          <p:cNvSpPr>
+            <a:spLocks noGrp="1" noRot="1" noChangeAspect="1"/>
+          </p:cNvSpPr>
+          <p:nvPr>
+            <p:ph type="sldImg"/>
+          </p:nvPr>
+        </p:nvSpPr>
+        <p:spPr/>
+      </p:sp>
+      <p:sp>
+        <p:nvSpPr>
+          <p:cNvPr id="3" name="Notes Placeholder 2"/>
+          <p:cNvSpPr>
+            <a:spLocks noGrp="1"/>
+          </p:cNvSpPr>
+          <p:nvPr>
+            <p:ph type="body" idx="1"/>
+          </p:nvPr>
+        </p:nvSpPr>
+        <p:spPr/>
+        <p:txBody>
+          <a:bodyPr/>
+          <a:lstStyle/>
+          <a:p>
+            <a:endParaRPr lang="en-US" dirty="0"/>
+          </a:p>
+        </p:txBody>
+      </p:sp>
+      <p:sp>
+        <p:nvSpPr>
+          <p:cNvPr id="4" name="Slide Number Placeholder 3"/>
+          <p:cNvSpPr>
+            <a:spLocks noGrp="1"/>
+          </p:cNvSpPr>
+          <p:nvPr>
+            <p:ph type="sldNum" sz="quarter" idx="10"/>
+          </p:nvPr>
+        </p:nvSpPr>
+        <p:spPr/>
+        <p:txBody>
+          <a:bodyPr/>
+          <a:lstStyle/>
+          <a:p>
+            <a:pPr>
+              <a:defRPr/>
+            </a:pPr>
+            <a:fld id="{2C59AB3E-9F2B-7F49-AEC8-85309F7C0979}" type="slidenum">
+              <a:rPr lang="en-US" smtClean="0"/>
+              <a:pPr>
+                <a:defRPr/>
+              </a:pPr>
+              <a:t>8</a:t>
+            </a:fld>
+            <a:endParaRPr lang="en-US"/>
+          </a:p>
+        </p:txBody>
+      </p:sp>
+    </p:spTree>
+    <p:extLst>
+      <p:ext uri="{BB962C8B-B14F-4D97-AF65-F5344CB8AC3E}">
+        <p14:creationId xmlns:p14="http://schemas.microsoft.com/office/powerpoint/2010/main" val="1887676362"/>
+      </p:ext>
+    </p:extLst>
+  </p:cSld>
+  <p:clrMapOvr>
+    <a:masterClrMapping/>
+  </p:clrMapOvr>
+</p:notes>
+</file>
+
+<file path=ppt/notesSlides/notesSlide20.xml><?xml version="1.0" encoding="utf-8"?>
+<p:notes xmlns:a="http://schemas.openxmlformats.org/drawingml/2006/main" xmlns:r="http://schemas.openxmlformats.org/officeDocument/2006/relationships" xmlns:p="http://schemas.openxmlformats.org/presentationml/2006/main">
+  <p:cSld>
+    <p:spTree>
+      <p:nvGrpSpPr>
+        <p:cNvPr id="1" name=""/>
+        <p:cNvGrpSpPr/>
+        <p:nvPr/>
+      </p:nvGrpSpPr>
+      <p:grpSpPr>
+        <a:xfrm>
+          <a:off x="0" y="0"/>
+          <a:ext cx="0" cy="0"/>
+          <a:chOff x="0" y="0"/>
+          <a:chExt cx="0" cy="0"/>
+        </a:xfrm>
+      </p:grpSpPr>
+      <p:sp>
+        <p:nvSpPr>
+          <p:cNvPr id="2" name="Slide Image Placeholder 1"/>
+          <p:cNvSpPr>
+            <a:spLocks noGrp="1" noRot="1" noChangeAspect="1"/>
+          </p:cNvSpPr>
+          <p:nvPr>
+            <p:ph type="sldImg"/>
+          </p:nvPr>
+        </p:nvSpPr>
+        <p:spPr/>
+      </p:sp>
+      <p:sp>
+        <p:nvSpPr>
+          <p:cNvPr id="3" name="Notes Placeholder 2"/>
+          <p:cNvSpPr>
+            <a:spLocks noGrp="1"/>
+          </p:cNvSpPr>
+          <p:nvPr>
+            <p:ph type="body" idx="1"/>
+          </p:nvPr>
+        </p:nvSpPr>
+        <p:spPr/>
+        <p:txBody>
+          <a:bodyPr/>
+          <a:lstStyle/>
+          <a:p>
+            <a:endParaRPr lang="en-US" dirty="0"/>
+          </a:p>
+        </p:txBody>
+      </p:sp>
+      <p:sp>
+        <p:nvSpPr>
+          <p:cNvPr id="4" name="Slide Number Placeholder 3"/>
+          <p:cNvSpPr>
+            <a:spLocks noGrp="1"/>
+          </p:cNvSpPr>
+          <p:nvPr>
+            <p:ph type="sldNum" sz="quarter" idx="10"/>
+          </p:nvPr>
+        </p:nvSpPr>
+        <p:spPr/>
+        <p:txBody>
+          <a:bodyPr/>
+          <a:lstStyle/>
+          <a:p>
+            <a:pPr>
+              <a:defRPr/>
+            </a:pPr>
+            <a:fld id="{2C59AB3E-9F2B-7F49-AEC8-85309F7C0979}" type="slidenum">
+              <a:rPr lang="en-US" smtClean="0"/>
+              <a:pPr>
+                <a:defRPr/>
+              </a:pPr>
+              <a:t>26</a:t>
+            </a:fld>
+            <a:endParaRPr lang="en-US"/>
+          </a:p>
+        </p:txBody>
+      </p:sp>
+    </p:spTree>
+    <p:extLst>
+      <p:ext uri="{BB962C8B-B14F-4D97-AF65-F5344CB8AC3E}">
+        <p14:creationId xmlns:p14="http://schemas.microsoft.com/office/powerpoint/2010/main" val="1887676362"/>
+      </p:ext>
+    </p:extLst>
+  </p:cSld>
+  <p:clrMapOvr>
+    <a:masterClrMapping/>
+  </p:clrMapOvr>
+</p:notes>
+</file>
+
+<file path=ppt/notesSlides/notesSlide21.xml><?xml version="1.0" encoding="utf-8"?>
+<p:notes xmlns:a="http://schemas.openxmlformats.org/drawingml/2006/main" xmlns:r="http://schemas.openxmlformats.org/officeDocument/2006/relationships" xmlns:p="http://schemas.openxmlformats.org/presentationml/2006/main">
+  <p:cSld>
+    <p:spTree>
+      <p:nvGrpSpPr>
+        <p:cNvPr id="1" name=""/>
+        <p:cNvGrpSpPr/>
+        <p:nvPr/>
+      </p:nvGrpSpPr>
+      <p:grpSpPr>
+        <a:xfrm>
+          <a:off x="0" y="0"/>
+          <a:ext cx="0" cy="0"/>
+          <a:chOff x="0" y="0"/>
+          <a:chExt cx="0" cy="0"/>
+        </a:xfrm>
+      </p:grpSpPr>
+      <p:sp>
+        <p:nvSpPr>
+          <p:cNvPr id="2" name="Slide Image Placeholder 1"/>
+          <p:cNvSpPr>
+            <a:spLocks noGrp="1" noRot="1" noChangeAspect="1"/>
+          </p:cNvSpPr>
+          <p:nvPr>
+            <p:ph type="sldImg"/>
+          </p:nvPr>
+        </p:nvSpPr>
+        <p:spPr/>
+      </p:sp>
+      <p:sp>
+        <p:nvSpPr>
+          <p:cNvPr id="3" name="Notes Placeholder 2"/>
+          <p:cNvSpPr>
+            <a:spLocks noGrp="1"/>
+          </p:cNvSpPr>
+          <p:nvPr>
+            <p:ph type="body" idx="1"/>
+          </p:nvPr>
+        </p:nvSpPr>
+        <p:spPr/>
+        <p:txBody>
+          <a:bodyPr/>
+          <a:lstStyle/>
+          <a:p>
+            <a:endParaRPr lang="en-US" dirty="0"/>
+          </a:p>
+        </p:txBody>
+      </p:sp>
+      <p:sp>
+        <p:nvSpPr>
+          <p:cNvPr id="4" name="Slide Number Placeholder 3"/>
+          <p:cNvSpPr>
+            <a:spLocks noGrp="1"/>
+          </p:cNvSpPr>
+          <p:nvPr>
+            <p:ph type="sldNum" sz="quarter" idx="10"/>
+          </p:nvPr>
+        </p:nvSpPr>
+        <p:spPr/>
+        <p:txBody>
+          <a:bodyPr/>
+          <a:lstStyle/>
+          <a:p>
+            <a:pPr>
+              <a:defRPr/>
+            </a:pPr>
+            <a:fld id="{2C59AB3E-9F2B-7F49-AEC8-85309F7C0979}" type="slidenum">
+              <a:rPr lang="en-US" smtClean="0"/>
+              <a:pPr>
+                <a:defRPr/>
+              </a:pPr>
+              <a:t>27</a:t>
+            </a:fld>
+            <a:endParaRPr lang="en-US"/>
+          </a:p>
+        </p:txBody>
+      </p:sp>
+    </p:spTree>
+    <p:extLst>
+      <p:ext uri="{BB962C8B-B14F-4D97-AF65-F5344CB8AC3E}">
+        <p14:creationId xmlns:p14="http://schemas.microsoft.com/office/powerpoint/2010/main" val="1887676362"/>
+      </p:ext>
+    </p:extLst>
+  </p:cSld>
+  <p:clrMapOvr>
+    <a:masterClrMapping/>
+  </p:clrMapOvr>
+</p:notes>
+</file>
+
+<file path=ppt/notesSlides/notesSlide22.xml><?xml version="1.0" encoding="utf-8"?>
+<p:notes xmlns:a="http://schemas.openxmlformats.org/drawingml/2006/main" xmlns:r="http://schemas.openxmlformats.org/officeDocument/2006/relationships" xmlns:p="http://schemas.openxmlformats.org/presentationml/2006/main">
+  <p:cSld>
+    <p:spTree>
+      <p:nvGrpSpPr>
+        <p:cNvPr id="1" name=""/>
+        <p:cNvGrpSpPr/>
+        <p:nvPr/>
+      </p:nvGrpSpPr>
+      <p:grpSpPr>
+        <a:xfrm>
+          <a:off x="0" y="0"/>
+          <a:ext cx="0" cy="0"/>
+          <a:chOff x="0" y="0"/>
+          <a:chExt cx="0" cy="0"/>
+        </a:xfrm>
+      </p:grpSpPr>
+      <p:sp>
+        <p:nvSpPr>
+          <p:cNvPr id="2" name="Slide Image Placeholder 1"/>
+          <p:cNvSpPr>
+            <a:spLocks noGrp="1" noRot="1" noChangeAspect="1"/>
+          </p:cNvSpPr>
+          <p:nvPr>
+            <p:ph type="sldImg"/>
+          </p:nvPr>
+        </p:nvSpPr>
+        <p:spPr/>
+      </p:sp>
+      <p:sp>
+        <p:nvSpPr>
+          <p:cNvPr id="3" name="Notes Placeholder 2"/>
+          <p:cNvSpPr>
+            <a:spLocks noGrp="1"/>
+          </p:cNvSpPr>
+          <p:nvPr>
+            <p:ph type="body" idx="1"/>
+          </p:nvPr>
+        </p:nvSpPr>
+        <p:spPr/>
+        <p:txBody>
+          <a:bodyPr/>
+          <a:lstStyle/>
+          <a:p>
+            <a:endParaRPr lang="en-US" dirty="0"/>
+          </a:p>
+        </p:txBody>
+      </p:sp>
+      <p:sp>
+        <p:nvSpPr>
+          <p:cNvPr id="4" name="Slide Number Placeholder 3"/>
+          <p:cNvSpPr>
+            <a:spLocks noGrp="1"/>
+          </p:cNvSpPr>
+          <p:nvPr>
+            <p:ph type="sldNum" sz="quarter" idx="10"/>
+          </p:nvPr>
+        </p:nvSpPr>
+        <p:spPr/>
+        <p:txBody>
+          <a:bodyPr/>
+          <a:lstStyle/>
+          <a:p>
+            <a:pPr>
+              <a:defRPr/>
+            </a:pPr>
+            <a:fld id="{2C59AB3E-9F2B-7F49-AEC8-85309F7C0979}" type="slidenum">
+              <a:rPr lang="en-US" smtClean="0"/>
+              <a:pPr>
+                <a:defRPr/>
+              </a:pPr>
+              <a:t>28</a:t>
+            </a:fld>
+            <a:endParaRPr lang="en-US"/>
+          </a:p>
+        </p:txBody>
+      </p:sp>
+    </p:spTree>
+    <p:extLst>
+      <p:ext uri="{BB962C8B-B14F-4D97-AF65-F5344CB8AC3E}">
+        <p14:creationId xmlns:p14="http://schemas.microsoft.com/office/powerpoint/2010/main" val="1887676362"/>
+      </p:ext>
+    </p:extLst>
+  </p:cSld>
+  <p:clrMapOvr>
+    <a:masterClrMapping/>
+  </p:clrMapOvr>
+</p:notes>
+</file>
+
+<file path=ppt/notesSlides/notesSlide23.xml><?xml version="1.0" encoding="utf-8"?>
+<p:notes xmlns:a="http://schemas.openxmlformats.org/drawingml/2006/main" xmlns:r="http://schemas.openxmlformats.org/officeDocument/2006/relationships" xmlns:p="http://schemas.openxmlformats.org/presentationml/2006/main">
+  <p:cSld>
+    <p:spTree>
+      <p:nvGrpSpPr>
+        <p:cNvPr id="1" name=""/>
+        <p:cNvGrpSpPr/>
+        <p:nvPr/>
+      </p:nvGrpSpPr>
+      <p:grpSpPr>
+        <a:xfrm>
+          <a:off x="0" y="0"/>
+          <a:ext cx="0" cy="0"/>
+          <a:chOff x="0" y="0"/>
+          <a:chExt cx="0" cy="0"/>
+        </a:xfrm>
+      </p:grpSpPr>
+      <p:sp>
+        <p:nvSpPr>
+          <p:cNvPr id="2" name="Slide Image Placeholder 1"/>
+          <p:cNvSpPr>
+            <a:spLocks noGrp="1" noRot="1" noChangeAspect="1"/>
+          </p:cNvSpPr>
+          <p:nvPr>
+            <p:ph type="sldImg"/>
+          </p:nvPr>
+        </p:nvSpPr>
+        <p:spPr/>
+      </p:sp>
+      <p:sp>
+        <p:nvSpPr>
+          <p:cNvPr id="3" name="Notes Placeholder 2"/>
+          <p:cNvSpPr>
+            <a:spLocks noGrp="1"/>
+          </p:cNvSpPr>
+          <p:nvPr>
+            <p:ph type="body" idx="1"/>
+          </p:nvPr>
+        </p:nvSpPr>
+        <p:spPr/>
+        <p:txBody>
+          <a:bodyPr/>
+          <a:lstStyle/>
+          <a:p>
+            <a:endParaRPr lang="en-US" dirty="0"/>
+          </a:p>
+        </p:txBody>
+      </p:sp>
+      <p:sp>
+        <p:nvSpPr>
+          <p:cNvPr id="4" name="Slide Number Placeholder 3"/>
+          <p:cNvSpPr>
+            <a:spLocks noGrp="1"/>
+          </p:cNvSpPr>
+          <p:nvPr>
+            <p:ph type="sldNum" sz="quarter" idx="10"/>
+          </p:nvPr>
+        </p:nvSpPr>
+        <p:spPr/>
+        <p:txBody>
+          <a:bodyPr/>
+          <a:lstStyle/>
+          <a:p>
+            <a:pPr>
+              <a:defRPr/>
+            </a:pPr>
+            <a:fld id="{2C59AB3E-9F2B-7F49-AEC8-85309F7C0979}" type="slidenum">
+              <a:rPr lang="en-US" smtClean="0"/>
+              <a:pPr>
+                <a:defRPr/>
+              </a:pPr>
+              <a:t>29</a:t>
+            </a:fld>
+            <a:endParaRPr lang="en-US"/>
+          </a:p>
+        </p:txBody>
+      </p:sp>
+    </p:spTree>
+    <p:extLst>
+      <p:ext uri="{BB962C8B-B14F-4D97-AF65-F5344CB8AC3E}">
+        <p14:creationId xmlns:p14="http://schemas.microsoft.com/office/powerpoint/2010/main" val="1887676362"/>
+      </p:ext>
+    </p:extLst>
+  </p:cSld>
+  <p:clrMapOvr>
+    <a:masterClrMapping/>
+  </p:clrMapOvr>
+</p:notes>
+</file>
+
+<file path=ppt/notesSlides/notesSlide3.xml><?xml version="1.0" encoding="utf-8"?>
+<p:notes xmlns:a="http://schemas.openxmlformats.org/drawingml/2006/main" xmlns:r="http://schemas.openxmlformats.org/officeDocument/2006/relationships" xmlns:p="http://schemas.openxmlformats.org/presentationml/2006/main">
+  <p:cSld>
+    <p:spTree>
+      <p:nvGrpSpPr>
+        <p:cNvPr id="1" name=""/>
+        <p:cNvGrpSpPr/>
+        <p:nvPr/>
+      </p:nvGrpSpPr>
+      <p:grpSpPr>
+        <a:xfrm>
+          <a:off x="0" y="0"/>
+          <a:ext cx="0" cy="0"/>
+          <a:chOff x="0" y="0"/>
+          <a:chExt cx="0" cy="0"/>
+        </a:xfrm>
+      </p:grpSpPr>
+      <p:sp>
+        <p:nvSpPr>
+          <p:cNvPr id="2" name="Slide Image Placeholder 1"/>
+          <p:cNvSpPr>
+            <a:spLocks noGrp="1" noRot="1" noChangeAspect="1"/>
+          </p:cNvSpPr>
+          <p:nvPr>
+            <p:ph type="sldImg"/>
+          </p:nvPr>
+        </p:nvSpPr>
+        <p:spPr/>
+      </p:sp>
+      <p:sp>
+        <p:nvSpPr>
+          <p:cNvPr id="3" name="Notes Placeholder 2"/>
+          <p:cNvSpPr>
+            <a:spLocks noGrp="1"/>
+          </p:cNvSpPr>
+          <p:nvPr>
+            <p:ph type="body" idx="1"/>
+          </p:nvPr>
+        </p:nvSpPr>
+        <p:spPr/>
+        <p:txBody>
+          <a:bodyPr/>
+          <a:lstStyle/>
+          <a:p>
+            <a:endParaRPr lang="en-US" dirty="0"/>
+          </a:p>
+        </p:txBody>
+      </p:sp>
+      <p:sp>
+        <p:nvSpPr>
+          <p:cNvPr id="4" name="Slide Number Placeholder 3"/>
+          <p:cNvSpPr>
+            <a:spLocks noGrp="1"/>
+          </p:cNvSpPr>
+          <p:nvPr>
+            <p:ph type="sldNum" sz="quarter" idx="10"/>
+          </p:nvPr>
+        </p:nvSpPr>
+        <p:spPr/>
+        <p:txBody>
+          <a:bodyPr/>
+          <a:lstStyle/>
+          <a:p>
+            <a:pPr>
+              <a:defRPr/>
+            </a:pPr>
+            <a:fld id="{2C59AB3E-9F2B-7F49-AEC8-85309F7C0979}" type="slidenum">
+              <a:rPr lang="en-US" smtClean="0"/>
+              <a:pPr>
+                <a:defRPr/>
+              </a:pPr>
+              <a:t>9</a:t>
+            </a:fld>
+            <a:endParaRPr lang="en-US"/>
+          </a:p>
+        </p:txBody>
+      </p:sp>
+    </p:spTree>
+    <p:extLst>
+      <p:ext uri="{BB962C8B-B14F-4D97-AF65-F5344CB8AC3E}">
+        <p14:creationId xmlns:p14="http://schemas.microsoft.com/office/powerpoint/2010/main" val="1887676362"/>
+      </p:ext>
+    </p:extLst>
+  </p:cSld>
+  <p:clrMapOvr>
+    <a:masterClrMapping/>
+  </p:clrMapOvr>
+</p:notes>
+</file>
+
+<file path=ppt/notesSlides/notesSlide4.xml><?xml version="1.0" encoding="utf-8"?>
+<p:notes xmlns:a="http://schemas.openxmlformats.org/drawingml/2006/main" xmlns:r="http://schemas.openxmlformats.org/officeDocument/2006/relationships" xmlns:p="http://schemas.openxmlformats.org/presentationml/2006/main">
+  <p:cSld>
+    <p:spTree>
+      <p:nvGrpSpPr>
+        <p:cNvPr id="1" name=""/>
+        <p:cNvGrpSpPr/>
+        <p:nvPr/>
+      </p:nvGrpSpPr>
+      <p:grpSpPr>
+        <a:xfrm>
+          <a:off x="0" y="0"/>
+          <a:ext cx="0" cy="0"/>
+          <a:chOff x="0" y="0"/>
+          <a:chExt cx="0" cy="0"/>
+        </a:xfrm>
+      </p:grpSpPr>
+      <p:sp>
+        <p:nvSpPr>
+          <p:cNvPr id="2" name="Slide Image Placeholder 1"/>
+          <p:cNvSpPr>
+            <a:spLocks noGrp="1" noRot="1" noChangeAspect="1"/>
+          </p:cNvSpPr>
+          <p:nvPr>
+            <p:ph type="sldImg"/>
+          </p:nvPr>
+        </p:nvSpPr>
+        <p:spPr/>
+      </p:sp>
+      <p:sp>
+        <p:nvSpPr>
+          <p:cNvPr id="3" name="Notes Placeholder 2"/>
+          <p:cNvSpPr>
+            <a:spLocks noGrp="1"/>
+          </p:cNvSpPr>
+          <p:nvPr>
+            <p:ph type="body" idx="1"/>
+          </p:nvPr>
+        </p:nvSpPr>
+        <p:spPr/>
+        <p:txBody>
+          <a:bodyPr/>
+          <a:lstStyle/>
+          <a:p>
+            <a:endParaRPr lang="en-US" dirty="0"/>
+          </a:p>
+        </p:txBody>
+      </p:sp>
+      <p:sp>
+        <p:nvSpPr>
+          <p:cNvPr id="4" name="Slide Number Placeholder 3"/>
+          <p:cNvSpPr>
+            <a:spLocks noGrp="1"/>
+          </p:cNvSpPr>
+          <p:nvPr>
+            <p:ph type="sldNum" sz="quarter" idx="10"/>
+          </p:nvPr>
+        </p:nvSpPr>
+        <p:spPr/>
+        <p:txBody>
+          <a:bodyPr/>
+          <a:lstStyle/>
+          <a:p>
+            <a:pPr>
+              <a:defRPr/>
+            </a:pPr>
+            <a:fld id="{2C59AB3E-9F2B-7F49-AEC8-85309F7C0979}" type="slidenum">
+              <a:rPr lang="en-US" smtClean="0"/>
+              <a:pPr>
+                <a:defRPr/>
+              </a:pPr>
+              <a:t>10</a:t>
+            </a:fld>
+            <a:endParaRPr lang="en-US"/>
+          </a:p>
+        </p:txBody>
+      </p:sp>
+    </p:spTree>
+    <p:extLst>
+      <p:ext uri="{BB962C8B-B14F-4D97-AF65-F5344CB8AC3E}">
+        <p14:creationId xmlns:p14="http://schemas.microsoft.com/office/powerpoint/2010/main" val="1887676362"/>
+      </p:ext>
+    </p:extLst>
+  </p:cSld>
+  <p:clrMapOvr>
+    <a:masterClrMapping/>
+  </p:clrMapOvr>
+</p:notes>
+</file>
+
+<file path=ppt/notesSlides/notesSlide5.xml><?xml version="1.0" encoding="utf-8"?>
+<p:notes xmlns:a="http://schemas.openxmlformats.org/drawingml/2006/main" xmlns:r="http://schemas.openxmlformats.org/officeDocument/2006/relationships" xmlns:p="http://schemas.openxmlformats.org/presentationml/2006/main">
+  <p:cSld>
+    <p:spTree>
+      <p:nvGrpSpPr>
+        <p:cNvPr id="1" name=""/>
+        <p:cNvGrpSpPr/>
+        <p:nvPr/>
+      </p:nvGrpSpPr>
+      <p:grpSpPr>
+        <a:xfrm>
+          <a:off x="0" y="0"/>
+          <a:ext cx="0" cy="0"/>
+          <a:chOff x="0" y="0"/>
+          <a:chExt cx="0" cy="0"/>
+        </a:xfrm>
+      </p:grpSpPr>
+      <p:sp>
+        <p:nvSpPr>
+          <p:cNvPr id="2" name="Slide Image Placeholder 1"/>
+          <p:cNvSpPr>
+            <a:spLocks noGrp="1" noRot="1" noChangeAspect="1"/>
+          </p:cNvSpPr>
+          <p:nvPr>
+            <p:ph type="sldImg"/>
+          </p:nvPr>
+        </p:nvSpPr>
+        <p:spPr/>
+      </p:sp>
+      <p:sp>
+        <p:nvSpPr>
+          <p:cNvPr id="3" name="Notes Placeholder 2"/>
+          <p:cNvSpPr>
+            <a:spLocks noGrp="1"/>
+          </p:cNvSpPr>
+          <p:nvPr>
+            <p:ph type="body" idx="1"/>
+          </p:nvPr>
+        </p:nvSpPr>
+        <p:spPr/>
+        <p:txBody>
+          <a:bodyPr/>
+          <a:lstStyle/>
+          <a:p>
+            <a:endParaRPr lang="en-US" dirty="0"/>
+          </a:p>
+        </p:txBody>
+      </p:sp>
+      <p:sp>
+        <p:nvSpPr>
+          <p:cNvPr id="4" name="Slide Number Placeholder 3"/>
+          <p:cNvSpPr>
+            <a:spLocks noGrp="1"/>
+          </p:cNvSpPr>
+          <p:nvPr>
+            <p:ph type="sldNum" sz="quarter" idx="10"/>
+          </p:nvPr>
+        </p:nvSpPr>
+        <p:spPr/>
+        <p:txBody>
+          <a:bodyPr/>
+          <a:lstStyle/>
+          <a:p>
+            <a:pPr>
+              <a:defRPr/>
+            </a:pPr>
+            <a:fld id="{2C59AB3E-9F2B-7F49-AEC8-85309F7C0979}" type="slidenum">
+              <a:rPr lang="en-US" smtClean="0"/>
+              <a:pPr>
+                <a:defRPr/>
+              </a:pPr>
+              <a:t>11</a:t>
+            </a:fld>
+            <a:endParaRPr lang="en-US"/>
+          </a:p>
+        </p:txBody>
+      </p:sp>
+    </p:spTree>
+    <p:extLst>
+      <p:ext uri="{BB962C8B-B14F-4D97-AF65-F5344CB8AC3E}">
+        <p14:creationId xmlns:p14="http://schemas.microsoft.com/office/powerpoint/2010/main" val="1887676362"/>
+      </p:ext>
+    </p:extLst>
+  </p:cSld>
+  <p:clrMapOvr>
+    <a:masterClrMapping/>
+  </p:clrMapOvr>
+</p:notes>
+</file>
+
+<file path=ppt/notesSlides/notesSlide6.xml><?xml version="1.0" encoding="utf-8"?>
+<p:notes xmlns:a="http://schemas.openxmlformats.org/drawingml/2006/main" xmlns:r="http://schemas.openxmlformats.org/officeDocument/2006/relationships" xmlns:p="http://schemas.openxmlformats.org/presentationml/2006/main">
+  <p:cSld>
+    <p:spTree>
+      <p:nvGrpSpPr>
+        <p:cNvPr id="1" name=""/>
+        <p:cNvGrpSpPr/>
+        <p:nvPr/>
+      </p:nvGrpSpPr>
+      <p:grpSpPr>
+        <a:xfrm>
+          <a:off x="0" y="0"/>
+          <a:ext cx="0" cy="0"/>
+          <a:chOff x="0" y="0"/>
+          <a:chExt cx="0" cy="0"/>
+        </a:xfrm>
+      </p:grpSpPr>
+      <p:sp>
+        <p:nvSpPr>
+          <p:cNvPr id="2" name="Slide Image Placeholder 1"/>
+          <p:cNvSpPr>
+            <a:spLocks noGrp="1" noRot="1" noChangeAspect="1"/>
+          </p:cNvSpPr>
+          <p:nvPr>
+            <p:ph type="sldImg"/>
+          </p:nvPr>
+        </p:nvSpPr>
+        <p:spPr/>
+      </p:sp>
+      <p:sp>
+        <p:nvSpPr>
+          <p:cNvPr id="3" name="Notes Placeholder 2"/>
+          <p:cNvSpPr>
+            <a:spLocks noGrp="1"/>
+          </p:cNvSpPr>
+          <p:nvPr>
+            <p:ph type="body" idx="1"/>
+          </p:nvPr>
+        </p:nvSpPr>
+        <p:spPr/>
+        <p:txBody>
+          <a:bodyPr/>
+          <a:lstStyle/>
+          <a:p>
+            <a:endParaRPr lang="en-US" dirty="0"/>
+          </a:p>
+        </p:txBody>
+      </p:sp>
+      <p:sp>
+        <p:nvSpPr>
+          <p:cNvPr id="4" name="Slide Number Placeholder 3"/>
+          <p:cNvSpPr>
+            <a:spLocks noGrp="1"/>
+          </p:cNvSpPr>
+          <p:nvPr>
+            <p:ph type="sldNum" sz="quarter" idx="10"/>
+          </p:nvPr>
+        </p:nvSpPr>
+        <p:spPr/>
+        <p:txBody>
+          <a:bodyPr/>
+          <a:lstStyle/>
+          <a:p>
+            <a:pPr>
+              <a:defRPr/>
+            </a:pPr>
+            <a:fld id="{2C59AB3E-9F2B-7F49-AEC8-85309F7C0979}" type="slidenum">
+              <a:rPr lang="en-US" smtClean="0"/>
+              <a:pPr>
+                <a:defRPr/>
+              </a:pPr>
+              <a:t>12</a:t>
+            </a:fld>
+            <a:endParaRPr lang="en-US"/>
+          </a:p>
+        </p:txBody>
+      </p:sp>
+    </p:spTree>
+    <p:extLst>
+      <p:ext uri="{BB962C8B-B14F-4D97-AF65-F5344CB8AC3E}">
+        <p14:creationId xmlns:p14="http://schemas.microsoft.com/office/powerpoint/2010/main" val="1887676362"/>
+      </p:ext>
+    </p:extLst>
+  </p:cSld>
+  <p:clrMapOvr>
+    <a:masterClrMapping/>
+  </p:clrMapOvr>
+</p:notes>
+</file>
+
+<file path=ppt/notesSlides/notesSlide7.xml><?xml version="1.0" encoding="utf-8"?>
+<p:notes xmlns:a="http://schemas.openxmlformats.org/drawingml/2006/main" xmlns:r="http://schemas.openxmlformats.org/officeDocument/2006/relationships" xmlns:p="http://schemas.openxmlformats.org/presentationml/2006/main">
+  <p:cSld>
+    <p:spTree>
+      <p:nvGrpSpPr>
+        <p:cNvPr id="1" name=""/>
+        <p:cNvGrpSpPr/>
+        <p:nvPr/>
+      </p:nvGrpSpPr>
+      <p:grpSpPr>
+        <a:xfrm>
+          <a:off x="0" y="0"/>
+          <a:ext cx="0" cy="0"/>
+          <a:chOff x="0" y="0"/>
+          <a:chExt cx="0" cy="0"/>
+        </a:xfrm>
+      </p:grpSpPr>
+      <p:sp>
+        <p:nvSpPr>
+          <p:cNvPr id="2" name="Slide Image Placeholder 1"/>
+          <p:cNvSpPr>
+            <a:spLocks noGrp="1" noRot="1" noChangeAspect="1"/>
+          </p:cNvSpPr>
+          <p:nvPr>
+            <p:ph type="sldImg"/>
+          </p:nvPr>
+        </p:nvSpPr>
+        <p:spPr/>
+      </p:sp>
+      <p:sp>
+        <p:nvSpPr>
+          <p:cNvPr id="3" name="Notes Placeholder 2"/>
+          <p:cNvSpPr>
+            <a:spLocks noGrp="1"/>
+          </p:cNvSpPr>
+          <p:nvPr>
+            <p:ph type="body" idx="1"/>
+          </p:nvPr>
+        </p:nvSpPr>
+        <p:spPr/>
+        <p:txBody>
+          <a:bodyPr/>
+          <a:lstStyle/>
+          <a:p>
+            <a:endParaRPr lang="en-US" dirty="0"/>
+          </a:p>
+        </p:txBody>
+      </p:sp>
+      <p:sp>
+        <p:nvSpPr>
+          <p:cNvPr id="4" name="Slide Number Placeholder 3"/>
+          <p:cNvSpPr>
+            <a:spLocks noGrp="1"/>
+          </p:cNvSpPr>
+          <p:nvPr>
+            <p:ph type="sldNum" sz="quarter" idx="10"/>
+          </p:nvPr>
+        </p:nvSpPr>
+        <p:spPr/>
+        <p:txBody>
+          <a:bodyPr/>
+          <a:lstStyle/>
+          <a:p>
+            <a:pPr>
+              <a:defRPr/>
+            </a:pPr>
+            <a:fld id="{2C59AB3E-9F2B-7F49-AEC8-85309F7C0979}" type="slidenum">
+              <a:rPr lang="en-US" smtClean="0"/>
+              <a:pPr>
+                <a:defRPr/>
+              </a:pPr>
+              <a:t>13</a:t>
+            </a:fld>
+            <a:endParaRPr lang="en-US"/>
+          </a:p>
+        </p:txBody>
+      </p:sp>
+    </p:spTree>
+    <p:extLst>
+      <p:ext uri="{BB962C8B-B14F-4D97-AF65-F5344CB8AC3E}">
+        <p14:creationId xmlns:p14="http://schemas.microsoft.com/office/powerpoint/2010/main" val="1887676362"/>
+      </p:ext>
+    </p:extLst>
+  </p:cSld>
+  <p:clrMapOvr>
+    <a:masterClrMapping/>
+  </p:clrMapOvr>
+</p:notes>
+</file>
+
+<file path=ppt/notesSlides/notesSlide8.xml><?xml version="1.0" encoding="utf-8"?>
+<p:notes xmlns:a="http://schemas.openxmlformats.org/drawingml/2006/main" xmlns:r="http://schemas.openxmlformats.org/officeDocument/2006/relationships" xmlns:p="http://schemas.openxmlformats.org/presentationml/2006/main">
+  <p:cSld>
+    <p:spTree>
+      <p:nvGrpSpPr>
+        <p:cNvPr id="1" name=""/>
+        <p:cNvGrpSpPr/>
+        <p:nvPr/>
+      </p:nvGrpSpPr>
+      <p:grpSpPr>
+        <a:xfrm>
+          <a:off x="0" y="0"/>
+          <a:ext cx="0" cy="0"/>
+          <a:chOff x="0" y="0"/>
+          <a:chExt cx="0" cy="0"/>
+        </a:xfrm>
+      </p:grpSpPr>
+      <p:sp>
+        <p:nvSpPr>
+          <p:cNvPr id="2" name="Slide Image Placeholder 1"/>
+          <p:cNvSpPr>
+            <a:spLocks noGrp="1" noRot="1" noChangeAspect="1"/>
+          </p:cNvSpPr>
+          <p:nvPr>
+            <p:ph type="sldImg"/>
+          </p:nvPr>
+        </p:nvSpPr>
+        <p:spPr/>
+      </p:sp>
+      <p:sp>
+        <p:nvSpPr>
+          <p:cNvPr id="3" name="Notes Placeholder 2"/>
+          <p:cNvSpPr>
+            <a:spLocks noGrp="1"/>
+          </p:cNvSpPr>
+          <p:nvPr>
+            <p:ph type="body" idx="1"/>
+          </p:nvPr>
+        </p:nvSpPr>
+        <p:spPr/>
+        <p:txBody>
+          <a:bodyPr/>
+          <a:lstStyle/>
+          <a:p>
+            <a:endParaRPr lang="en-US" dirty="0"/>
+          </a:p>
+        </p:txBody>
+      </p:sp>
+      <p:sp>
+        <p:nvSpPr>
+          <p:cNvPr id="4" name="Slide Number Placeholder 3"/>
+          <p:cNvSpPr>
+            <a:spLocks noGrp="1"/>
+          </p:cNvSpPr>
+          <p:nvPr>
+            <p:ph type="sldNum" sz="quarter" idx="10"/>
+          </p:nvPr>
+        </p:nvSpPr>
+        <p:spPr/>
+        <p:txBody>
+          <a:bodyPr/>
+          <a:lstStyle/>
+          <a:p>
+            <a:pPr>
+              <a:defRPr/>
+            </a:pPr>
+            <a:fld id="{2C59AB3E-9F2B-7F49-AEC8-85309F7C0979}" type="slidenum">
+              <a:rPr lang="en-US" smtClean="0"/>
+              <a:pPr>
+                <a:defRPr/>
+              </a:pPr>
+              <a:t>14</a:t>
+            </a:fld>
+            <a:endParaRPr lang="en-US"/>
+          </a:p>
+        </p:txBody>
+      </p:sp>
+    </p:spTree>
+    <p:extLst>
+      <p:ext uri="{BB962C8B-B14F-4D97-AF65-F5344CB8AC3E}">
+        <p14:creationId xmlns:p14="http://schemas.microsoft.com/office/powerpoint/2010/main" val="1887676362"/>
+      </p:ext>
+    </p:extLst>
+  </p:cSld>
+  <p:clrMapOvr>
+    <a:masterClrMapping/>
+  </p:clrMapOvr>
+</p:notes>
+</file>
+
+<file path=ppt/notesSlides/notesSlide9.xml><?xml version="1.0" encoding="utf-8"?>
+<p:notes xmlns:a="http://schemas.openxmlformats.org/drawingml/2006/main" xmlns:r="http://schemas.openxmlformats.org/officeDocument/2006/relationships" xmlns:p="http://schemas.openxmlformats.org/presentationml/2006/main">
+  <p:cSld>
+    <p:spTree>
+      <p:nvGrpSpPr>
+        <p:cNvPr id="1" name=""/>
+        <p:cNvGrpSpPr/>
+        <p:nvPr/>
+      </p:nvGrpSpPr>
+      <p:grpSpPr>
+        <a:xfrm>
+          <a:off x="0" y="0"/>
+          <a:ext cx="0" cy="0"/>
+          <a:chOff x="0" y="0"/>
+          <a:chExt cx="0" cy="0"/>
+        </a:xfrm>
+      </p:grpSpPr>
+      <p:sp>
+        <p:nvSpPr>
+          <p:cNvPr id="2" name="Slide Image Placeholder 1"/>
+          <p:cNvSpPr>
+            <a:spLocks noGrp="1" noRot="1" noChangeAspect="1"/>
+          </p:cNvSpPr>
+          <p:nvPr>
+            <p:ph type="sldImg"/>
+          </p:nvPr>
+        </p:nvSpPr>
+        <p:spPr/>
+      </p:sp>
+      <p:sp>
+        <p:nvSpPr>
+          <p:cNvPr id="3" name="Notes Placeholder 2"/>
+          <p:cNvSpPr>
+            <a:spLocks noGrp="1"/>
+          </p:cNvSpPr>
+          <p:nvPr>
+            <p:ph type="body" idx="1"/>
+          </p:nvPr>
+        </p:nvSpPr>
+        <p:spPr/>
+        <p:txBody>
+          <a:bodyPr/>
+          <a:lstStyle/>
+          <a:p>
+            <a:endParaRPr lang="en-US" dirty="0"/>
+          </a:p>
+        </p:txBody>
+      </p:sp>
+      <p:sp>
+        <p:nvSpPr>
+          <p:cNvPr id="4" name="Slide Number Placeholder 3"/>
+          <p:cNvSpPr>
+            <a:spLocks noGrp="1"/>
+          </p:cNvSpPr>
+          <p:nvPr>
+            <p:ph type="sldNum" sz="quarter" idx="10"/>
+          </p:nvPr>
+        </p:nvSpPr>
+        <p:spPr/>
+        <p:txBody>
+          <a:bodyPr/>
+          <a:lstStyle/>
+          <a:p>
+            <a:pPr>
+              <a:defRPr/>
+            </a:pPr>
+            <a:fld id="{2C59AB3E-9F2B-7F49-AEC8-85309F7C0979}" type="slidenum">
+              <a:rPr lang="en-US" smtClean="0"/>
+              <a:pPr>
+                <a:defRPr/>
+              </a:pPr>
+              <a:t>15</a:t>
+            </a:fld>
+            <a:endParaRPr lang="en-US"/>
+          </a:p>
+        </p:txBody>
+      </p:sp>
+    </p:spTree>
+    <p:extLst>
+      <p:ext uri="{BB962C8B-B14F-4D97-AF65-F5344CB8AC3E}">
+        <p14:creationId xmlns:p14="http://schemas.microsoft.com/office/powerpoint/2010/main" val="1887676362"/>
       </p:ext>
     </p:extLst>
   </p:cSld>
@@ -12629,46 +14633,12 @@
               <a:defRPr/>
             </a:pPr>
             <a:r>
-              <a:rPr lang="en-US" sz="3200" b="1" dirty="0" smtClean="0">
-                <a:solidFill>
-                  <a:srgbClr val="002040"/>
-                </a:solidFill>
-                <a:latin typeface="Arial" pitchFamily="34" charset="0"/>
-                <a:ea typeface="Consolas" pitchFamily="-112" charset="0"/>
-                <a:cs typeface="Arial" pitchFamily="34" charset="0"/>
-              </a:rPr>
-              <a:t>Hydrocarbon </a:t>
-            </a:r>
-            <a:r>
-              <a:rPr lang="en-US" sz="3200" b="1" dirty="0" err="1" smtClean="0">
-                <a:solidFill>
-                  <a:srgbClr val="002040"/>
-                </a:solidFill>
-                <a:latin typeface="Arial" pitchFamily="34" charset="0"/>
-                <a:ea typeface="Consolas" pitchFamily="-112" charset="0"/>
-                <a:cs typeface="Arial" pitchFamily="34" charset="0"/>
-              </a:rPr>
-              <a:t>MetaPathways</a:t>
-            </a:r>
-            <a:r>
-              <a:rPr lang="en-US" sz="3200" b="1" dirty="0" smtClean="0">
-                <a:solidFill>
-                  <a:srgbClr val="002040"/>
-                </a:solidFill>
-                <a:latin typeface="Arial" pitchFamily="34" charset="0"/>
-                <a:ea typeface="Consolas" pitchFamily="-112" charset="0"/>
-                <a:cs typeface="Arial" pitchFamily="34" charset="0"/>
-              </a:rPr>
-              <a:t> Tutorial:</a:t>
-            </a:r>
-          </a:p>
-          <a:p>
-            <a:pPr>
-              <a:defRPr/>
-            </a:pPr>
+              <a:rPr lang="en-US" sz="3200" b="1" dirty="0" smtClean="0"/>
+              <a:t>Pathway </a:t>
+            </a:r>
             <a:r>
               <a:rPr lang="en-US" sz="3200" b="1" dirty="0"/>
-              <a:t>Pathway Analysis</a:t>
+              <a:t>Analysis</a:t>
             </a:r>
             <a:endParaRPr lang="en-US" sz="3200" b="1" dirty="0" smtClean="0">
               <a:solidFill>
@@ -12873,8 +14843,19 @@
                 <a:ea typeface="ＭＳ Ｐゴシック" pitchFamily="-111" charset="-128"/>
                 <a:cs typeface="ＭＳ Ｐゴシック" pitchFamily="-111" charset="-128"/>
               </a:rPr>
-              <a:t>Ph.D. Candidate</a:t>
-            </a:r>
+              <a:t>Ph.D. </a:t>
+            </a:r>
+            <a:r>
+              <a:rPr lang="en-US" sz="1800" dirty="0" smtClean="0">
+                <a:ea typeface="ＭＳ Ｐゴシック" pitchFamily="-111" charset="-128"/>
+                <a:cs typeface="ＭＳ Ｐゴシック" pitchFamily="-111" charset="-128"/>
+              </a:rPr>
+              <a:t>Candidate Bioinformatics</a:t>
+            </a:r>
+            <a:endParaRPr lang="en-US" sz="1800" dirty="0" smtClean="0">
+              <a:ea typeface="ＭＳ Ｐゴシック" pitchFamily="-111" charset="-128"/>
+              <a:cs typeface="ＭＳ Ｐゴシック" pitchFamily="-111" charset="-128"/>
+            </a:endParaRPr>
           </a:p>
           <a:p>
             <a:pPr marL="0" indent="0" algn="ctr">
@@ -12910,8 +14891,38 @@
                 <a:ea typeface="ＭＳ Ｐゴシック" pitchFamily="-111" charset="-128"/>
                 <a:cs typeface="ＭＳ Ｐゴシック" pitchFamily="-111" charset="-128"/>
               </a:rPr>
-              <a:t>Bioinformatics Training Program</a:t>
-            </a:r>
+              <a:t>Hallam Laboratory</a:t>
+            </a:r>
+          </a:p>
+          <a:p>
+            <a:pPr marL="0" indent="0" algn="ctr">
+              <a:buNone/>
+            </a:pPr>
+            <a:r>
+              <a:rPr lang="en-US" sz="1800" dirty="0" smtClean="0">
+                <a:ea typeface="ＭＳ Ｐゴシック" pitchFamily="-111" charset="-128"/>
+                <a:cs typeface="ＭＳ Ｐゴシック" pitchFamily="-111" charset="-128"/>
+              </a:rPr>
+              <a:t>Hydrocarbon </a:t>
+            </a:r>
+            <a:r>
+              <a:rPr lang="en-US" sz="1800" dirty="0" err="1" smtClean="0">
+                <a:ea typeface="ＭＳ Ｐゴシック" pitchFamily="-111" charset="-128"/>
+                <a:cs typeface="ＭＳ Ｐゴシック" pitchFamily="-111" charset="-128"/>
+              </a:rPr>
+              <a:t>MetaPathways</a:t>
+            </a:r>
+            <a:r>
+              <a:rPr lang="en-US" sz="1800" dirty="0" smtClean="0">
+                <a:ea typeface="ＭＳ Ｐゴシック" pitchFamily="-111" charset="-128"/>
+                <a:cs typeface="ＭＳ Ｐゴシック" pitchFamily="-111" charset="-128"/>
+              </a:rPr>
+              <a:t> Workshop</a:t>
+            </a:r>
+            <a:endParaRPr lang="en-US" sz="1800" dirty="0" smtClean="0">
+              <a:ea typeface="ＭＳ Ｐゴシック" pitchFamily="-111" charset="-128"/>
+              <a:cs typeface="ＭＳ Ｐゴシック" pitchFamily="-111" charset="-128"/>
+            </a:endParaRPr>
           </a:p>
           <a:p>
             <a:pPr marL="0" indent="0" algn="ctr">
@@ -12971,6 +14982,3381 @@
 </p:sld>
 </file>
 
+<file path=ppt/slides/slide10.xml><?xml version="1.0" encoding="utf-8"?>
+<p:sld xmlns:a="http://schemas.openxmlformats.org/drawingml/2006/main" xmlns:r="http://schemas.openxmlformats.org/officeDocument/2006/relationships" xmlns:p="http://schemas.openxmlformats.org/presentationml/2006/main">
+  <p:cSld>
+    <p:spTree>
+      <p:nvGrpSpPr>
+        <p:cNvPr id="1" name=""/>
+        <p:cNvGrpSpPr/>
+        <p:nvPr/>
+      </p:nvGrpSpPr>
+      <p:grpSpPr>
+        <a:xfrm>
+          <a:off x="0" y="0"/>
+          <a:ext cx="0" cy="0"/>
+          <a:chOff x="0" y="0"/>
+          <a:chExt cx="0" cy="0"/>
+        </a:xfrm>
+      </p:grpSpPr>
+      <p:sp>
+        <p:nvSpPr>
+          <p:cNvPr id="3" name="Slide Number Placeholder 2"/>
+          <p:cNvSpPr>
+            <a:spLocks noGrp="1"/>
+          </p:cNvSpPr>
+          <p:nvPr>
+            <p:ph type="sldNum" sz="quarter" idx="4"/>
+          </p:nvPr>
+        </p:nvSpPr>
+        <p:spPr/>
+        <p:txBody>
+          <a:bodyPr/>
+          <a:lstStyle/>
+          <a:p>
+            <a:fld id="{85BBF6EF-6D96-8244-B1A0-ACF7E23C545D}" type="slidenum">
+              <a:rPr lang="en-US" smtClean="0"/>
+              <a:pPr/>
+              <a:t>10</a:t>
+            </a:fld>
+            <a:endParaRPr lang="en-US" dirty="0"/>
+          </a:p>
+        </p:txBody>
+      </p:sp>
+      <p:pic>
+        <p:nvPicPr>
+          <p:cNvPr id="5" name="Picture 4" descr="Screen shot 2014-02-09 at 3.50.33 PM.png"/>
+          <p:cNvPicPr>
+            <a:picLocks noChangeAspect="1"/>
+          </p:cNvPicPr>
+          <p:nvPr/>
+        </p:nvPicPr>
+        <p:blipFill>
+          <a:blip r:embed="rId3">
+            <a:extLst>
+              <a:ext uri="{28A0092B-C50C-407E-A947-70E740481C1C}">
+                <a14:useLocalDpi xmlns:a14="http://schemas.microsoft.com/office/drawing/2010/main" val="0"/>
+              </a:ext>
+            </a:extLst>
+          </a:blip>
+          <a:stretch>
+            <a:fillRect/>
+          </a:stretch>
+        </p:blipFill>
+        <p:spPr>
+          <a:xfrm>
+            <a:off x="1043608" y="1864888"/>
+            <a:ext cx="6853768" cy="4426261"/>
+          </a:xfrm>
+          <a:prstGeom prst="rect">
+            <a:avLst/>
+          </a:prstGeom>
+        </p:spPr>
+      </p:pic>
+      <p:sp>
+        <p:nvSpPr>
+          <p:cNvPr id="6" name="Text Placeholder 1"/>
+          <p:cNvSpPr>
+            <a:spLocks noGrp="1"/>
+          </p:cNvSpPr>
+          <p:nvPr>
+            <p:ph type="body" sz="quarter" idx="4294967295"/>
+          </p:nvPr>
+        </p:nvSpPr>
+        <p:spPr>
+          <a:xfrm>
+            <a:off x="814917" y="188640"/>
+            <a:ext cx="7562850" cy="543076"/>
+          </a:xfrm>
+          <a:prstGeom prst="rect">
+            <a:avLst/>
+          </a:prstGeom>
+        </p:spPr>
+        <p:txBody>
+          <a:bodyPr/>
+          <a:lstStyle/>
+          <a:p>
+            <a:pPr marL="0" indent="0">
+              <a:buNone/>
+            </a:pPr>
+            <a:r>
+              <a:rPr lang="en-US" sz="2400" b="1" dirty="0" smtClean="0"/>
+              <a:t>4</a:t>
+            </a:r>
+            <a:r>
+              <a:rPr lang="en-US" sz="2400" b="1" dirty="0"/>
+              <a:t>. Highlight predicted </a:t>
+            </a:r>
+            <a:r>
+              <a:rPr lang="en-US" sz="2400" b="1" dirty="0" smtClean="0"/>
+              <a:t>pathways to compare</a:t>
+            </a:r>
+            <a:endParaRPr lang="en-US" sz="2400" b="1" dirty="0"/>
+          </a:p>
+        </p:txBody>
+      </p:sp>
+      <p:pic>
+        <p:nvPicPr>
+          <p:cNvPr id="7" name="Picture 6" descr="Screen shot 2014-02-09 at 3.57.25 PM.png"/>
+          <p:cNvPicPr>
+            <a:picLocks noChangeAspect="1"/>
+          </p:cNvPicPr>
+          <p:nvPr/>
+        </p:nvPicPr>
+        <p:blipFill>
+          <a:blip r:embed="rId4">
+            <a:extLst>
+              <a:ext uri="{28A0092B-C50C-407E-A947-70E740481C1C}">
+                <a14:useLocalDpi xmlns:a14="http://schemas.microsoft.com/office/drawing/2010/main" val="0"/>
+              </a:ext>
+            </a:extLst>
+          </a:blip>
+          <a:stretch>
+            <a:fillRect/>
+          </a:stretch>
+        </p:blipFill>
+        <p:spPr>
+          <a:xfrm>
+            <a:off x="179512" y="731716"/>
+            <a:ext cx="2828056" cy="962189"/>
+          </a:xfrm>
+          <a:prstGeom prst="rect">
+            <a:avLst/>
+          </a:prstGeom>
+        </p:spPr>
+      </p:pic>
+    </p:spTree>
+    <p:extLst>
+      <p:ext uri="{BB962C8B-B14F-4D97-AF65-F5344CB8AC3E}">
+        <p14:creationId xmlns:p14="http://schemas.microsoft.com/office/powerpoint/2010/main" val="719872941"/>
+      </p:ext>
+    </p:extLst>
+  </p:cSld>
+  <p:clrMapOvr>
+    <a:masterClrMapping/>
+  </p:clrMapOvr>
+</p:sld>
+</file>
+
+<file path=ppt/slides/slide11.xml><?xml version="1.0" encoding="utf-8"?>
+<p:sld xmlns:a="http://schemas.openxmlformats.org/drawingml/2006/main" xmlns:r="http://schemas.openxmlformats.org/officeDocument/2006/relationships" xmlns:p="http://schemas.openxmlformats.org/presentationml/2006/main">
+  <p:cSld>
+    <p:spTree>
+      <p:nvGrpSpPr>
+        <p:cNvPr id="1" name=""/>
+        <p:cNvGrpSpPr/>
+        <p:nvPr/>
+      </p:nvGrpSpPr>
+      <p:grpSpPr>
+        <a:xfrm>
+          <a:off x="0" y="0"/>
+          <a:ext cx="0" cy="0"/>
+          <a:chOff x="0" y="0"/>
+          <a:chExt cx="0" cy="0"/>
+        </a:xfrm>
+      </p:grpSpPr>
+      <p:sp>
+        <p:nvSpPr>
+          <p:cNvPr id="3" name="Slide Number Placeholder 2"/>
+          <p:cNvSpPr>
+            <a:spLocks noGrp="1"/>
+          </p:cNvSpPr>
+          <p:nvPr>
+            <p:ph type="sldNum" sz="quarter" idx="4"/>
+          </p:nvPr>
+        </p:nvSpPr>
+        <p:spPr/>
+        <p:txBody>
+          <a:bodyPr/>
+          <a:lstStyle/>
+          <a:p>
+            <a:fld id="{85BBF6EF-6D96-8244-B1A0-ACF7E23C545D}" type="slidenum">
+              <a:rPr lang="en-US" smtClean="0"/>
+              <a:pPr/>
+              <a:t>11</a:t>
+            </a:fld>
+            <a:endParaRPr lang="en-US" dirty="0"/>
+          </a:p>
+        </p:txBody>
+      </p:sp>
+      <p:sp>
+        <p:nvSpPr>
+          <p:cNvPr id="4" name="Text Placeholder 1"/>
+          <p:cNvSpPr>
+            <a:spLocks noGrp="1"/>
+          </p:cNvSpPr>
+          <p:nvPr>
+            <p:ph type="body" sz="quarter" idx="4294967295"/>
+          </p:nvPr>
+        </p:nvSpPr>
+        <p:spPr>
+          <a:xfrm>
+            <a:off x="814917" y="188640"/>
+            <a:ext cx="7562850" cy="543076"/>
+          </a:xfrm>
+          <a:prstGeom prst="rect">
+            <a:avLst/>
+          </a:prstGeom>
+        </p:spPr>
+        <p:txBody>
+          <a:bodyPr/>
+          <a:lstStyle/>
+          <a:p>
+            <a:pPr marL="0" indent="0">
+              <a:buNone/>
+            </a:pPr>
+            <a:r>
+              <a:rPr lang="en-US" sz="2400" b="1" dirty="0" smtClean="0"/>
+              <a:t>4</a:t>
+            </a:r>
+            <a:r>
+              <a:rPr lang="en-US" sz="2400" b="1" dirty="0"/>
+              <a:t>. Highlight predicted </a:t>
+            </a:r>
+            <a:r>
+              <a:rPr lang="en-US" sz="2400" b="1" dirty="0" smtClean="0"/>
+              <a:t>pathways to compare</a:t>
+            </a:r>
+            <a:endParaRPr lang="en-US" sz="2400" b="1" dirty="0"/>
+          </a:p>
+        </p:txBody>
+      </p:sp>
+      <p:pic>
+        <p:nvPicPr>
+          <p:cNvPr id="5" name="Picture 4" descr="Screen shot 2014-02-09 at 4.00.41 PM.png"/>
+          <p:cNvPicPr>
+            <a:picLocks noChangeAspect="1"/>
+          </p:cNvPicPr>
+          <p:nvPr/>
+        </p:nvPicPr>
+        <p:blipFill>
+          <a:blip r:embed="rId3">
+            <a:extLst>
+              <a:ext uri="{28A0092B-C50C-407E-A947-70E740481C1C}">
+                <a14:useLocalDpi xmlns:a14="http://schemas.microsoft.com/office/drawing/2010/main" val="0"/>
+              </a:ext>
+            </a:extLst>
+          </a:blip>
+          <a:stretch>
+            <a:fillRect/>
+          </a:stretch>
+        </p:blipFill>
+        <p:spPr>
+          <a:xfrm>
+            <a:off x="395536" y="1523896"/>
+            <a:ext cx="4653377" cy="4064151"/>
+          </a:xfrm>
+          <a:prstGeom prst="rect">
+            <a:avLst/>
+          </a:prstGeom>
+        </p:spPr>
+      </p:pic>
+      <p:pic>
+        <p:nvPicPr>
+          <p:cNvPr id="6" name="Picture 5" descr="Screen shot 2014-02-09 at 4.05.31 PM.png"/>
+          <p:cNvPicPr>
+            <a:picLocks noChangeAspect="1"/>
+          </p:cNvPicPr>
+          <p:nvPr/>
+        </p:nvPicPr>
+        <p:blipFill>
+          <a:blip r:embed="rId4">
+            <a:extLst>
+              <a:ext uri="{28A0092B-C50C-407E-A947-70E740481C1C}">
+                <a14:useLocalDpi xmlns:a14="http://schemas.microsoft.com/office/drawing/2010/main" val="0"/>
+              </a:ext>
+            </a:extLst>
+          </a:blip>
+          <a:stretch>
+            <a:fillRect/>
+          </a:stretch>
+        </p:blipFill>
+        <p:spPr>
+          <a:xfrm>
+            <a:off x="5436096" y="2060848"/>
+            <a:ext cx="3417745" cy="3455199"/>
+          </a:xfrm>
+          <a:prstGeom prst="rect">
+            <a:avLst/>
+          </a:prstGeom>
+        </p:spPr>
+      </p:pic>
+    </p:spTree>
+    <p:extLst>
+      <p:ext uri="{BB962C8B-B14F-4D97-AF65-F5344CB8AC3E}">
+        <p14:creationId xmlns:p14="http://schemas.microsoft.com/office/powerpoint/2010/main" val="2692022842"/>
+      </p:ext>
+    </p:extLst>
+  </p:cSld>
+  <p:clrMapOvr>
+    <a:masterClrMapping/>
+  </p:clrMapOvr>
+</p:sld>
+</file>
+
+<file path=ppt/slides/slide12.xml><?xml version="1.0" encoding="utf-8"?>
+<p:sld xmlns:a="http://schemas.openxmlformats.org/drawingml/2006/main" xmlns:r="http://schemas.openxmlformats.org/officeDocument/2006/relationships" xmlns:p="http://schemas.openxmlformats.org/presentationml/2006/main">
+  <p:cSld>
+    <p:spTree>
+      <p:nvGrpSpPr>
+        <p:cNvPr id="1" name=""/>
+        <p:cNvGrpSpPr/>
+        <p:nvPr/>
+      </p:nvGrpSpPr>
+      <p:grpSpPr>
+        <a:xfrm>
+          <a:off x="0" y="0"/>
+          <a:ext cx="0" cy="0"/>
+          <a:chOff x="0" y="0"/>
+          <a:chExt cx="0" cy="0"/>
+        </a:xfrm>
+      </p:grpSpPr>
+      <p:sp>
+        <p:nvSpPr>
+          <p:cNvPr id="3" name="Slide Number Placeholder 2"/>
+          <p:cNvSpPr>
+            <a:spLocks noGrp="1"/>
+          </p:cNvSpPr>
+          <p:nvPr>
+            <p:ph type="sldNum" sz="quarter" idx="4"/>
+          </p:nvPr>
+        </p:nvSpPr>
+        <p:spPr/>
+        <p:txBody>
+          <a:bodyPr/>
+          <a:lstStyle/>
+          <a:p>
+            <a:fld id="{85BBF6EF-6D96-8244-B1A0-ACF7E23C545D}" type="slidenum">
+              <a:rPr lang="en-US" smtClean="0"/>
+              <a:pPr/>
+              <a:t>12</a:t>
+            </a:fld>
+            <a:endParaRPr lang="en-US" dirty="0"/>
+          </a:p>
+        </p:txBody>
+      </p:sp>
+      <p:sp>
+        <p:nvSpPr>
+          <p:cNvPr id="4" name="Text Placeholder 1"/>
+          <p:cNvSpPr>
+            <a:spLocks noGrp="1"/>
+          </p:cNvSpPr>
+          <p:nvPr>
+            <p:ph type="body" sz="quarter" idx="4294967295"/>
+          </p:nvPr>
+        </p:nvSpPr>
+        <p:spPr>
+          <a:xfrm>
+            <a:off x="814917" y="188640"/>
+            <a:ext cx="7562850" cy="543076"/>
+          </a:xfrm>
+          <a:prstGeom prst="rect">
+            <a:avLst/>
+          </a:prstGeom>
+        </p:spPr>
+        <p:txBody>
+          <a:bodyPr/>
+          <a:lstStyle/>
+          <a:p>
+            <a:pPr marL="0" indent="0">
+              <a:buNone/>
+            </a:pPr>
+            <a:r>
+              <a:rPr lang="en-US" sz="2400" b="1" dirty="0" smtClean="0"/>
+              <a:t>4</a:t>
+            </a:r>
+            <a:r>
+              <a:rPr lang="en-US" sz="2400" b="1" dirty="0"/>
+              <a:t>. Highlight predicted </a:t>
+            </a:r>
+            <a:r>
+              <a:rPr lang="en-US" sz="2400" b="1" dirty="0" smtClean="0"/>
+              <a:t>pathways to compare</a:t>
+            </a:r>
+            <a:endParaRPr lang="en-US" sz="2400" b="1" dirty="0"/>
+          </a:p>
+        </p:txBody>
+      </p:sp>
+      <p:pic>
+        <p:nvPicPr>
+          <p:cNvPr id="2" name="Picture 1" descr="Screen shot 2014-02-09 at 4.08.01 PM.png"/>
+          <p:cNvPicPr>
+            <a:picLocks noChangeAspect="1"/>
+          </p:cNvPicPr>
+          <p:nvPr/>
+        </p:nvPicPr>
+        <p:blipFill>
+          <a:blip r:embed="rId3">
+            <a:extLst>
+              <a:ext uri="{28A0092B-C50C-407E-A947-70E740481C1C}">
+                <a14:useLocalDpi xmlns:a14="http://schemas.microsoft.com/office/drawing/2010/main" val="0"/>
+              </a:ext>
+            </a:extLst>
+          </a:blip>
+          <a:stretch>
+            <a:fillRect/>
+          </a:stretch>
+        </p:blipFill>
+        <p:spPr>
+          <a:xfrm>
+            <a:off x="-6608" y="1340768"/>
+            <a:ext cx="9144000" cy="4253517"/>
+          </a:xfrm>
+          <a:prstGeom prst="rect">
+            <a:avLst/>
+          </a:prstGeom>
+        </p:spPr>
+      </p:pic>
+    </p:spTree>
+    <p:extLst>
+      <p:ext uri="{BB962C8B-B14F-4D97-AF65-F5344CB8AC3E}">
+        <p14:creationId xmlns:p14="http://schemas.microsoft.com/office/powerpoint/2010/main" val="1823576576"/>
+      </p:ext>
+    </p:extLst>
+  </p:cSld>
+  <p:clrMapOvr>
+    <a:masterClrMapping/>
+  </p:clrMapOvr>
+</p:sld>
+</file>
+
+<file path=ppt/slides/slide13.xml><?xml version="1.0" encoding="utf-8"?>
+<p:sld xmlns:a="http://schemas.openxmlformats.org/drawingml/2006/main" xmlns:r="http://schemas.openxmlformats.org/officeDocument/2006/relationships" xmlns:p="http://schemas.openxmlformats.org/presentationml/2006/main">
+  <p:cSld>
+    <p:spTree>
+      <p:nvGrpSpPr>
+        <p:cNvPr id="1" name=""/>
+        <p:cNvGrpSpPr/>
+        <p:nvPr/>
+      </p:nvGrpSpPr>
+      <p:grpSpPr>
+        <a:xfrm>
+          <a:off x="0" y="0"/>
+          <a:ext cx="0" cy="0"/>
+          <a:chOff x="0" y="0"/>
+          <a:chExt cx="0" cy="0"/>
+        </a:xfrm>
+      </p:grpSpPr>
+      <p:sp>
+        <p:nvSpPr>
+          <p:cNvPr id="3" name="Slide Number Placeholder 2"/>
+          <p:cNvSpPr>
+            <a:spLocks noGrp="1"/>
+          </p:cNvSpPr>
+          <p:nvPr>
+            <p:ph type="sldNum" sz="quarter" idx="4"/>
+          </p:nvPr>
+        </p:nvSpPr>
+        <p:spPr/>
+        <p:txBody>
+          <a:bodyPr/>
+          <a:lstStyle/>
+          <a:p>
+            <a:fld id="{85BBF6EF-6D96-8244-B1A0-ACF7E23C545D}" type="slidenum">
+              <a:rPr lang="en-US" smtClean="0"/>
+              <a:pPr/>
+              <a:t>13</a:t>
+            </a:fld>
+            <a:endParaRPr lang="en-US" dirty="0"/>
+          </a:p>
+        </p:txBody>
+      </p:sp>
+      <p:sp>
+        <p:nvSpPr>
+          <p:cNvPr id="4" name="Text Placeholder 1"/>
+          <p:cNvSpPr>
+            <a:spLocks noGrp="1"/>
+          </p:cNvSpPr>
+          <p:nvPr>
+            <p:ph type="body" sz="quarter" idx="4294967295"/>
+          </p:nvPr>
+        </p:nvSpPr>
+        <p:spPr>
+          <a:xfrm>
+            <a:off x="814917" y="188640"/>
+            <a:ext cx="7562850" cy="504056"/>
+          </a:xfrm>
+          <a:prstGeom prst="rect">
+            <a:avLst/>
+          </a:prstGeom>
+        </p:spPr>
+        <p:txBody>
+          <a:bodyPr/>
+          <a:lstStyle/>
+          <a:p>
+            <a:pPr marL="0" indent="0">
+              <a:buNone/>
+            </a:pPr>
+            <a:r>
+              <a:rPr lang="en-US" sz="2400" b="1" dirty="0" smtClean="0"/>
+              <a:t>5. Extract pathways and ORFs</a:t>
+            </a:r>
+            <a:endParaRPr lang="en-US" sz="2400" b="1" dirty="0"/>
+          </a:p>
+        </p:txBody>
+      </p:sp>
+      <p:sp>
+        <p:nvSpPr>
+          <p:cNvPr id="5" name="TextBox 4"/>
+          <p:cNvSpPr txBox="1"/>
+          <p:nvPr/>
+        </p:nvSpPr>
+        <p:spPr>
+          <a:xfrm>
+            <a:off x="251520" y="836712"/>
+            <a:ext cx="3970182" cy="369332"/>
+          </a:xfrm>
+          <a:prstGeom prst="rect">
+            <a:avLst/>
+          </a:prstGeom>
+          <a:noFill/>
+        </p:spPr>
+        <p:txBody>
+          <a:bodyPr wrap="none" rtlCol="0">
+            <a:spAutoFit/>
+          </a:bodyPr>
+          <a:lstStyle/>
+          <a:p>
+            <a:r>
+              <a:rPr lang="en-US" dirty="0" err="1"/>
+              <a:t>extract_pathway_table_from_pgdb.pl</a:t>
+            </a:r>
+            <a:endParaRPr lang="en-US" dirty="0"/>
+          </a:p>
+        </p:txBody>
+      </p:sp>
+      <p:sp>
+        <p:nvSpPr>
+          <p:cNvPr id="6" name="Text Placeholder 2"/>
+          <p:cNvSpPr>
+            <a:spLocks noGrp="1"/>
+          </p:cNvSpPr>
+          <p:nvPr>
+            <p:ph type="body" sz="quarter" idx="4294967295"/>
+          </p:nvPr>
+        </p:nvSpPr>
+        <p:spPr>
+          <a:xfrm>
+            <a:off x="814917" y="1412775"/>
+            <a:ext cx="7562850" cy="1440161"/>
+          </a:xfrm>
+          <a:prstGeom prst="rect">
+            <a:avLst/>
+          </a:prstGeom>
+        </p:spPr>
+        <p:txBody>
+          <a:bodyPr>
+            <a:noAutofit/>
+          </a:bodyPr>
+          <a:lstStyle/>
+          <a:p>
+            <a:pPr marL="514350" indent="-514350">
+              <a:lnSpc>
+                <a:spcPct val="120000"/>
+              </a:lnSpc>
+              <a:buFont typeface="+mj-lt"/>
+              <a:buAutoNum type="arabicPeriod"/>
+            </a:pPr>
+            <a:r>
+              <a:rPr lang="en-US" sz="1800" dirty="0" smtClean="0"/>
+              <a:t>Start Pathway Tools in –</a:t>
+            </a:r>
+            <a:r>
+              <a:rPr lang="en-US" sz="1800" dirty="0" err="1" smtClean="0"/>
+              <a:t>api</a:t>
+            </a:r>
+            <a:r>
+              <a:rPr lang="en-US" sz="1800" dirty="0"/>
+              <a:t> mode:</a:t>
+            </a:r>
+            <a:br>
+              <a:rPr lang="en-US" sz="1800" dirty="0"/>
+            </a:br>
+            <a:r>
+              <a:rPr lang="en-US" sz="1800" dirty="0"/>
+              <a:t>pathway-tools/pathway-tools </a:t>
+            </a:r>
+            <a:r>
+              <a:rPr lang="en-US" sz="1800" dirty="0" smtClean="0"/>
+              <a:t>–</a:t>
+            </a:r>
+            <a:r>
+              <a:rPr lang="en-US" sz="1800" dirty="0" err="1" smtClean="0"/>
+              <a:t>api</a:t>
+            </a:r>
+            <a:endParaRPr lang="en-US" sz="1800" dirty="0" smtClean="0"/>
+          </a:p>
+          <a:p>
+            <a:pPr marL="514350" indent="-514350">
+              <a:lnSpc>
+                <a:spcPct val="120000"/>
+              </a:lnSpc>
+              <a:buFont typeface="+mj-lt"/>
+              <a:buAutoNum type="arabicPeriod"/>
+            </a:pPr>
+            <a:r>
+              <a:rPr lang="en-US" sz="1800" dirty="0" smtClean="0"/>
+              <a:t>In </a:t>
+            </a:r>
+            <a:r>
+              <a:rPr lang="en-US" sz="1800" b="1" dirty="0" smtClean="0"/>
+              <a:t>another shell</a:t>
+            </a:r>
+            <a:r>
+              <a:rPr lang="en-US" sz="1800" dirty="0" smtClean="0"/>
+              <a:t> run </a:t>
+            </a:r>
+            <a:r>
+              <a:rPr lang="en-US" sz="1800" dirty="0" err="1" smtClean="0"/>
+              <a:t>extract_pathway_table_from_pgdb.pl</a:t>
+            </a:r>
+            <a:r>
+              <a:rPr lang="en-US" sz="1800" dirty="0" smtClean="0"/>
+              <a:t> to extract pathways:</a:t>
+            </a:r>
+          </a:p>
+        </p:txBody>
+      </p:sp>
+      <p:sp>
+        <p:nvSpPr>
+          <p:cNvPr id="10" name="TextBox 9"/>
+          <p:cNvSpPr txBox="1"/>
+          <p:nvPr/>
+        </p:nvSpPr>
+        <p:spPr>
+          <a:xfrm>
+            <a:off x="455980" y="3068960"/>
+            <a:ext cx="8496944" cy="3046988"/>
+          </a:xfrm>
+          <a:prstGeom prst="rect">
+            <a:avLst/>
+          </a:prstGeom>
+          <a:noFill/>
+        </p:spPr>
+        <p:txBody>
+          <a:bodyPr wrap="square" rtlCol="0">
+            <a:spAutoFit/>
+          </a:bodyPr>
+          <a:lstStyle/>
+          <a:p>
+            <a:r>
+              <a:rPr lang="en-US" sz="1600" dirty="0">
+                <a:latin typeface="Courier"/>
+                <a:cs typeface="Courier"/>
+              </a:rPr>
+              <a:t># </a:t>
+            </a:r>
+            <a:r>
+              <a:rPr lang="en-US" sz="1600" dirty="0" smtClean="0">
+                <a:latin typeface="Courier"/>
+                <a:cs typeface="Courier"/>
+              </a:rPr>
+              <a:t>List </a:t>
+            </a:r>
+            <a:r>
+              <a:rPr lang="en-US" sz="1600" dirty="0">
+                <a:latin typeface="Courier"/>
+                <a:cs typeface="Courier"/>
+              </a:rPr>
+              <a:t>Available </a:t>
+            </a:r>
+            <a:r>
+              <a:rPr lang="en-US" sz="1600" dirty="0" err="1">
+                <a:latin typeface="Courier"/>
+                <a:cs typeface="Courier"/>
+              </a:rPr>
+              <a:t>ePGDBs</a:t>
+            </a:r>
+            <a:r>
+              <a:rPr lang="en-US" sz="1600" dirty="0">
+                <a:latin typeface="Courier"/>
+                <a:cs typeface="Courier"/>
+              </a:rPr>
+              <a:t> in Pathway Tools</a:t>
+            </a:r>
+          </a:p>
+          <a:p>
+            <a:r>
+              <a:rPr lang="en-US" sz="1600" dirty="0" err="1">
+                <a:latin typeface="Courier"/>
+                <a:cs typeface="Courier"/>
+              </a:rPr>
+              <a:t>perl</a:t>
+            </a:r>
+            <a:r>
+              <a:rPr lang="en-US" sz="1600" dirty="0">
+                <a:latin typeface="Courier"/>
+                <a:cs typeface="Courier"/>
+              </a:rPr>
+              <a:t> </a:t>
+            </a:r>
+            <a:r>
+              <a:rPr lang="en-US" sz="1600" dirty="0" err="1">
+                <a:latin typeface="Courier"/>
+                <a:cs typeface="Courier"/>
+              </a:rPr>
+              <a:t>extract_pathway_table_from_pgdb.pl</a:t>
+            </a:r>
+            <a:r>
+              <a:rPr lang="en-US" sz="1600" dirty="0">
+                <a:latin typeface="Courier"/>
+                <a:cs typeface="Courier"/>
+              </a:rPr>
+              <a:t> -l</a:t>
+            </a:r>
+          </a:p>
+          <a:p>
+            <a:endParaRPr lang="en-US" sz="1600" dirty="0">
+              <a:latin typeface="Courier"/>
+              <a:cs typeface="Courier"/>
+            </a:endParaRPr>
+          </a:p>
+          <a:p>
+            <a:r>
+              <a:rPr lang="en-US" sz="1600" dirty="0">
+                <a:latin typeface="Courier"/>
+                <a:cs typeface="Courier"/>
+              </a:rPr>
+              <a:t># </a:t>
+            </a:r>
+            <a:r>
+              <a:rPr lang="en-US" sz="1600" dirty="0" smtClean="0">
+                <a:latin typeface="Courier"/>
+                <a:cs typeface="Courier"/>
+              </a:rPr>
+              <a:t>Extract </a:t>
+            </a:r>
+            <a:r>
+              <a:rPr lang="en-US" sz="1600" dirty="0">
+                <a:latin typeface="Courier"/>
+                <a:cs typeface="Courier"/>
+              </a:rPr>
+              <a:t>pathways from pathway tools </a:t>
+            </a:r>
+          </a:p>
+          <a:p>
+            <a:r>
+              <a:rPr lang="en-US" sz="1600" dirty="0" err="1">
+                <a:latin typeface="Courier"/>
+                <a:cs typeface="Courier"/>
+              </a:rPr>
+              <a:t>perl</a:t>
+            </a:r>
+            <a:r>
+              <a:rPr lang="en-US" sz="1600" dirty="0">
+                <a:latin typeface="Courier"/>
+                <a:cs typeface="Courier"/>
+              </a:rPr>
+              <a:t> </a:t>
+            </a:r>
+            <a:r>
+              <a:rPr lang="en-US" sz="1600" dirty="0" err="1">
+                <a:latin typeface="Courier"/>
+                <a:cs typeface="Courier"/>
+              </a:rPr>
+              <a:t>extract_pathway_table_from_pgdb.pl</a:t>
+            </a:r>
+            <a:r>
+              <a:rPr lang="en-US" sz="1600" dirty="0">
+                <a:latin typeface="Courier"/>
+                <a:cs typeface="Courier"/>
+              </a:rPr>
+              <a:t> </a:t>
+            </a:r>
+            <a:endParaRPr lang="en-US" sz="1600" dirty="0" smtClean="0">
+              <a:latin typeface="Courier"/>
+              <a:cs typeface="Courier"/>
+            </a:endParaRPr>
+          </a:p>
+          <a:p>
+            <a:r>
+              <a:rPr lang="en-US" sz="1600" dirty="0" smtClean="0">
+                <a:latin typeface="Courier"/>
+                <a:cs typeface="Courier"/>
+              </a:rPr>
+              <a:t>            -f [list of samples]</a:t>
+            </a:r>
+          </a:p>
+          <a:p>
+            <a:r>
+              <a:rPr lang="en-US" sz="1600" dirty="0" smtClean="0">
+                <a:latin typeface="Courier"/>
+                <a:cs typeface="Courier"/>
+              </a:rPr>
+              <a:t>            -</a:t>
+            </a:r>
+            <a:r>
+              <a:rPr lang="en-US" sz="1600" dirty="0">
+                <a:latin typeface="Courier"/>
+                <a:cs typeface="Courier"/>
+              </a:rPr>
+              <a:t>out [output file</a:t>
+            </a:r>
+            <a:r>
+              <a:rPr lang="en-US" sz="1600" dirty="0" smtClean="0">
+                <a:latin typeface="Courier"/>
+                <a:cs typeface="Courier"/>
+              </a:rPr>
+              <a:t>]</a:t>
+            </a:r>
+          </a:p>
+          <a:p>
+            <a:r>
+              <a:rPr lang="en-US" sz="1600" dirty="0" smtClean="0">
+                <a:latin typeface="Courier"/>
+                <a:cs typeface="Courier"/>
+              </a:rPr>
+              <a:t>            -c [pathway coverage] &lt;0.0-1.0&gt;</a:t>
+            </a:r>
+          </a:p>
+          <a:p>
+            <a:r>
+              <a:rPr lang="en-US" sz="1600" dirty="0" smtClean="0">
+                <a:latin typeface="Courier"/>
+                <a:cs typeface="Courier"/>
+              </a:rPr>
+              <a:t>            -s [pathway support] &lt;1-100&gt;</a:t>
+            </a:r>
+          </a:p>
+          <a:p>
+            <a:r>
+              <a:rPr lang="en-US" sz="1600" dirty="0" smtClean="0">
+                <a:latin typeface="Courier"/>
+                <a:cs typeface="Courier"/>
+              </a:rPr>
+              <a:t>            -t [type of output </a:t>
+            </a:r>
+            <a:r>
+              <a:rPr lang="en-US" sz="1600" dirty="0">
+                <a:latin typeface="Courier"/>
+                <a:cs typeface="Courier"/>
+              </a:rPr>
+              <a:t>table] &lt;</a:t>
+            </a:r>
+            <a:r>
+              <a:rPr lang="en-US" sz="1600" dirty="0" smtClean="0">
+                <a:latin typeface="Courier"/>
+                <a:cs typeface="Courier"/>
+              </a:rPr>
+              <a:t>lookup, long, or wide&gt;</a:t>
+            </a:r>
+          </a:p>
+          <a:p>
+            <a:r>
+              <a:rPr lang="en-US" sz="1600" dirty="0" smtClean="0">
+                <a:latin typeface="Courier"/>
+                <a:cs typeface="Courier"/>
+              </a:rPr>
+              <a:t>            -</a:t>
+            </a:r>
+            <a:r>
+              <a:rPr lang="en-US" sz="1600" dirty="0" err="1" smtClean="0">
+                <a:latin typeface="Courier"/>
+                <a:cs typeface="Courier"/>
+              </a:rPr>
+              <a:t>orfs</a:t>
+            </a:r>
+            <a:r>
+              <a:rPr lang="en-US" sz="1600" dirty="0" smtClean="0">
+                <a:latin typeface="Courier"/>
+                <a:cs typeface="Courier"/>
+              </a:rPr>
+              <a:t> [output </a:t>
+            </a:r>
+            <a:r>
+              <a:rPr lang="en-US" sz="1600" dirty="0" err="1" smtClean="0">
+                <a:latin typeface="Courier"/>
+                <a:cs typeface="Courier"/>
+              </a:rPr>
+              <a:t>orfs</a:t>
+            </a:r>
+            <a:r>
+              <a:rPr lang="en-US" sz="1600" dirty="0" smtClean="0">
+                <a:latin typeface="Courier"/>
+                <a:cs typeface="Courier"/>
+              </a:rPr>
+              <a:t> in lookup mode]</a:t>
+            </a:r>
+          </a:p>
+          <a:p>
+            <a:r>
+              <a:rPr lang="en-US" sz="1600" dirty="0" smtClean="0">
+                <a:latin typeface="Courier"/>
+                <a:cs typeface="Courier"/>
+              </a:rPr>
+              <a:t>            -</a:t>
+            </a:r>
+            <a:r>
+              <a:rPr lang="en-US" sz="1600" dirty="0" err="1" smtClean="0">
+                <a:latin typeface="Courier"/>
+                <a:cs typeface="Courier"/>
+              </a:rPr>
+              <a:t>rxn</a:t>
+            </a:r>
+            <a:r>
+              <a:rPr lang="en-US" sz="1600" dirty="0" smtClean="0">
+                <a:latin typeface="Courier"/>
+                <a:cs typeface="Courier"/>
+              </a:rPr>
+              <a:t> [output reactions in wide mode]</a:t>
+            </a:r>
+            <a:endParaRPr lang="en-US" sz="1600" dirty="0">
+              <a:latin typeface="Courier"/>
+              <a:cs typeface="Courier"/>
+            </a:endParaRPr>
+          </a:p>
+        </p:txBody>
+      </p:sp>
+    </p:spTree>
+    <p:extLst>
+      <p:ext uri="{BB962C8B-B14F-4D97-AF65-F5344CB8AC3E}">
+        <p14:creationId xmlns:p14="http://schemas.microsoft.com/office/powerpoint/2010/main" val="559827079"/>
+      </p:ext>
+    </p:extLst>
+  </p:cSld>
+  <p:clrMapOvr>
+    <a:masterClrMapping/>
+  </p:clrMapOvr>
+</p:sld>
+</file>
+
+<file path=ppt/slides/slide14.xml><?xml version="1.0" encoding="utf-8"?>
+<p:sld xmlns:a="http://schemas.openxmlformats.org/drawingml/2006/main" xmlns:r="http://schemas.openxmlformats.org/officeDocument/2006/relationships" xmlns:p="http://schemas.openxmlformats.org/presentationml/2006/main">
+  <p:cSld>
+    <p:spTree>
+      <p:nvGrpSpPr>
+        <p:cNvPr id="1" name=""/>
+        <p:cNvGrpSpPr/>
+        <p:nvPr/>
+      </p:nvGrpSpPr>
+      <p:grpSpPr>
+        <a:xfrm>
+          <a:off x="0" y="0"/>
+          <a:ext cx="0" cy="0"/>
+          <a:chOff x="0" y="0"/>
+          <a:chExt cx="0" cy="0"/>
+        </a:xfrm>
+      </p:grpSpPr>
+      <p:sp>
+        <p:nvSpPr>
+          <p:cNvPr id="3" name="Slide Number Placeholder 2"/>
+          <p:cNvSpPr>
+            <a:spLocks noGrp="1"/>
+          </p:cNvSpPr>
+          <p:nvPr>
+            <p:ph type="sldNum" sz="quarter" idx="4"/>
+          </p:nvPr>
+        </p:nvSpPr>
+        <p:spPr/>
+        <p:txBody>
+          <a:bodyPr/>
+          <a:lstStyle/>
+          <a:p>
+            <a:fld id="{85BBF6EF-6D96-8244-B1A0-ACF7E23C545D}" type="slidenum">
+              <a:rPr lang="en-US" smtClean="0"/>
+              <a:pPr/>
+              <a:t>14</a:t>
+            </a:fld>
+            <a:endParaRPr lang="en-US" dirty="0"/>
+          </a:p>
+        </p:txBody>
+      </p:sp>
+      <p:sp>
+        <p:nvSpPr>
+          <p:cNvPr id="4" name="Text Placeholder 1"/>
+          <p:cNvSpPr>
+            <a:spLocks noGrp="1"/>
+          </p:cNvSpPr>
+          <p:nvPr>
+            <p:ph type="body" sz="quarter" idx="4294967295"/>
+          </p:nvPr>
+        </p:nvSpPr>
+        <p:spPr>
+          <a:xfrm>
+            <a:off x="814917" y="188640"/>
+            <a:ext cx="7562850" cy="504056"/>
+          </a:xfrm>
+          <a:prstGeom prst="rect">
+            <a:avLst/>
+          </a:prstGeom>
+        </p:spPr>
+        <p:txBody>
+          <a:bodyPr/>
+          <a:lstStyle/>
+          <a:p>
+            <a:pPr marL="0" indent="0">
+              <a:buNone/>
+            </a:pPr>
+            <a:r>
+              <a:rPr lang="en-US" sz="2400" b="1" dirty="0" smtClean="0"/>
+              <a:t>5. Extract pathways and ORFs</a:t>
+            </a:r>
+            <a:endParaRPr lang="en-US" sz="2400" b="1" dirty="0"/>
+          </a:p>
+        </p:txBody>
+      </p:sp>
+      <p:sp>
+        <p:nvSpPr>
+          <p:cNvPr id="10" name="TextBox 9"/>
+          <p:cNvSpPr txBox="1"/>
+          <p:nvPr/>
+        </p:nvSpPr>
+        <p:spPr>
+          <a:xfrm>
+            <a:off x="209164" y="850464"/>
+            <a:ext cx="8711008" cy="523220"/>
+          </a:xfrm>
+          <a:prstGeom prst="rect">
+            <a:avLst/>
+          </a:prstGeom>
+          <a:noFill/>
+        </p:spPr>
+        <p:txBody>
+          <a:bodyPr wrap="square" rtlCol="0">
+            <a:spAutoFit/>
+          </a:bodyPr>
+          <a:lstStyle/>
+          <a:p>
+            <a:r>
+              <a:rPr lang="en-US" sz="1400" dirty="0" err="1">
+                <a:latin typeface="Courier"/>
+                <a:cs typeface="Courier"/>
+              </a:rPr>
+              <a:t>perl</a:t>
+            </a:r>
+            <a:r>
+              <a:rPr lang="en-US" sz="1400" dirty="0">
+                <a:latin typeface="Courier"/>
+                <a:cs typeface="Courier"/>
+              </a:rPr>
+              <a:t> </a:t>
+            </a:r>
+            <a:r>
+              <a:rPr lang="en-US" sz="1400" dirty="0" err="1">
+                <a:latin typeface="Courier"/>
+                <a:cs typeface="Courier"/>
+              </a:rPr>
+              <a:t>extract_pathway_table_from_pgdb.pl</a:t>
+            </a:r>
+            <a:r>
+              <a:rPr lang="en-US" sz="1400" dirty="0">
+                <a:latin typeface="Courier"/>
+                <a:cs typeface="Courier"/>
+              </a:rPr>
+              <a:t> -f 1_upper_euphotic -out 1_upper_euphotic.lookup.txt -t lookup</a:t>
+            </a:r>
+            <a:endParaRPr lang="en-US" sz="1200" dirty="0">
+              <a:latin typeface="Courier"/>
+              <a:cs typeface="Courier"/>
+            </a:endParaRPr>
+          </a:p>
+        </p:txBody>
+      </p:sp>
+      <p:sp>
+        <p:nvSpPr>
+          <p:cNvPr id="7" name="TextBox 6"/>
+          <p:cNvSpPr txBox="1"/>
+          <p:nvPr/>
+        </p:nvSpPr>
+        <p:spPr>
+          <a:xfrm>
+            <a:off x="241916" y="1526084"/>
+            <a:ext cx="8711008" cy="1815882"/>
+          </a:xfrm>
+          <a:prstGeom prst="rect">
+            <a:avLst/>
+          </a:prstGeom>
+          <a:noFill/>
+        </p:spPr>
+        <p:txBody>
+          <a:bodyPr wrap="square" rtlCol="0">
+            <a:spAutoFit/>
+          </a:bodyPr>
+          <a:lstStyle/>
+          <a:p>
+            <a:r>
+              <a:rPr lang="en-US" sz="1400" dirty="0">
+                <a:latin typeface="Courier"/>
+                <a:cs typeface="Courier"/>
+              </a:rPr>
+              <a:t>head 1_upper_euphotic.lookup.txt</a:t>
+            </a:r>
+          </a:p>
+          <a:p>
+            <a:r>
+              <a:rPr lang="en-US" sz="1400" dirty="0">
+                <a:latin typeface="Courier"/>
+                <a:cs typeface="Courier"/>
+              </a:rPr>
+              <a:t>SAMPLE	PWY_NAME	PWY_COMMON_NAME	NUM_REACTIONS	NUM_COVERED_REACTIONS	ORF_COUNT</a:t>
+            </a:r>
+          </a:p>
+          <a:p>
+            <a:r>
+              <a:rPr lang="en-US" sz="1400" dirty="0">
+                <a:latin typeface="Courier"/>
+                <a:cs typeface="Courier"/>
+              </a:rPr>
+              <a:t>1_upper_euphotic	PWY-5913	TCA cycle VI (obligate autotrophs)	11	10	65</a:t>
+            </a:r>
+          </a:p>
+          <a:p>
+            <a:r>
+              <a:rPr lang="en-US" sz="1400" dirty="0" smtClean="0">
+                <a:latin typeface="Courier"/>
+                <a:cs typeface="Courier"/>
+              </a:rPr>
+              <a:t>1_upper_euphotic</a:t>
+            </a:r>
+            <a:r>
+              <a:rPr lang="en-US" sz="1400" dirty="0">
+                <a:latin typeface="Courier"/>
+                <a:cs typeface="Courier"/>
+              </a:rPr>
+              <a:t>	REDCITCYC	TCA cycle III (helicobacter)	9	8	33</a:t>
+            </a:r>
+          </a:p>
+          <a:p>
+            <a:r>
+              <a:rPr lang="en-US" sz="1400" dirty="0">
+                <a:latin typeface="Courier"/>
+                <a:cs typeface="Courier"/>
+              </a:rPr>
+              <a:t>1_upper_euphotic	PWY-5690	TCA cycle II (eukaryotic)	9	8	42</a:t>
+            </a:r>
+          </a:p>
+          <a:p>
+            <a:r>
+              <a:rPr lang="en-US" sz="1400" dirty="0">
+                <a:latin typeface="Courier"/>
+                <a:cs typeface="Courier"/>
+              </a:rPr>
+              <a:t>1_upper_euphotic	TCA	TCA cycle I (prokaryotic)	10	9	43</a:t>
+            </a:r>
+          </a:p>
+          <a:p>
+            <a:r>
+              <a:rPr lang="en-US" sz="1400" dirty="0">
+                <a:latin typeface="Courier"/>
+                <a:cs typeface="Courier"/>
+              </a:rPr>
+              <a:t>1_upper_euphotic	ANARESP1-PWY	respiration (anaerobic)	13	10	44</a:t>
+            </a:r>
+          </a:p>
+        </p:txBody>
+      </p:sp>
+      <p:sp>
+        <p:nvSpPr>
+          <p:cNvPr id="8" name="TextBox 7"/>
+          <p:cNvSpPr txBox="1"/>
+          <p:nvPr/>
+        </p:nvSpPr>
+        <p:spPr>
+          <a:xfrm>
+            <a:off x="323528" y="4055764"/>
+            <a:ext cx="8711008" cy="523220"/>
+          </a:xfrm>
+          <a:prstGeom prst="rect">
+            <a:avLst/>
+          </a:prstGeom>
+          <a:noFill/>
+        </p:spPr>
+        <p:txBody>
+          <a:bodyPr wrap="square" rtlCol="0">
+            <a:spAutoFit/>
+          </a:bodyPr>
+          <a:lstStyle/>
+          <a:p>
+            <a:r>
+              <a:rPr lang="en-US" sz="1400" dirty="0" err="1">
+                <a:latin typeface="Courier"/>
+                <a:cs typeface="Courier"/>
+              </a:rPr>
+              <a:t>perl</a:t>
+            </a:r>
+            <a:r>
+              <a:rPr lang="en-US" sz="1400" dirty="0">
+                <a:latin typeface="Courier"/>
+                <a:cs typeface="Courier"/>
+              </a:rPr>
+              <a:t> </a:t>
+            </a:r>
+            <a:r>
+              <a:rPr lang="en-US" sz="1400" dirty="0" err="1">
+                <a:latin typeface="Courier"/>
+                <a:cs typeface="Courier"/>
+              </a:rPr>
+              <a:t>extract_pathway_table_from_pgdb.pl</a:t>
+            </a:r>
+            <a:r>
+              <a:rPr lang="en-US" sz="1400" dirty="0">
+                <a:latin typeface="Courier"/>
+                <a:cs typeface="Courier"/>
+              </a:rPr>
+              <a:t> -f 1_upper_euphotic -out 1_upper_euphotic.lookup.c05.s7.txt -t lookup -c 0.5 -s 7</a:t>
+            </a:r>
+            <a:endParaRPr lang="en-US" sz="1200" dirty="0">
+              <a:latin typeface="Courier"/>
+              <a:cs typeface="Courier"/>
+            </a:endParaRPr>
+          </a:p>
+        </p:txBody>
+      </p:sp>
+      <p:sp>
+        <p:nvSpPr>
+          <p:cNvPr id="9" name="TextBox 8"/>
+          <p:cNvSpPr txBox="1"/>
+          <p:nvPr/>
+        </p:nvSpPr>
+        <p:spPr>
+          <a:xfrm>
+            <a:off x="191012" y="3573016"/>
+            <a:ext cx="8511765" cy="369332"/>
+          </a:xfrm>
+          <a:prstGeom prst="rect">
+            <a:avLst/>
+          </a:prstGeom>
+          <a:noFill/>
+        </p:spPr>
+        <p:txBody>
+          <a:bodyPr wrap="none" rtlCol="0">
+            <a:spAutoFit/>
+          </a:bodyPr>
+          <a:lstStyle/>
+          <a:p>
+            <a:r>
+              <a:rPr lang="en-US" dirty="0" smtClean="0"/>
+              <a:t>Only output pathways with more than 50% reactions covered and at least 7 ORFs:</a:t>
+            </a:r>
+            <a:endParaRPr lang="en-US" dirty="0"/>
+          </a:p>
+        </p:txBody>
+      </p:sp>
+    </p:spTree>
+    <p:extLst>
+      <p:ext uri="{BB962C8B-B14F-4D97-AF65-F5344CB8AC3E}">
+        <p14:creationId xmlns:p14="http://schemas.microsoft.com/office/powerpoint/2010/main" val="3997132579"/>
+      </p:ext>
+    </p:extLst>
+  </p:cSld>
+  <p:clrMapOvr>
+    <a:masterClrMapping/>
+  </p:clrMapOvr>
+</p:sld>
+</file>
+
+<file path=ppt/slides/slide15.xml><?xml version="1.0" encoding="utf-8"?>
+<p:sld xmlns:a="http://schemas.openxmlformats.org/drawingml/2006/main" xmlns:r="http://schemas.openxmlformats.org/officeDocument/2006/relationships" xmlns:p="http://schemas.openxmlformats.org/presentationml/2006/main">
+  <p:cSld>
+    <p:spTree>
+      <p:nvGrpSpPr>
+        <p:cNvPr id="1" name=""/>
+        <p:cNvGrpSpPr/>
+        <p:nvPr/>
+      </p:nvGrpSpPr>
+      <p:grpSpPr>
+        <a:xfrm>
+          <a:off x="0" y="0"/>
+          <a:ext cx="0" cy="0"/>
+          <a:chOff x="0" y="0"/>
+          <a:chExt cx="0" cy="0"/>
+        </a:xfrm>
+      </p:grpSpPr>
+      <p:sp>
+        <p:nvSpPr>
+          <p:cNvPr id="3" name="Slide Number Placeholder 2"/>
+          <p:cNvSpPr>
+            <a:spLocks noGrp="1"/>
+          </p:cNvSpPr>
+          <p:nvPr>
+            <p:ph type="sldNum" sz="quarter" idx="4"/>
+          </p:nvPr>
+        </p:nvSpPr>
+        <p:spPr/>
+        <p:txBody>
+          <a:bodyPr/>
+          <a:lstStyle/>
+          <a:p>
+            <a:fld id="{85BBF6EF-6D96-8244-B1A0-ACF7E23C545D}" type="slidenum">
+              <a:rPr lang="en-US" smtClean="0"/>
+              <a:pPr/>
+              <a:t>15</a:t>
+            </a:fld>
+            <a:endParaRPr lang="en-US" dirty="0"/>
+          </a:p>
+        </p:txBody>
+      </p:sp>
+      <p:sp>
+        <p:nvSpPr>
+          <p:cNvPr id="4" name="Text Placeholder 1"/>
+          <p:cNvSpPr>
+            <a:spLocks noGrp="1"/>
+          </p:cNvSpPr>
+          <p:nvPr>
+            <p:ph type="body" sz="quarter" idx="4294967295"/>
+          </p:nvPr>
+        </p:nvSpPr>
+        <p:spPr>
+          <a:xfrm>
+            <a:off x="814917" y="188640"/>
+            <a:ext cx="7562850" cy="504056"/>
+          </a:xfrm>
+          <a:prstGeom prst="rect">
+            <a:avLst/>
+          </a:prstGeom>
+        </p:spPr>
+        <p:txBody>
+          <a:bodyPr/>
+          <a:lstStyle/>
+          <a:p>
+            <a:pPr marL="0" indent="0">
+              <a:buNone/>
+            </a:pPr>
+            <a:r>
+              <a:rPr lang="en-US" sz="2400" b="1" dirty="0" smtClean="0"/>
+              <a:t>5. Extract pathways and ORFs</a:t>
+            </a:r>
+            <a:endParaRPr lang="en-US" sz="2400" b="1" dirty="0"/>
+          </a:p>
+        </p:txBody>
+      </p:sp>
+      <p:sp>
+        <p:nvSpPr>
+          <p:cNvPr id="9" name="TextBox 8"/>
+          <p:cNvSpPr txBox="1"/>
+          <p:nvPr/>
+        </p:nvSpPr>
+        <p:spPr>
+          <a:xfrm>
+            <a:off x="323528" y="1004352"/>
+            <a:ext cx="7123276" cy="369332"/>
+          </a:xfrm>
+          <a:prstGeom prst="rect">
+            <a:avLst/>
+          </a:prstGeom>
+          <a:noFill/>
+        </p:spPr>
+        <p:txBody>
+          <a:bodyPr wrap="none" rtlCol="0">
+            <a:spAutoFit/>
+          </a:bodyPr>
+          <a:lstStyle/>
+          <a:p>
+            <a:r>
+              <a:rPr lang="en-US" dirty="0" smtClean="0"/>
+              <a:t>the </a:t>
+            </a:r>
+            <a:r>
+              <a:rPr lang="en-US" b="1" dirty="0" smtClean="0">
+                <a:solidFill>
+                  <a:srgbClr val="002040"/>
+                </a:solidFill>
+                <a:latin typeface="Courier"/>
+                <a:cs typeface="Courier"/>
+              </a:rPr>
+              <a:t>-t</a:t>
+            </a:r>
+            <a:r>
+              <a:rPr lang="en-US" b="1" dirty="0" smtClean="0">
+                <a:solidFill>
+                  <a:srgbClr val="002040"/>
+                </a:solidFill>
+              </a:rPr>
+              <a:t> </a:t>
+            </a:r>
+            <a:r>
+              <a:rPr lang="en-US" b="1" dirty="0" smtClean="0">
+                <a:solidFill>
+                  <a:srgbClr val="002040"/>
+                </a:solidFill>
+                <a:latin typeface="Courier"/>
+                <a:cs typeface="Courier"/>
+              </a:rPr>
+              <a:t>long</a:t>
+            </a:r>
+            <a:r>
+              <a:rPr lang="en-US" b="1" dirty="0" smtClean="0">
+                <a:solidFill>
+                  <a:srgbClr val="002040"/>
+                </a:solidFill>
+              </a:rPr>
+              <a:t> </a:t>
+            </a:r>
+            <a:r>
+              <a:rPr lang="en-US" dirty="0"/>
+              <a:t>table format displays each each </a:t>
+            </a:r>
+            <a:r>
+              <a:rPr lang="en-US" dirty="0" smtClean="0"/>
+              <a:t>ORF in each pathway:</a:t>
+            </a:r>
+            <a:endParaRPr lang="en-US" dirty="0"/>
+          </a:p>
+        </p:txBody>
+      </p:sp>
+      <p:sp>
+        <p:nvSpPr>
+          <p:cNvPr id="11" name="TextBox 10"/>
+          <p:cNvSpPr txBox="1"/>
+          <p:nvPr/>
+        </p:nvSpPr>
+        <p:spPr>
+          <a:xfrm>
+            <a:off x="397496" y="1395928"/>
+            <a:ext cx="8711008" cy="2215991"/>
+          </a:xfrm>
+          <a:prstGeom prst="rect">
+            <a:avLst/>
+          </a:prstGeom>
+          <a:noFill/>
+        </p:spPr>
+        <p:txBody>
+          <a:bodyPr wrap="square" rtlCol="0">
+            <a:spAutoFit/>
+          </a:bodyPr>
+          <a:lstStyle/>
+          <a:p>
+            <a:r>
+              <a:rPr lang="en-US" sz="1400" dirty="0" err="1">
+                <a:latin typeface="Courier"/>
+                <a:cs typeface="Courier"/>
+              </a:rPr>
+              <a:t>perl</a:t>
+            </a:r>
+            <a:r>
+              <a:rPr lang="en-US" sz="1400" dirty="0">
+                <a:latin typeface="Courier"/>
+                <a:cs typeface="Courier"/>
+              </a:rPr>
+              <a:t> </a:t>
+            </a:r>
+            <a:r>
+              <a:rPr lang="en-US" sz="1400" dirty="0" err="1">
+                <a:latin typeface="Courier"/>
+                <a:cs typeface="Courier"/>
+              </a:rPr>
+              <a:t>extract_pathway_table_from_pgdb.pl</a:t>
+            </a:r>
+            <a:r>
+              <a:rPr lang="en-US" sz="1400" dirty="0">
+                <a:latin typeface="Courier"/>
+                <a:cs typeface="Courier"/>
+              </a:rPr>
+              <a:t> -f 1_upper_euphotic -out 1_upper_euphotic.long.txt </a:t>
+            </a:r>
+            <a:r>
+              <a:rPr lang="en-US" sz="1400" b="1" dirty="0">
+                <a:latin typeface="Courier"/>
+                <a:cs typeface="Courier"/>
+              </a:rPr>
+              <a:t>-t </a:t>
+            </a:r>
+            <a:r>
+              <a:rPr lang="en-US" sz="1400" b="1" dirty="0" smtClean="0">
+                <a:latin typeface="Courier"/>
+                <a:cs typeface="Courier"/>
+              </a:rPr>
+              <a:t>long</a:t>
+            </a:r>
+          </a:p>
+          <a:p>
+            <a:endParaRPr lang="en-US" sz="1400" dirty="0">
+              <a:latin typeface="Courier"/>
+              <a:cs typeface="Courier"/>
+            </a:endParaRPr>
+          </a:p>
+          <a:p>
+            <a:r>
+              <a:rPr lang="en-US" sz="1400" dirty="0">
+                <a:latin typeface="Courier"/>
+                <a:cs typeface="Courier"/>
+              </a:rPr>
+              <a:t>head 1_upper_euphotic.long.txt</a:t>
+            </a:r>
+          </a:p>
+          <a:p>
+            <a:r>
+              <a:rPr lang="en-US" sz="1000" dirty="0">
+                <a:latin typeface="Courier"/>
+                <a:cs typeface="Courier"/>
+              </a:rPr>
+              <a:t>SAMPLE	PWY_NAME	PWY_COMMON_NAME	NUM_REACTIONS	NUM_COVERED_REACTIONS	ORF_COUNT	ORF</a:t>
+            </a:r>
+          </a:p>
+          <a:p>
+            <a:r>
+              <a:rPr lang="en-US" sz="1000" dirty="0">
+                <a:latin typeface="Courier"/>
+                <a:cs typeface="Courier"/>
+              </a:rPr>
+              <a:t>1_upper_euphotic	PWY-5913	TCA cycle VI (obligate autotrophs)	11	10	65	1_upper_euphotic_3417_1</a:t>
+            </a:r>
+          </a:p>
+          <a:p>
+            <a:r>
+              <a:rPr lang="en-US" sz="1000" dirty="0">
+                <a:latin typeface="Courier"/>
+                <a:cs typeface="Courier"/>
+              </a:rPr>
+              <a:t>1_upper_euphotic	PWY-5913	TCA cycle VI (obligate autotrophs)	11	10	65	1_upper_euphotic_5953_0</a:t>
+            </a:r>
+          </a:p>
+          <a:p>
+            <a:r>
+              <a:rPr lang="en-US" sz="1000" dirty="0">
+                <a:latin typeface="Courier"/>
+                <a:cs typeface="Courier"/>
+              </a:rPr>
+              <a:t>1_upper_euphotic	PWY-5913	TCA cycle VI (obligate autotrophs)	11	10	65	1_upper_euphotic_7270_0</a:t>
+            </a:r>
+          </a:p>
+          <a:p>
+            <a:r>
+              <a:rPr lang="en-US" sz="1000" dirty="0">
+                <a:latin typeface="Courier"/>
+                <a:cs typeface="Courier"/>
+              </a:rPr>
+              <a:t>1_upper_euphotic	PWY-5913	TCA cycle VI (obligate autotrophs)	11	10	65	1_upper_euphotic_643_1</a:t>
+            </a:r>
+          </a:p>
+          <a:p>
+            <a:r>
+              <a:rPr lang="en-US" sz="1000" dirty="0">
+                <a:latin typeface="Courier"/>
+                <a:cs typeface="Courier"/>
+              </a:rPr>
+              <a:t>1_upper_euphotic	PWY-5913	TCA cycle VI (obligate autotrophs)	11	10	65	1_upper_euphotic_14_0</a:t>
+            </a:r>
+          </a:p>
+          <a:p>
+            <a:r>
+              <a:rPr lang="en-US" sz="1000" dirty="0">
+                <a:latin typeface="Courier"/>
+                <a:cs typeface="Courier"/>
+              </a:rPr>
+              <a:t>1_upper_euphotic	PWY-5913	TCA cycle VI (obligate autotrophs)	11	10	65	1_upper_euphotic_670_0</a:t>
+            </a:r>
+          </a:p>
+          <a:p>
+            <a:endParaRPr lang="en-US" sz="1200" dirty="0">
+              <a:latin typeface="Courier"/>
+              <a:cs typeface="Courier"/>
+            </a:endParaRPr>
+          </a:p>
+        </p:txBody>
+      </p:sp>
+      <p:sp>
+        <p:nvSpPr>
+          <p:cNvPr id="12" name="TextBox 11"/>
+          <p:cNvSpPr txBox="1"/>
+          <p:nvPr/>
+        </p:nvSpPr>
+        <p:spPr>
+          <a:xfrm>
+            <a:off x="322144" y="3532366"/>
+            <a:ext cx="6367999" cy="369332"/>
+          </a:xfrm>
+          <a:prstGeom prst="rect">
+            <a:avLst/>
+          </a:prstGeom>
+          <a:noFill/>
+        </p:spPr>
+        <p:txBody>
+          <a:bodyPr wrap="none" rtlCol="0">
+            <a:spAutoFit/>
+          </a:bodyPr>
+          <a:lstStyle/>
+          <a:p>
+            <a:r>
+              <a:rPr lang="en-US" dirty="0" smtClean="0"/>
+              <a:t>the </a:t>
+            </a:r>
+            <a:r>
+              <a:rPr lang="en-US" dirty="0" smtClean="0">
+                <a:latin typeface="Courier"/>
+                <a:cs typeface="Courier"/>
+              </a:rPr>
+              <a:t>-t</a:t>
+            </a:r>
+            <a:r>
+              <a:rPr lang="en-US" dirty="0" smtClean="0"/>
+              <a:t> </a:t>
+            </a:r>
+            <a:r>
+              <a:rPr lang="en-US" dirty="0" smtClean="0">
+                <a:latin typeface="Courier"/>
+                <a:cs typeface="Courier"/>
+              </a:rPr>
+              <a:t>wide </a:t>
+            </a:r>
+            <a:r>
+              <a:rPr lang="en-US" dirty="0" smtClean="0"/>
+              <a:t>with multiple samples creates a “master” table:</a:t>
+            </a:r>
+            <a:endParaRPr lang="en-US" dirty="0"/>
+          </a:p>
+        </p:txBody>
+      </p:sp>
+      <p:sp>
+        <p:nvSpPr>
+          <p:cNvPr id="13" name="TextBox 12"/>
+          <p:cNvSpPr txBox="1"/>
+          <p:nvPr/>
+        </p:nvSpPr>
+        <p:spPr>
+          <a:xfrm>
+            <a:off x="469504" y="3901698"/>
+            <a:ext cx="8711008" cy="2462213"/>
+          </a:xfrm>
+          <a:prstGeom prst="rect">
+            <a:avLst/>
+          </a:prstGeom>
+          <a:noFill/>
+        </p:spPr>
+        <p:txBody>
+          <a:bodyPr wrap="square" rtlCol="0">
+            <a:spAutoFit/>
+          </a:bodyPr>
+          <a:lstStyle/>
+          <a:p>
+            <a:r>
+              <a:rPr lang="en-US" sz="1400" dirty="0">
+                <a:latin typeface="Courier"/>
+                <a:cs typeface="Courier"/>
+              </a:rPr>
+              <a:t># - wide table format of pathways from multiple samples</a:t>
+            </a:r>
+          </a:p>
+          <a:p>
+            <a:r>
+              <a:rPr lang="en-US" sz="1400" dirty="0" err="1">
+                <a:latin typeface="Courier"/>
+                <a:cs typeface="Courier"/>
+              </a:rPr>
+              <a:t>perl</a:t>
+            </a:r>
+            <a:r>
+              <a:rPr lang="en-US" sz="1400" dirty="0">
+                <a:latin typeface="Courier"/>
+                <a:cs typeface="Courier"/>
+              </a:rPr>
+              <a:t> </a:t>
+            </a:r>
+            <a:r>
+              <a:rPr lang="en-US" sz="1400" dirty="0" err="1">
+                <a:latin typeface="Courier"/>
+                <a:cs typeface="Courier"/>
+              </a:rPr>
+              <a:t>extract_pathway_table_from_pgdb.pl</a:t>
+            </a:r>
+            <a:r>
+              <a:rPr lang="en-US" sz="1400" dirty="0">
+                <a:latin typeface="Courier"/>
+                <a:cs typeface="Courier"/>
+              </a:rPr>
+              <a:t> -f 1_upper_euphotic 6_upper_euphotic 2_chlorophyllmax 3_below_euphotic 5_uppermesopelagic 7_omz 4_deepabyss -out </a:t>
+            </a:r>
+            <a:r>
+              <a:rPr lang="en-US" sz="1400" dirty="0" err="1">
+                <a:latin typeface="Courier"/>
+                <a:cs typeface="Courier"/>
+              </a:rPr>
+              <a:t>HOT_Sanger_pwy.wide.txt</a:t>
+            </a:r>
+            <a:r>
+              <a:rPr lang="en-US" sz="1400" dirty="0">
+                <a:latin typeface="Courier"/>
+                <a:cs typeface="Courier"/>
+              </a:rPr>
+              <a:t> -t wide </a:t>
+            </a:r>
+          </a:p>
+          <a:p>
+            <a:endParaRPr lang="en-US" sz="1400" dirty="0">
+              <a:latin typeface="Courier"/>
+              <a:cs typeface="Courier"/>
+            </a:endParaRPr>
+          </a:p>
+          <a:p>
+            <a:r>
+              <a:rPr lang="en-US" sz="1400" dirty="0">
+                <a:latin typeface="Courier"/>
+                <a:cs typeface="Courier"/>
+              </a:rPr>
+              <a:t>head 1_upper_euphotic.long.txt</a:t>
+            </a:r>
+          </a:p>
+          <a:p>
+            <a:r>
+              <a:rPr lang="en-US" sz="1000" dirty="0" smtClean="0">
+                <a:latin typeface="Courier"/>
+                <a:cs typeface="Courier"/>
+              </a:rPr>
+              <a:t>PWY</a:t>
+            </a:r>
+            <a:r>
+              <a:rPr lang="en-US" sz="1000" dirty="0">
+                <a:latin typeface="Courier"/>
+                <a:cs typeface="Courier"/>
+              </a:rPr>
+              <a:t>	1_upper_euphotic	6_upper_euphotic	2_chlorophyllmax	3_below_euphotic	5_uppermesopelagic	7_omz	4_deepabyss</a:t>
+            </a:r>
+          </a:p>
+          <a:p>
+            <a:r>
+              <a:rPr lang="en-US" sz="1000" dirty="0">
+                <a:latin typeface="Courier"/>
+                <a:cs typeface="Courier"/>
+              </a:rPr>
+              <a:t>SUCSYN-PWY	0	16	10	8	17	13	16</a:t>
+            </a:r>
+          </a:p>
+          <a:p>
+            <a:r>
+              <a:rPr lang="en-US" sz="1000" dirty="0">
+                <a:latin typeface="Courier"/>
+                <a:cs typeface="Courier"/>
+              </a:rPr>
+              <a:t>PWY-6733	0	1	0	0	0	0	0</a:t>
+            </a:r>
+          </a:p>
+          <a:p>
+            <a:r>
+              <a:rPr lang="en-US" sz="1000" dirty="0">
+                <a:latin typeface="Courier"/>
+                <a:cs typeface="Courier"/>
+              </a:rPr>
+              <a:t>PWY-5274	0	0	0	1	0	0	0</a:t>
+            </a:r>
+          </a:p>
+          <a:p>
+            <a:r>
+              <a:rPr lang="en-US" sz="1000" dirty="0">
+                <a:latin typeface="Courier"/>
+                <a:cs typeface="Courier"/>
+              </a:rPr>
+              <a:t>PWY-6728	0	0	0	46	0	59	0</a:t>
+            </a:r>
+          </a:p>
+          <a:p>
+            <a:r>
+              <a:rPr lang="en-US" sz="1000" dirty="0">
+                <a:latin typeface="Courier"/>
+                <a:cs typeface="Courier"/>
+              </a:rPr>
+              <a:t>PWY-241	12	6	8	6	7	12	7</a:t>
+            </a:r>
+          </a:p>
+        </p:txBody>
+      </p:sp>
+    </p:spTree>
+    <p:extLst>
+      <p:ext uri="{BB962C8B-B14F-4D97-AF65-F5344CB8AC3E}">
+        <p14:creationId xmlns:p14="http://schemas.microsoft.com/office/powerpoint/2010/main" val="4129038241"/>
+      </p:ext>
+    </p:extLst>
+  </p:cSld>
+  <p:clrMapOvr>
+    <a:masterClrMapping/>
+  </p:clrMapOvr>
+</p:sld>
+</file>
+
+<file path=ppt/slides/slide16.xml><?xml version="1.0" encoding="utf-8"?>
+<p:sld xmlns:a="http://schemas.openxmlformats.org/drawingml/2006/main" xmlns:r="http://schemas.openxmlformats.org/officeDocument/2006/relationships" xmlns:p="http://schemas.openxmlformats.org/presentationml/2006/main">
+  <p:cSld>
+    <p:spTree>
+      <p:nvGrpSpPr>
+        <p:cNvPr id="1" name=""/>
+        <p:cNvGrpSpPr/>
+        <p:nvPr/>
+      </p:nvGrpSpPr>
+      <p:grpSpPr>
+        <a:xfrm>
+          <a:off x="0" y="0"/>
+          <a:ext cx="0" cy="0"/>
+          <a:chOff x="0" y="0"/>
+          <a:chExt cx="0" cy="0"/>
+        </a:xfrm>
+      </p:grpSpPr>
+      <p:sp>
+        <p:nvSpPr>
+          <p:cNvPr id="3" name="Slide Number Placeholder 2"/>
+          <p:cNvSpPr>
+            <a:spLocks noGrp="1"/>
+          </p:cNvSpPr>
+          <p:nvPr>
+            <p:ph type="sldNum" sz="quarter" idx="4"/>
+          </p:nvPr>
+        </p:nvSpPr>
+        <p:spPr/>
+        <p:txBody>
+          <a:bodyPr/>
+          <a:lstStyle/>
+          <a:p>
+            <a:fld id="{85BBF6EF-6D96-8244-B1A0-ACF7E23C545D}" type="slidenum">
+              <a:rPr lang="en-US" smtClean="0"/>
+              <a:pPr/>
+              <a:t>16</a:t>
+            </a:fld>
+            <a:endParaRPr lang="en-US" dirty="0"/>
+          </a:p>
+        </p:txBody>
+      </p:sp>
+      <p:sp>
+        <p:nvSpPr>
+          <p:cNvPr id="4" name="Text Placeholder 1"/>
+          <p:cNvSpPr>
+            <a:spLocks noGrp="1"/>
+          </p:cNvSpPr>
+          <p:nvPr>
+            <p:ph type="body" sz="quarter" idx="4294967295"/>
+          </p:nvPr>
+        </p:nvSpPr>
+        <p:spPr>
+          <a:xfrm>
+            <a:off x="814917" y="188640"/>
+            <a:ext cx="7562850" cy="504056"/>
+          </a:xfrm>
+          <a:prstGeom prst="rect">
+            <a:avLst/>
+          </a:prstGeom>
+        </p:spPr>
+        <p:txBody>
+          <a:bodyPr/>
+          <a:lstStyle/>
+          <a:p>
+            <a:pPr marL="0" indent="0">
+              <a:buNone/>
+            </a:pPr>
+            <a:r>
+              <a:rPr lang="en-US" sz="2400" b="1" dirty="0" smtClean="0"/>
+              <a:t>5. Extract pathways and ORFs</a:t>
+            </a:r>
+            <a:endParaRPr lang="en-US" sz="2400" b="1" dirty="0"/>
+          </a:p>
+        </p:txBody>
+      </p:sp>
+      <p:sp>
+        <p:nvSpPr>
+          <p:cNvPr id="9" name="TextBox 8"/>
+          <p:cNvSpPr txBox="1"/>
+          <p:nvPr/>
+        </p:nvSpPr>
+        <p:spPr>
+          <a:xfrm>
+            <a:off x="323528" y="1004352"/>
+            <a:ext cx="7634422" cy="369332"/>
+          </a:xfrm>
+          <a:prstGeom prst="rect">
+            <a:avLst/>
+          </a:prstGeom>
+          <a:noFill/>
+        </p:spPr>
+        <p:txBody>
+          <a:bodyPr wrap="none" rtlCol="0">
+            <a:spAutoFit/>
+          </a:bodyPr>
+          <a:lstStyle/>
+          <a:p>
+            <a:r>
+              <a:rPr lang="en-US" dirty="0" smtClean="0"/>
+              <a:t>the </a:t>
+            </a:r>
+            <a:r>
+              <a:rPr lang="en-US" b="1" dirty="0" smtClean="0">
+                <a:solidFill>
+                  <a:srgbClr val="002040"/>
+                </a:solidFill>
+                <a:latin typeface="Courier"/>
+                <a:cs typeface="Courier"/>
+              </a:rPr>
+              <a:t>-t</a:t>
+            </a:r>
+            <a:r>
+              <a:rPr lang="en-US" b="1" dirty="0" smtClean="0">
+                <a:solidFill>
+                  <a:srgbClr val="002040"/>
+                </a:solidFill>
+              </a:rPr>
+              <a:t> </a:t>
+            </a:r>
+            <a:r>
+              <a:rPr lang="en-US" b="1" dirty="0" smtClean="0">
+                <a:solidFill>
+                  <a:srgbClr val="002040"/>
+                </a:solidFill>
+                <a:latin typeface="Courier"/>
+                <a:cs typeface="Courier"/>
+              </a:rPr>
+              <a:t>wide -</a:t>
+            </a:r>
+            <a:r>
+              <a:rPr lang="en-US" b="1" dirty="0" err="1" smtClean="0">
+                <a:solidFill>
+                  <a:srgbClr val="002040"/>
+                </a:solidFill>
+                <a:latin typeface="Courier"/>
+                <a:cs typeface="Courier"/>
+              </a:rPr>
+              <a:t>rxn</a:t>
+            </a:r>
+            <a:r>
+              <a:rPr lang="en-US" b="1" dirty="0" smtClean="0">
+                <a:solidFill>
+                  <a:srgbClr val="002040"/>
+                </a:solidFill>
+                <a:latin typeface="Courier"/>
+                <a:cs typeface="Courier"/>
+              </a:rPr>
+              <a:t> </a:t>
+            </a:r>
+            <a:r>
+              <a:rPr lang="en-US" dirty="0" smtClean="0"/>
+              <a:t>options produce a list of reactions and abundance:</a:t>
+            </a:r>
+            <a:endParaRPr lang="en-US" dirty="0"/>
+          </a:p>
+        </p:txBody>
+      </p:sp>
+      <p:sp>
+        <p:nvSpPr>
+          <p:cNvPr id="11" name="TextBox 10"/>
+          <p:cNvSpPr txBox="1"/>
+          <p:nvPr/>
+        </p:nvSpPr>
+        <p:spPr>
+          <a:xfrm>
+            <a:off x="397496" y="1395928"/>
+            <a:ext cx="8711008" cy="2215991"/>
+          </a:xfrm>
+          <a:prstGeom prst="rect">
+            <a:avLst/>
+          </a:prstGeom>
+          <a:noFill/>
+        </p:spPr>
+        <p:txBody>
+          <a:bodyPr wrap="square" rtlCol="0">
+            <a:spAutoFit/>
+          </a:bodyPr>
+          <a:lstStyle/>
+          <a:p>
+            <a:r>
+              <a:rPr lang="en-US" sz="1400" dirty="0" err="1">
+                <a:latin typeface="Courier"/>
+                <a:cs typeface="Courier"/>
+              </a:rPr>
+              <a:t>perl</a:t>
+            </a:r>
+            <a:r>
+              <a:rPr lang="en-US" sz="1400" dirty="0">
+                <a:latin typeface="Courier"/>
+                <a:cs typeface="Courier"/>
+              </a:rPr>
+              <a:t> </a:t>
+            </a:r>
+            <a:r>
+              <a:rPr lang="en-US" sz="1400" dirty="0" err="1">
+                <a:latin typeface="Courier"/>
+                <a:cs typeface="Courier"/>
+              </a:rPr>
+              <a:t>extract_pathway_table_from_pgdb.pl</a:t>
+            </a:r>
+            <a:r>
+              <a:rPr lang="en-US" sz="1400" dirty="0">
+                <a:latin typeface="Courier"/>
+                <a:cs typeface="Courier"/>
+              </a:rPr>
+              <a:t> -f 1_upper_euphotic -out 1_upper_euphotic_rxn.wide.txt </a:t>
+            </a:r>
+            <a:r>
+              <a:rPr lang="en-US" sz="1400" b="1" dirty="0">
+                <a:latin typeface="Courier"/>
+                <a:cs typeface="Courier"/>
+              </a:rPr>
+              <a:t>-t </a:t>
+            </a:r>
+            <a:r>
+              <a:rPr lang="en-US" sz="1400" b="1" dirty="0" smtClean="0">
+                <a:latin typeface="Courier"/>
+                <a:cs typeface="Courier"/>
+              </a:rPr>
+              <a:t>wide –</a:t>
+            </a:r>
+            <a:r>
+              <a:rPr lang="en-US" sz="1400" b="1" dirty="0" err="1" smtClean="0">
+                <a:latin typeface="Courier"/>
+                <a:cs typeface="Courier"/>
+              </a:rPr>
+              <a:t>rxn</a:t>
+            </a:r>
+            <a:endParaRPr lang="en-US" sz="1400" b="1" dirty="0" smtClean="0">
+              <a:latin typeface="Courier"/>
+              <a:cs typeface="Courier"/>
+            </a:endParaRPr>
+          </a:p>
+          <a:p>
+            <a:endParaRPr lang="en-US" sz="1400" dirty="0">
+              <a:latin typeface="Courier"/>
+              <a:cs typeface="Courier"/>
+            </a:endParaRPr>
+          </a:p>
+          <a:p>
+            <a:r>
+              <a:rPr lang="en-US" sz="1400" dirty="0">
+                <a:latin typeface="Courier"/>
+                <a:cs typeface="Courier"/>
+              </a:rPr>
+              <a:t>head 1_upper_euphotic_rxn.wide.txt</a:t>
+            </a:r>
+          </a:p>
+          <a:p>
+            <a:r>
+              <a:rPr lang="en-US" sz="1000" dirty="0">
+                <a:latin typeface="Courier"/>
+                <a:cs typeface="Courier"/>
+              </a:rPr>
+              <a:t>RXN	1_upper_euphotic</a:t>
+            </a:r>
+          </a:p>
+          <a:p>
+            <a:r>
+              <a:rPr lang="en-US" sz="1000" dirty="0">
+                <a:latin typeface="Courier"/>
+                <a:cs typeface="Courier"/>
+              </a:rPr>
+              <a:t>RXN1G-617	1</a:t>
+            </a:r>
+          </a:p>
+          <a:p>
+            <a:r>
+              <a:rPr lang="en-US" sz="1000" dirty="0">
+                <a:latin typeface="Courier"/>
+                <a:cs typeface="Courier"/>
+              </a:rPr>
+              <a:t>RXN-6641	1</a:t>
+            </a:r>
+          </a:p>
+          <a:p>
+            <a:r>
+              <a:rPr lang="en-US" sz="1000" dirty="0">
+                <a:latin typeface="Courier"/>
+                <a:cs typeface="Courier"/>
+              </a:rPr>
+              <a:t>RXN0-2381	2</a:t>
+            </a:r>
+          </a:p>
+          <a:p>
+            <a:r>
+              <a:rPr lang="en-US" sz="1000" dirty="0">
+                <a:latin typeface="Courier"/>
+                <a:cs typeface="Courier"/>
+              </a:rPr>
+              <a:t>DTDPGLUCOSEPP-RXN	2</a:t>
+            </a:r>
+          </a:p>
+          <a:p>
+            <a:r>
+              <a:rPr lang="en-US" sz="1000" dirty="0">
+                <a:latin typeface="Courier"/>
+                <a:cs typeface="Courier"/>
+              </a:rPr>
+              <a:t>RXN0-6479	3</a:t>
+            </a:r>
+          </a:p>
+          <a:p>
+            <a:r>
+              <a:rPr lang="en-US" sz="1000" dirty="0">
+                <a:latin typeface="Courier"/>
+                <a:cs typeface="Courier"/>
+              </a:rPr>
+              <a:t>DADPKIN-RXN	4</a:t>
+            </a:r>
+          </a:p>
+          <a:p>
+            <a:endParaRPr lang="en-US" sz="1200" dirty="0">
+              <a:latin typeface="Courier"/>
+              <a:cs typeface="Courier"/>
+            </a:endParaRPr>
+          </a:p>
+        </p:txBody>
+      </p:sp>
+      <p:sp>
+        <p:nvSpPr>
+          <p:cNvPr id="12" name="TextBox 11"/>
+          <p:cNvSpPr txBox="1"/>
+          <p:nvPr/>
+        </p:nvSpPr>
+        <p:spPr>
+          <a:xfrm>
+            <a:off x="322144" y="3491716"/>
+            <a:ext cx="7440333" cy="369332"/>
+          </a:xfrm>
+          <a:prstGeom prst="rect">
+            <a:avLst/>
+          </a:prstGeom>
+          <a:noFill/>
+        </p:spPr>
+        <p:txBody>
+          <a:bodyPr wrap="none" rtlCol="0">
+            <a:spAutoFit/>
+          </a:bodyPr>
+          <a:lstStyle/>
+          <a:p>
+            <a:r>
+              <a:rPr lang="en-US" dirty="0" smtClean="0"/>
+              <a:t>the </a:t>
+            </a:r>
+            <a:r>
+              <a:rPr lang="en-US" b="1" dirty="0" smtClean="0">
+                <a:latin typeface="Courier"/>
+                <a:cs typeface="Courier"/>
+              </a:rPr>
+              <a:t>-t</a:t>
+            </a:r>
+            <a:r>
+              <a:rPr lang="en-US" b="1" dirty="0" smtClean="0"/>
+              <a:t> </a:t>
+            </a:r>
+            <a:r>
+              <a:rPr lang="en-US" b="1" dirty="0" smtClean="0">
+                <a:latin typeface="Courier"/>
+                <a:cs typeface="Courier"/>
+              </a:rPr>
+              <a:t>wide</a:t>
+            </a:r>
+            <a:r>
+              <a:rPr lang="en-US" dirty="0" smtClean="0">
+                <a:latin typeface="Courier"/>
+                <a:cs typeface="Courier"/>
+              </a:rPr>
+              <a:t> </a:t>
+            </a:r>
+            <a:r>
+              <a:rPr lang="en-US" b="1" dirty="0" smtClean="0">
+                <a:latin typeface="Courier"/>
+                <a:cs typeface="Courier"/>
+              </a:rPr>
+              <a:t>-</a:t>
+            </a:r>
+            <a:r>
+              <a:rPr lang="en-US" b="1" dirty="0" err="1" smtClean="0">
+                <a:latin typeface="Courier"/>
+                <a:cs typeface="Courier"/>
+              </a:rPr>
+              <a:t>rxn</a:t>
+            </a:r>
+            <a:r>
+              <a:rPr lang="en-US" b="1" dirty="0" smtClean="0">
+                <a:latin typeface="Courier"/>
+                <a:cs typeface="Courier"/>
+              </a:rPr>
+              <a:t> </a:t>
+            </a:r>
+            <a:r>
+              <a:rPr lang="en-US" dirty="0" smtClean="0"/>
+              <a:t>with multiple samples creates a “master” </a:t>
+            </a:r>
+            <a:r>
+              <a:rPr lang="en-US" dirty="0" err="1" smtClean="0"/>
+              <a:t>rxn</a:t>
+            </a:r>
+            <a:r>
+              <a:rPr lang="en-US" dirty="0" smtClean="0"/>
+              <a:t> table:</a:t>
+            </a:r>
+            <a:endParaRPr lang="en-US" dirty="0"/>
+          </a:p>
+        </p:txBody>
+      </p:sp>
+      <p:sp>
+        <p:nvSpPr>
+          <p:cNvPr id="13" name="TextBox 12"/>
+          <p:cNvSpPr txBox="1"/>
+          <p:nvPr/>
+        </p:nvSpPr>
+        <p:spPr>
+          <a:xfrm>
+            <a:off x="469504" y="3901698"/>
+            <a:ext cx="8711008" cy="2246769"/>
+          </a:xfrm>
+          <a:prstGeom prst="rect">
+            <a:avLst/>
+          </a:prstGeom>
+          <a:noFill/>
+        </p:spPr>
+        <p:txBody>
+          <a:bodyPr wrap="square" rtlCol="0">
+            <a:spAutoFit/>
+          </a:bodyPr>
+          <a:lstStyle/>
+          <a:p>
+            <a:r>
+              <a:rPr lang="en-US" sz="1400" dirty="0" err="1">
+                <a:latin typeface="Courier"/>
+                <a:cs typeface="Courier"/>
+              </a:rPr>
+              <a:t>perl</a:t>
+            </a:r>
+            <a:r>
+              <a:rPr lang="en-US" sz="1400" dirty="0">
+                <a:latin typeface="Courier"/>
+                <a:cs typeface="Courier"/>
+              </a:rPr>
+              <a:t> </a:t>
+            </a:r>
+            <a:r>
+              <a:rPr lang="en-US" sz="1400" dirty="0" err="1">
+                <a:latin typeface="Courier"/>
+                <a:cs typeface="Courier"/>
+              </a:rPr>
+              <a:t>extract_pathway_table_from_pgdb.pl</a:t>
+            </a:r>
+            <a:r>
+              <a:rPr lang="en-US" sz="1400" dirty="0">
+                <a:latin typeface="Courier"/>
+                <a:cs typeface="Courier"/>
+              </a:rPr>
+              <a:t> -f 1_upper_euphotic 6_upper_euphotic 2_chlorophyllmax 3_below_euphotic 5_uppermesopelagic 7_omz 4_deepabyss -out </a:t>
+            </a:r>
+            <a:r>
+              <a:rPr lang="en-US" sz="1400" dirty="0" err="1">
+                <a:latin typeface="Courier"/>
+                <a:cs typeface="Courier"/>
+              </a:rPr>
+              <a:t>HOT_Sanger_rxn.wide.txt</a:t>
+            </a:r>
+            <a:r>
+              <a:rPr lang="en-US" sz="1400" dirty="0">
+                <a:latin typeface="Courier"/>
+                <a:cs typeface="Courier"/>
+              </a:rPr>
+              <a:t> -t wide -</a:t>
+            </a:r>
+            <a:r>
+              <a:rPr lang="en-US" sz="1400" dirty="0" err="1">
+                <a:latin typeface="Courier"/>
+                <a:cs typeface="Courier"/>
+              </a:rPr>
+              <a:t>rxn</a:t>
+            </a:r>
+            <a:endParaRPr lang="en-US" sz="1400" dirty="0">
+              <a:latin typeface="Courier"/>
+              <a:cs typeface="Courier"/>
+            </a:endParaRPr>
+          </a:p>
+          <a:p>
+            <a:endParaRPr lang="en-US" sz="1400" dirty="0">
+              <a:latin typeface="Courier"/>
+              <a:cs typeface="Courier"/>
+            </a:endParaRPr>
+          </a:p>
+          <a:p>
+            <a:r>
+              <a:rPr lang="en-US" sz="1400" dirty="0">
+                <a:latin typeface="Courier"/>
+                <a:cs typeface="Courier"/>
+              </a:rPr>
+              <a:t>head </a:t>
+            </a:r>
+            <a:r>
+              <a:rPr lang="en-US" sz="1400" dirty="0" err="1">
+                <a:latin typeface="Courier"/>
+                <a:cs typeface="Courier"/>
+              </a:rPr>
+              <a:t>HOT_Sanger_rxn.wide.txt</a:t>
+            </a:r>
+            <a:r>
+              <a:rPr lang="en-US" sz="1400" dirty="0">
+                <a:latin typeface="Courier"/>
+                <a:cs typeface="Courier"/>
+              </a:rPr>
+              <a:t> </a:t>
+            </a:r>
+            <a:endParaRPr lang="en-US" sz="1400" dirty="0" smtClean="0">
+              <a:latin typeface="Courier"/>
+              <a:cs typeface="Courier"/>
+            </a:endParaRPr>
+          </a:p>
+          <a:p>
+            <a:r>
+              <a:rPr lang="en-US" sz="1000" dirty="0" smtClean="0">
+                <a:latin typeface="Courier"/>
+                <a:cs typeface="Courier"/>
+              </a:rPr>
+              <a:t>PWY	1_upper_euphotic	6_upper_euphotic	2_chlorophyllmax	3_below_euphotic	5_uppermesopelagic	7_omz	4_deepabyss</a:t>
+            </a:r>
+          </a:p>
+          <a:p>
+            <a:r>
+              <a:rPr lang="en-US" sz="1000" dirty="0" smtClean="0">
+                <a:latin typeface="Courier"/>
+                <a:cs typeface="Courier"/>
+              </a:rPr>
+              <a:t>SUCSYN</a:t>
+            </a:r>
+            <a:r>
+              <a:rPr lang="en-US" sz="1000" dirty="0">
+                <a:latin typeface="Courier"/>
+                <a:cs typeface="Courier"/>
+              </a:rPr>
+              <a:t>-PWY	0	16	10	8	17	13	16</a:t>
+            </a:r>
+          </a:p>
+          <a:p>
+            <a:r>
+              <a:rPr lang="en-US" sz="1000" dirty="0">
+                <a:latin typeface="Courier"/>
+                <a:cs typeface="Courier"/>
+              </a:rPr>
+              <a:t>PWY-6733	0	1	0	0	0	0	0</a:t>
+            </a:r>
+          </a:p>
+          <a:p>
+            <a:r>
+              <a:rPr lang="en-US" sz="1000" dirty="0">
+                <a:latin typeface="Courier"/>
+                <a:cs typeface="Courier"/>
+              </a:rPr>
+              <a:t>PWY-5274	0	0	0	1	0	0	0</a:t>
+            </a:r>
+          </a:p>
+          <a:p>
+            <a:r>
+              <a:rPr lang="en-US" sz="1000" dirty="0">
+                <a:latin typeface="Courier"/>
+                <a:cs typeface="Courier"/>
+              </a:rPr>
+              <a:t>PWY-6728	0	0	0	46	0	59	0</a:t>
+            </a:r>
+          </a:p>
+          <a:p>
+            <a:r>
+              <a:rPr lang="en-US" sz="1000" dirty="0">
+                <a:latin typeface="Courier"/>
+                <a:cs typeface="Courier"/>
+              </a:rPr>
+              <a:t>PWY-241	12	6	8	6	7	12	7</a:t>
+            </a:r>
+          </a:p>
+        </p:txBody>
+      </p:sp>
+    </p:spTree>
+    <p:extLst>
+      <p:ext uri="{BB962C8B-B14F-4D97-AF65-F5344CB8AC3E}">
+        <p14:creationId xmlns:p14="http://schemas.microsoft.com/office/powerpoint/2010/main" val="657938049"/>
+      </p:ext>
+    </p:extLst>
+  </p:cSld>
+  <p:clrMapOvr>
+    <a:masterClrMapping/>
+  </p:clrMapOvr>
+</p:sld>
+</file>
+
+<file path=ppt/slides/slide17.xml><?xml version="1.0" encoding="utf-8"?>
+<p:sld xmlns:a="http://schemas.openxmlformats.org/drawingml/2006/main" xmlns:r="http://schemas.openxmlformats.org/officeDocument/2006/relationships" xmlns:p="http://schemas.openxmlformats.org/presentationml/2006/main">
+  <p:cSld>
+    <p:spTree>
+      <p:nvGrpSpPr>
+        <p:cNvPr id="1" name=""/>
+        <p:cNvGrpSpPr/>
+        <p:nvPr/>
+      </p:nvGrpSpPr>
+      <p:grpSpPr>
+        <a:xfrm>
+          <a:off x="0" y="0"/>
+          <a:ext cx="0" cy="0"/>
+          <a:chOff x="0" y="0"/>
+          <a:chExt cx="0" cy="0"/>
+        </a:xfrm>
+      </p:grpSpPr>
+      <p:sp>
+        <p:nvSpPr>
+          <p:cNvPr id="3" name="Slide Number Placeholder 2"/>
+          <p:cNvSpPr>
+            <a:spLocks noGrp="1"/>
+          </p:cNvSpPr>
+          <p:nvPr>
+            <p:ph type="sldNum" sz="quarter" idx="4"/>
+          </p:nvPr>
+        </p:nvSpPr>
+        <p:spPr/>
+        <p:txBody>
+          <a:bodyPr/>
+          <a:lstStyle/>
+          <a:p>
+            <a:fld id="{85BBF6EF-6D96-8244-B1A0-ACF7E23C545D}" type="slidenum">
+              <a:rPr lang="en-US" smtClean="0"/>
+              <a:pPr/>
+              <a:t>17</a:t>
+            </a:fld>
+            <a:endParaRPr lang="en-US" dirty="0"/>
+          </a:p>
+        </p:txBody>
+      </p:sp>
+      <p:sp>
+        <p:nvSpPr>
+          <p:cNvPr id="4" name="Text Placeholder 1"/>
+          <p:cNvSpPr>
+            <a:spLocks noGrp="1"/>
+          </p:cNvSpPr>
+          <p:nvPr>
+            <p:ph type="body" sz="quarter" idx="4294967295"/>
+          </p:nvPr>
+        </p:nvSpPr>
+        <p:spPr>
+          <a:xfrm>
+            <a:off x="814917" y="188640"/>
+            <a:ext cx="7562850" cy="504056"/>
+          </a:xfrm>
+          <a:prstGeom prst="rect">
+            <a:avLst/>
+          </a:prstGeom>
+        </p:spPr>
+        <p:txBody>
+          <a:bodyPr/>
+          <a:lstStyle/>
+          <a:p>
+            <a:pPr marL="0" indent="0">
+              <a:buNone/>
+            </a:pPr>
+            <a:r>
+              <a:rPr lang="en-US" sz="2400" b="1" dirty="0" smtClean="0"/>
+              <a:t>5. Extract pathways and ORFs</a:t>
+            </a:r>
+            <a:endParaRPr lang="en-US" sz="2400" b="1" dirty="0"/>
+          </a:p>
+        </p:txBody>
+      </p:sp>
+      <p:sp>
+        <p:nvSpPr>
+          <p:cNvPr id="9" name="TextBox 8"/>
+          <p:cNvSpPr txBox="1"/>
+          <p:nvPr/>
+        </p:nvSpPr>
+        <p:spPr>
+          <a:xfrm>
+            <a:off x="323528" y="1004352"/>
+            <a:ext cx="7634422" cy="369332"/>
+          </a:xfrm>
+          <a:prstGeom prst="rect">
+            <a:avLst/>
+          </a:prstGeom>
+          <a:noFill/>
+        </p:spPr>
+        <p:txBody>
+          <a:bodyPr wrap="none" rtlCol="0">
+            <a:spAutoFit/>
+          </a:bodyPr>
+          <a:lstStyle/>
+          <a:p>
+            <a:r>
+              <a:rPr lang="en-US" dirty="0" smtClean="0"/>
+              <a:t>the </a:t>
+            </a:r>
+            <a:r>
+              <a:rPr lang="en-US" b="1" dirty="0" smtClean="0">
+                <a:solidFill>
+                  <a:srgbClr val="002040"/>
+                </a:solidFill>
+                <a:latin typeface="Courier"/>
+                <a:cs typeface="Courier"/>
+              </a:rPr>
+              <a:t>-t</a:t>
+            </a:r>
+            <a:r>
+              <a:rPr lang="en-US" b="1" dirty="0" smtClean="0">
+                <a:solidFill>
+                  <a:srgbClr val="002040"/>
+                </a:solidFill>
+              </a:rPr>
+              <a:t> </a:t>
+            </a:r>
+            <a:r>
+              <a:rPr lang="en-US" b="1" dirty="0" smtClean="0">
+                <a:solidFill>
+                  <a:srgbClr val="002040"/>
+                </a:solidFill>
+                <a:latin typeface="Courier"/>
+                <a:cs typeface="Courier"/>
+              </a:rPr>
+              <a:t>wide -</a:t>
+            </a:r>
+            <a:r>
+              <a:rPr lang="en-US" b="1" dirty="0" err="1" smtClean="0">
+                <a:solidFill>
+                  <a:srgbClr val="002040"/>
+                </a:solidFill>
+                <a:latin typeface="Courier"/>
+                <a:cs typeface="Courier"/>
+              </a:rPr>
+              <a:t>rxn</a:t>
+            </a:r>
+            <a:r>
+              <a:rPr lang="en-US" b="1" dirty="0" smtClean="0">
+                <a:solidFill>
+                  <a:srgbClr val="002040"/>
+                </a:solidFill>
+                <a:latin typeface="Courier"/>
+                <a:cs typeface="Courier"/>
+              </a:rPr>
+              <a:t> </a:t>
+            </a:r>
+            <a:r>
+              <a:rPr lang="en-US" dirty="0" smtClean="0"/>
+              <a:t>options produce a list of reactions and abundance:</a:t>
+            </a:r>
+            <a:endParaRPr lang="en-US" dirty="0"/>
+          </a:p>
+        </p:txBody>
+      </p:sp>
+      <p:sp>
+        <p:nvSpPr>
+          <p:cNvPr id="11" name="TextBox 10"/>
+          <p:cNvSpPr txBox="1"/>
+          <p:nvPr/>
+        </p:nvSpPr>
+        <p:spPr>
+          <a:xfrm>
+            <a:off x="397496" y="1395928"/>
+            <a:ext cx="8134944" cy="2277547"/>
+          </a:xfrm>
+          <a:prstGeom prst="rect">
+            <a:avLst/>
+          </a:prstGeom>
+          <a:noFill/>
+        </p:spPr>
+        <p:txBody>
+          <a:bodyPr wrap="square" rtlCol="0">
+            <a:spAutoFit/>
+          </a:bodyPr>
+          <a:lstStyle/>
+          <a:p>
+            <a:r>
+              <a:rPr lang="en-US" sz="1400" dirty="0" err="1">
+                <a:latin typeface="Courier"/>
+                <a:cs typeface="Courier"/>
+              </a:rPr>
+              <a:t>perl</a:t>
+            </a:r>
+            <a:r>
+              <a:rPr lang="en-US" sz="1400" dirty="0">
+                <a:latin typeface="Courier"/>
+                <a:cs typeface="Courier"/>
+              </a:rPr>
+              <a:t> </a:t>
+            </a:r>
+            <a:r>
+              <a:rPr lang="en-US" sz="1400" dirty="0" err="1">
+                <a:latin typeface="Courier"/>
+                <a:cs typeface="Courier"/>
+              </a:rPr>
+              <a:t>extract_pathway_table_from_pgdb.pl</a:t>
+            </a:r>
+            <a:r>
+              <a:rPr lang="en-US" sz="1400" dirty="0">
+                <a:latin typeface="Courier"/>
+                <a:cs typeface="Courier"/>
+              </a:rPr>
+              <a:t> -f 1_upper_euphotic -out 1_upper_euphotic_rxn.wide.txt </a:t>
+            </a:r>
+            <a:r>
+              <a:rPr lang="en-US" sz="1400" b="1" dirty="0">
+                <a:latin typeface="Courier"/>
+                <a:cs typeface="Courier"/>
+              </a:rPr>
+              <a:t>-t </a:t>
+            </a:r>
+            <a:r>
+              <a:rPr lang="en-US" sz="1400" b="1" dirty="0" smtClean="0">
+                <a:latin typeface="Courier"/>
+                <a:cs typeface="Courier"/>
+              </a:rPr>
+              <a:t>wide –</a:t>
+            </a:r>
+            <a:r>
+              <a:rPr lang="en-US" sz="1400" b="1" dirty="0" err="1" smtClean="0">
+                <a:latin typeface="Courier"/>
+                <a:cs typeface="Courier"/>
+              </a:rPr>
+              <a:t>rxn</a:t>
+            </a:r>
+            <a:endParaRPr lang="en-US" sz="1400" b="1" dirty="0" smtClean="0">
+              <a:latin typeface="Courier"/>
+              <a:cs typeface="Courier"/>
+            </a:endParaRPr>
+          </a:p>
+          <a:p>
+            <a:endParaRPr lang="en-US" sz="1400" dirty="0">
+              <a:latin typeface="Courier"/>
+              <a:cs typeface="Courier"/>
+            </a:endParaRPr>
+          </a:p>
+          <a:p>
+            <a:r>
+              <a:rPr lang="en-US" sz="1400" dirty="0">
+                <a:latin typeface="Courier"/>
+                <a:cs typeface="Courier"/>
+              </a:rPr>
+              <a:t>head </a:t>
+            </a:r>
+            <a:r>
+              <a:rPr lang="en-US" b="1" dirty="0">
+                <a:solidFill>
+                  <a:srgbClr val="FF0000"/>
+                </a:solidFill>
+                <a:latin typeface="Courier"/>
+                <a:cs typeface="Courier"/>
+              </a:rPr>
+              <a:t>1_upper_euphotic_rxn.wide.txt</a:t>
+            </a:r>
+          </a:p>
+          <a:p>
+            <a:r>
+              <a:rPr lang="en-US" sz="1000" dirty="0">
+                <a:latin typeface="Courier"/>
+                <a:cs typeface="Courier"/>
+              </a:rPr>
+              <a:t>RXN	1_upper_euphotic</a:t>
+            </a:r>
+          </a:p>
+          <a:p>
+            <a:r>
+              <a:rPr lang="en-US" sz="1000" dirty="0">
+                <a:latin typeface="Courier"/>
+                <a:cs typeface="Courier"/>
+              </a:rPr>
+              <a:t>RXN1G-617	1</a:t>
+            </a:r>
+          </a:p>
+          <a:p>
+            <a:r>
+              <a:rPr lang="en-US" sz="1000" dirty="0">
+                <a:latin typeface="Courier"/>
+                <a:cs typeface="Courier"/>
+              </a:rPr>
+              <a:t>RXN-6641	1</a:t>
+            </a:r>
+          </a:p>
+          <a:p>
+            <a:r>
+              <a:rPr lang="en-US" sz="1000" dirty="0">
+                <a:latin typeface="Courier"/>
+                <a:cs typeface="Courier"/>
+              </a:rPr>
+              <a:t>RXN0-2381	2</a:t>
+            </a:r>
+          </a:p>
+          <a:p>
+            <a:r>
+              <a:rPr lang="en-US" sz="1000" dirty="0">
+                <a:latin typeface="Courier"/>
+                <a:cs typeface="Courier"/>
+              </a:rPr>
+              <a:t>DTDPGLUCOSEPP-RXN	2</a:t>
+            </a:r>
+          </a:p>
+          <a:p>
+            <a:r>
+              <a:rPr lang="en-US" sz="1000" dirty="0">
+                <a:latin typeface="Courier"/>
+                <a:cs typeface="Courier"/>
+              </a:rPr>
+              <a:t>RXN0-6479	3</a:t>
+            </a:r>
+          </a:p>
+          <a:p>
+            <a:r>
+              <a:rPr lang="en-US" sz="1000" dirty="0">
+                <a:latin typeface="Courier"/>
+                <a:cs typeface="Courier"/>
+              </a:rPr>
+              <a:t>DADPKIN-RXN	4</a:t>
+            </a:r>
+          </a:p>
+          <a:p>
+            <a:endParaRPr lang="en-US" sz="1200" dirty="0">
+              <a:latin typeface="Courier"/>
+              <a:cs typeface="Courier"/>
+            </a:endParaRPr>
+          </a:p>
+        </p:txBody>
+      </p:sp>
+      <p:sp>
+        <p:nvSpPr>
+          <p:cNvPr id="12" name="TextBox 11"/>
+          <p:cNvSpPr txBox="1"/>
+          <p:nvPr/>
+        </p:nvSpPr>
+        <p:spPr>
+          <a:xfrm>
+            <a:off x="322144" y="3491716"/>
+            <a:ext cx="7440333" cy="369332"/>
+          </a:xfrm>
+          <a:prstGeom prst="rect">
+            <a:avLst/>
+          </a:prstGeom>
+          <a:noFill/>
+        </p:spPr>
+        <p:txBody>
+          <a:bodyPr wrap="none" rtlCol="0">
+            <a:spAutoFit/>
+          </a:bodyPr>
+          <a:lstStyle/>
+          <a:p>
+            <a:r>
+              <a:rPr lang="en-US" dirty="0" smtClean="0"/>
+              <a:t>the </a:t>
+            </a:r>
+            <a:r>
+              <a:rPr lang="en-US" b="1" dirty="0" smtClean="0">
+                <a:latin typeface="Courier"/>
+                <a:cs typeface="Courier"/>
+              </a:rPr>
+              <a:t>-t</a:t>
+            </a:r>
+            <a:r>
+              <a:rPr lang="en-US" b="1" dirty="0" smtClean="0"/>
+              <a:t> </a:t>
+            </a:r>
+            <a:r>
+              <a:rPr lang="en-US" b="1" dirty="0" smtClean="0">
+                <a:latin typeface="Courier"/>
+                <a:cs typeface="Courier"/>
+              </a:rPr>
+              <a:t>wide</a:t>
+            </a:r>
+            <a:r>
+              <a:rPr lang="en-US" dirty="0" smtClean="0">
+                <a:latin typeface="Courier"/>
+                <a:cs typeface="Courier"/>
+              </a:rPr>
+              <a:t> </a:t>
+            </a:r>
+            <a:r>
+              <a:rPr lang="en-US" b="1" dirty="0" smtClean="0">
+                <a:latin typeface="Courier"/>
+                <a:cs typeface="Courier"/>
+              </a:rPr>
+              <a:t>-</a:t>
+            </a:r>
+            <a:r>
+              <a:rPr lang="en-US" b="1" dirty="0" err="1" smtClean="0">
+                <a:latin typeface="Courier"/>
+                <a:cs typeface="Courier"/>
+              </a:rPr>
+              <a:t>rxn</a:t>
+            </a:r>
+            <a:r>
+              <a:rPr lang="en-US" b="1" dirty="0" smtClean="0">
+                <a:latin typeface="Courier"/>
+                <a:cs typeface="Courier"/>
+              </a:rPr>
+              <a:t> </a:t>
+            </a:r>
+            <a:r>
+              <a:rPr lang="en-US" dirty="0" smtClean="0"/>
+              <a:t>with multiple samples creates a “master” </a:t>
+            </a:r>
+            <a:r>
+              <a:rPr lang="en-US" dirty="0" err="1" smtClean="0"/>
+              <a:t>rxn</a:t>
+            </a:r>
+            <a:r>
+              <a:rPr lang="en-US" dirty="0" smtClean="0"/>
+              <a:t> table:</a:t>
+            </a:r>
+            <a:endParaRPr lang="en-US" dirty="0"/>
+          </a:p>
+        </p:txBody>
+      </p:sp>
+      <p:sp>
+        <p:nvSpPr>
+          <p:cNvPr id="13" name="TextBox 12"/>
+          <p:cNvSpPr txBox="1"/>
+          <p:nvPr/>
+        </p:nvSpPr>
+        <p:spPr>
+          <a:xfrm>
+            <a:off x="469504" y="3901698"/>
+            <a:ext cx="8711008" cy="2308324"/>
+          </a:xfrm>
+          <a:prstGeom prst="rect">
+            <a:avLst/>
+          </a:prstGeom>
+          <a:noFill/>
+        </p:spPr>
+        <p:txBody>
+          <a:bodyPr wrap="square" rtlCol="0">
+            <a:spAutoFit/>
+          </a:bodyPr>
+          <a:lstStyle/>
+          <a:p>
+            <a:r>
+              <a:rPr lang="en-US" sz="1400" dirty="0" err="1">
+                <a:latin typeface="Courier"/>
+                <a:cs typeface="Courier"/>
+              </a:rPr>
+              <a:t>perl</a:t>
+            </a:r>
+            <a:r>
+              <a:rPr lang="en-US" sz="1400" dirty="0">
+                <a:latin typeface="Courier"/>
+                <a:cs typeface="Courier"/>
+              </a:rPr>
+              <a:t> </a:t>
+            </a:r>
+            <a:r>
+              <a:rPr lang="en-US" sz="1400" dirty="0" err="1">
+                <a:latin typeface="Courier"/>
+                <a:cs typeface="Courier"/>
+              </a:rPr>
+              <a:t>extract_pathway_table_from_pgdb.pl</a:t>
+            </a:r>
+            <a:r>
+              <a:rPr lang="en-US" sz="1400" dirty="0">
+                <a:latin typeface="Courier"/>
+                <a:cs typeface="Courier"/>
+              </a:rPr>
+              <a:t> -f 1_upper_euphotic 6_upper_euphotic 2_chlorophyllmax 3_below_euphotic 5_uppermesopelagic 7_omz 4_deepabyss -out </a:t>
+            </a:r>
+            <a:r>
+              <a:rPr lang="en-US" sz="1400" dirty="0" err="1">
+                <a:latin typeface="Courier"/>
+                <a:cs typeface="Courier"/>
+              </a:rPr>
+              <a:t>HOT_Sanger_rxn.wide.txt</a:t>
+            </a:r>
+            <a:r>
+              <a:rPr lang="en-US" sz="1400" dirty="0">
+                <a:latin typeface="Courier"/>
+                <a:cs typeface="Courier"/>
+              </a:rPr>
+              <a:t> -t wide -</a:t>
+            </a:r>
+            <a:r>
+              <a:rPr lang="en-US" sz="1400" dirty="0" err="1">
+                <a:latin typeface="Courier"/>
+                <a:cs typeface="Courier"/>
+              </a:rPr>
+              <a:t>rxn</a:t>
+            </a:r>
+            <a:endParaRPr lang="en-US" sz="1400" dirty="0">
+              <a:latin typeface="Courier"/>
+              <a:cs typeface="Courier"/>
+            </a:endParaRPr>
+          </a:p>
+          <a:p>
+            <a:endParaRPr lang="en-US" sz="1400" dirty="0">
+              <a:latin typeface="Courier"/>
+              <a:cs typeface="Courier"/>
+            </a:endParaRPr>
+          </a:p>
+          <a:p>
+            <a:r>
+              <a:rPr lang="en-US" sz="1400" dirty="0">
+                <a:latin typeface="Courier"/>
+                <a:cs typeface="Courier"/>
+              </a:rPr>
+              <a:t>head </a:t>
+            </a:r>
+            <a:r>
+              <a:rPr lang="en-US" b="1" dirty="0" err="1">
+                <a:solidFill>
+                  <a:srgbClr val="FF0000"/>
+                </a:solidFill>
+                <a:latin typeface="Courier"/>
+                <a:cs typeface="Courier"/>
+              </a:rPr>
+              <a:t>HOT_Sanger_rxn.wide.txt</a:t>
+            </a:r>
+            <a:r>
+              <a:rPr lang="en-US" b="1" dirty="0">
+                <a:latin typeface="Courier"/>
+                <a:cs typeface="Courier"/>
+              </a:rPr>
+              <a:t> </a:t>
+            </a:r>
+            <a:endParaRPr lang="en-US" b="1" dirty="0" smtClean="0">
+              <a:latin typeface="Courier"/>
+              <a:cs typeface="Courier"/>
+            </a:endParaRPr>
+          </a:p>
+          <a:p>
+            <a:r>
+              <a:rPr lang="en-US" sz="1000" dirty="0" smtClean="0">
+                <a:latin typeface="Courier"/>
+                <a:cs typeface="Courier"/>
+              </a:rPr>
+              <a:t>PWY	1_upper_euphotic	6_upper_euphotic	2_chlorophyllmax	3_below_euphotic	5_uppermesopelagic	7_omz	4_deepabyss</a:t>
+            </a:r>
+          </a:p>
+          <a:p>
+            <a:r>
+              <a:rPr lang="en-US" sz="1000" dirty="0" smtClean="0">
+                <a:latin typeface="Courier"/>
+                <a:cs typeface="Courier"/>
+              </a:rPr>
+              <a:t>SUCSYN</a:t>
+            </a:r>
+            <a:r>
+              <a:rPr lang="en-US" sz="1000" dirty="0">
+                <a:latin typeface="Courier"/>
+                <a:cs typeface="Courier"/>
+              </a:rPr>
+              <a:t>-PWY	0	16	10	8	17	13	16</a:t>
+            </a:r>
+          </a:p>
+          <a:p>
+            <a:r>
+              <a:rPr lang="en-US" sz="1000" dirty="0">
+                <a:latin typeface="Courier"/>
+                <a:cs typeface="Courier"/>
+              </a:rPr>
+              <a:t>PWY-6733	0	1	0	0	0	0	0</a:t>
+            </a:r>
+          </a:p>
+          <a:p>
+            <a:r>
+              <a:rPr lang="en-US" sz="1000" dirty="0">
+                <a:latin typeface="Courier"/>
+                <a:cs typeface="Courier"/>
+              </a:rPr>
+              <a:t>PWY-5274	0	0	0	1	0	0	0</a:t>
+            </a:r>
+          </a:p>
+          <a:p>
+            <a:r>
+              <a:rPr lang="en-US" sz="1000" dirty="0">
+                <a:latin typeface="Courier"/>
+                <a:cs typeface="Courier"/>
+              </a:rPr>
+              <a:t>PWY-6728	0	0	0	46	0	59	0</a:t>
+            </a:r>
+          </a:p>
+          <a:p>
+            <a:r>
+              <a:rPr lang="en-US" sz="1000" dirty="0">
+                <a:latin typeface="Courier"/>
+                <a:cs typeface="Courier"/>
+              </a:rPr>
+              <a:t>PWY-241	12	6	8	6	7	12	7</a:t>
+            </a:r>
+          </a:p>
+        </p:txBody>
+      </p:sp>
+      <p:sp>
+        <p:nvSpPr>
+          <p:cNvPr id="8" name="TextBox 7"/>
+          <p:cNvSpPr txBox="1"/>
+          <p:nvPr/>
+        </p:nvSpPr>
+        <p:spPr>
+          <a:xfrm>
+            <a:off x="4644008" y="2741424"/>
+            <a:ext cx="4067944" cy="646331"/>
+          </a:xfrm>
+          <a:prstGeom prst="rect">
+            <a:avLst/>
+          </a:prstGeom>
+          <a:noFill/>
+        </p:spPr>
+        <p:txBody>
+          <a:bodyPr wrap="square" rtlCol="0">
+            <a:spAutoFit/>
+          </a:bodyPr>
+          <a:lstStyle/>
+          <a:p>
+            <a:r>
+              <a:rPr lang="en-US" b="1" dirty="0" smtClean="0"/>
+              <a:t>**Use these two to highlight ORF counts on the Cellular Overview**</a:t>
+            </a:r>
+            <a:endParaRPr lang="en-US" b="1" dirty="0"/>
+          </a:p>
+        </p:txBody>
+      </p:sp>
+    </p:spTree>
+    <p:extLst>
+      <p:ext uri="{BB962C8B-B14F-4D97-AF65-F5344CB8AC3E}">
+        <p14:creationId xmlns:p14="http://schemas.microsoft.com/office/powerpoint/2010/main" val="3882715285"/>
+      </p:ext>
+    </p:extLst>
+  </p:cSld>
+  <p:clrMapOvr>
+    <a:masterClrMapping/>
+  </p:clrMapOvr>
+</p:sld>
+</file>
+
+<file path=ppt/slides/slide18.xml><?xml version="1.0" encoding="utf-8"?>
+<p:sld xmlns:a="http://schemas.openxmlformats.org/drawingml/2006/main" xmlns:r="http://schemas.openxmlformats.org/officeDocument/2006/relationships" xmlns:p="http://schemas.openxmlformats.org/presentationml/2006/main">
+  <p:cSld>
+    <p:spTree>
+      <p:nvGrpSpPr>
+        <p:cNvPr id="1" name=""/>
+        <p:cNvGrpSpPr/>
+        <p:nvPr/>
+      </p:nvGrpSpPr>
+      <p:grpSpPr>
+        <a:xfrm>
+          <a:off x="0" y="0"/>
+          <a:ext cx="0" cy="0"/>
+          <a:chOff x="0" y="0"/>
+          <a:chExt cx="0" cy="0"/>
+        </a:xfrm>
+      </p:grpSpPr>
+      <p:sp>
+        <p:nvSpPr>
+          <p:cNvPr id="3" name="Slide Number Placeholder 2"/>
+          <p:cNvSpPr>
+            <a:spLocks noGrp="1"/>
+          </p:cNvSpPr>
+          <p:nvPr>
+            <p:ph type="sldNum" sz="quarter" idx="4"/>
+          </p:nvPr>
+        </p:nvSpPr>
+        <p:spPr/>
+        <p:txBody>
+          <a:bodyPr/>
+          <a:lstStyle/>
+          <a:p>
+            <a:fld id="{85BBF6EF-6D96-8244-B1A0-ACF7E23C545D}" type="slidenum">
+              <a:rPr lang="en-US" smtClean="0"/>
+              <a:pPr/>
+              <a:t>18</a:t>
+            </a:fld>
+            <a:endParaRPr lang="en-US" dirty="0"/>
+          </a:p>
+        </p:txBody>
+      </p:sp>
+      <p:sp>
+        <p:nvSpPr>
+          <p:cNvPr id="4" name="Text Placeholder 1"/>
+          <p:cNvSpPr>
+            <a:spLocks noGrp="1"/>
+          </p:cNvSpPr>
+          <p:nvPr>
+            <p:ph type="body" sz="quarter" idx="4294967295"/>
+          </p:nvPr>
+        </p:nvSpPr>
+        <p:spPr>
+          <a:xfrm>
+            <a:off x="814917" y="188640"/>
+            <a:ext cx="7562850" cy="504056"/>
+          </a:xfrm>
+          <a:prstGeom prst="rect">
+            <a:avLst/>
+          </a:prstGeom>
+        </p:spPr>
+        <p:txBody>
+          <a:bodyPr/>
+          <a:lstStyle/>
+          <a:p>
+            <a:pPr marL="0" indent="0">
+              <a:buNone/>
+            </a:pPr>
+            <a:r>
+              <a:rPr lang="en-US" sz="2400" b="1" dirty="0"/>
+              <a:t>6</a:t>
+            </a:r>
+            <a:r>
+              <a:rPr lang="en-US" sz="2400" b="1" dirty="0" smtClean="0"/>
+              <a:t>. </a:t>
+            </a:r>
+            <a:r>
+              <a:rPr lang="en-US" sz="2400" b="1" dirty="0"/>
+              <a:t>'</a:t>
+            </a:r>
+            <a:r>
+              <a:rPr lang="en-US" sz="2400" b="1" dirty="0" err="1"/>
+              <a:t>Omics</a:t>
+            </a:r>
+            <a:r>
+              <a:rPr lang="en-US" sz="2400" b="1" dirty="0"/>
+              <a:t> </a:t>
+            </a:r>
+            <a:r>
+              <a:rPr lang="en-US" sz="2400" b="1" dirty="0" smtClean="0"/>
+              <a:t>Tools’ feature for Metadata</a:t>
+            </a:r>
+            <a:endParaRPr lang="en-US" sz="2400" b="1" dirty="0"/>
+          </a:p>
+        </p:txBody>
+      </p:sp>
+      <p:pic>
+        <p:nvPicPr>
+          <p:cNvPr id="2" name="Picture 1" descr="Screen shot 2014-02-09 at 3.50.33 PM.png"/>
+          <p:cNvPicPr>
+            <a:picLocks noChangeAspect="1"/>
+          </p:cNvPicPr>
+          <p:nvPr/>
+        </p:nvPicPr>
+        <p:blipFill>
+          <a:blip r:embed="rId3">
+            <a:extLst>
+              <a:ext uri="{28A0092B-C50C-407E-A947-70E740481C1C}">
+                <a14:useLocalDpi xmlns:a14="http://schemas.microsoft.com/office/drawing/2010/main" val="0"/>
+              </a:ext>
+            </a:extLst>
+          </a:blip>
+          <a:stretch>
+            <a:fillRect/>
+          </a:stretch>
+        </p:blipFill>
+        <p:spPr>
+          <a:xfrm>
+            <a:off x="618378" y="836712"/>
+            <a:ext cx="7914062" cy="5111014"/>
+          </a:xfrm>
+          <a:prstGeom prst="rect">
+            <a:avLst/>
+          </a:prstGeom>
+        </p:spPr>
+      </p:pic>
+    </p:spTree>
+    <p:extLst>
+      <p:ext uri="{BB962C8B-B14F-4D97-AF65-F5344CB8AC3E}">
+        <p14:creationId xmlns:p14="http://schemas.microsoft.com/office/powerpoint/2010/main" val="47286409"/>
+      </p:ext>
+    </p:extLst>
+  </p:cSld>
+  <p:clrMapOvr>
+    <a:masterClrMapping/>
+  </p:clrMapOvr>
+</p:sld>
+</file>
+
+<file path=ppt/slides/slide19.xml><?xml version="1.0" encoding="utf-8"?>
+<p:sld xmlns:a="http://schemas.openxmlformats.org/drawingml/2006/main" xmlns:r="http://schemas.openxmlformats.org/officeDocument/2006/relationships" xmlns:p="http://schemas.openxmlformats.org/presentationml/2006/main">
+  <p:cSld>
+    <p:spTree>
+      <p:nvGrpSpPr>
+        <p:cNvPr id="1" name=""/>
+        <p:cNvGrpSpPr/>
+        <p:nvPr/>
+      </p:nvGrpSpPr>
+      <p:grpSpPr>
+        <a:xfrm>
+          <a:off x="0" y="0"/>
+          <a:ext cx="0" cy="0"/>
+          <a:chOff x="0" y="0"/>
+          <a:chExt cx="0" cy="0"/>
+        </a:xfrm>
+      </p:grpSpPr>
+      <p:sp>
+        <p:nvSpPr>
+          <p:cNvPr id="3" name="Slide Number Placeholder 2"/>
+          <p:cNvSpPr>
+            <a:spLocks noGrp="1"/>
+          </p:cNvSpPr>
+          <p:nvPr>
+            <p:ph type="sldNum" sz="quarter" idx="4"/>
+          </p:nvPr>
+        </p:nvSpPr>
+        <p:spPr/>
+        <p:txBody>
+          <a:bodyPr/>
+          <a:lstStyle/>
+          <a:p>
+            <a:fld id="{85BBF6EF-6D96-8244-B1A0-ACF7E23C545D}" type="slidenum">
+              <a:rPr lang="en-US" smtClean="0"/>
+              <a:pPr/>
+              <a:t>19</a:t>
+            </a:fld>
+            <a:endParaRPr lang="en-US" dirty="0"/>
+          </a:p>
+        </p:txBody>
+      </p:sp>
+      <p:sp>
+        <p:nvSpPr>
+          <p:cNvPr id="4" name="Text Placeholder 1"/>
+          <p:cNvSpPr>
+            <a:spLocks noGrp="1"/>
+          </p:cNvSpPr>
+          <p:nvPr>
+            <p:ph type="body" sz="quarter" idx="4294967295"/>
+          </p:nvPr>
+        </p:nvSpPr>
+        <p:spPr>
+          <a:xfrm>
+            <a:off x="814917" y="188640"/>
+            <a:ext cx="7562850" cy="504056"/>
+          </a:xfrm>
+          <a:prstGeom prst="rect">
+            <a:avLst/>
+          </a:prstGeom>
+        </p:spPr>
+        <p:txBody>
+          <a:bodyPr/>
+          <a:lstStyle/>
+          <a:p>
+            <a:pPr marL="0" indent="0">
+              <a:buNone/>
+            </a:pPr>
+            <a:r>
+              <a:rPr lang="en-US" sz="2400" b="1" dirty="0"/>
+              <a:t>6</a:t>
+            </a:r>
+            <a:r>
+              <a:rPr lang="en-US" sz="2400" b="1" dirty="0" smtClean="0"/>
+              <a:t>. </a:t>
+            </a:r>
+            <a:r>
+              <a:rPr lang="en-US" sz="2400" b="1" dirty="0"/>
+              <a:t>'</a:t>
+            </a:r>
+            <a:r>
+              <a:rPr lang="en-US" sz="2400" b="1" dirty="0" err="1"/>
+              <a:t>Omics</a:t>
+            </a:r>
+            <a:r>
+              <a:rPr lang="en-US" sz="2400" b="1" dirty="0"/>
+              <a:t> </a:t>
+            </a:r>
+            <a:r>
+              <a:rPr lang="en-US" sz="2400" b="1" dirty="0" smtClean="0"/>
+              <a:t>Tools’ feature for Metadata</a:t>
+            </a:r>
+            <a:endParaRPr lang="en-US" sz="2400" b="1" dirty="0"/>
+          </a:p>
+        </p:txBody>
+      </p:sp>
+      <p:pic>
+        <p:nvPicPr>
+          <p:cNvPr id="2" name="Picture 1" descr="Screen shot 2014-02-09 at 3.50.33 PM.png"/>
+          <p:cNvPicPr>
+            <a:picLocks noChangeAspect="1"/>
+          </p:cNvPicPr>
+          <p:nvPr/>
+        </p:nvPicPr>
+        <p:blipFill>
+          <a:blip r:embed="rId3">
+            <a:extLst>
+              <a:ext uri="{28A0092B-C50C-407E-A947-70E740481C1C}">
+                <a14:useLocalDpi xmlns:a14="http://schemas.microsoft.com/office/drawing/2010/main" val="0"/>
+              </a:ext>
+            </a:extLst>
+          </a:blip>
+          <a:stretch>
+            <a:fillRect/>
+          </a:stretch>
+        </p:blipFill>
+        <p:spPr>
+          <a:xfrm>
+            <a:off x="611560" y="1342322"/>
+            <a:ext cx="7914062" cy="5111014"/>
+          </a:xfrm>
+          <a:prstGeom prst="rect">
+            <a:avLst/>
+          </a:prstGeom>
+        </p:spPr>
+      </p:pic>
+      <p:pic>
+        <p:nvPicPr>
+          <p:cNvPr id="5" name="Picture 4" descr="Screen shot 2014-02-09 at 1.52.11 PM.png"/>
+          <p:cNvPicPr>
+            <a:picLocks noChangeAspect="1"/>
+          </p:cNvPicPr>
+          <p:nvPr/>
+        </p:nvPicPr>
+        <p:blipFill>
+          <a:blip r:embed="rId4">
+            <a:extLst>
+              <a:ext uri="{28A0092B-C50C-407E-A947-70E740481C1C}">
+                <a14:useLocalDpi xmlns:a14="http://schemas.microsoft.com/office/drawing/2010/main" val="0"/>
+              </a:ext>
+            </a:extLst>
+          </a:blip>
+          <a:stretch>
+            <a:fillRect/>
+          </a:stretch>
+        </p:blipFill>
+        <p:spPr>
+          <a:xfrm>
+            <a:off x="971600" y="1368152"/>
+            <a:ext cx="3840056" cy="3356992"/>
+          </a:xfrm>
+          <a:prstGeom prst="rect">
+            <a:avLst/>
+          </a:prstGeom>
+        </p:spPr>
+      </p:pic>
+      <p:sp>
+        <p:nvSpPr>
+          <p:cNvPr id="6" name="TextBox 5"/>
+          <p:cNvSpPr txBox="1"/>
+          <p:nvPr/>
+        </p:nvSpPr>
+        <p:spPr>
+          <a:xfrm>
+            <a:off x="1259632" y="918012"/>
+            <a:ext cx="4894414" cy="369332"/>
+          </a:xfrm>
+          <a:prstGeom prst="rect">
+            <a:avLst/>
+          </a:prstGeom>
+          <a:noFill/>
+        </p:spPr>
+        <p:txBody>
+          <a:bodyPr wrap="none" rtlCol="0">
+            <a:spAutoFit/>
+          </a:bodyPr>
+          <a:lstStyle/>
+          <a:p>
+            <a:r>
+              <a:rPr lang="en-US" b="1" dirty="0" smtClean="0">
+                <a:solidFill>
+                  <a:schemeClr val="accent1"/>
+                </a:solidFill>
+                <a:latin typeface="Arial"/>
+                <a:cs typeface="Arial"/>
+              </a:rPr>
+              <a:t>Load</a:t>
+            </a:r>
+            <a:r>
+              <a:rPr lang="en-US" b="1" dirty="0" smtClean="0">
+                <a:solidFill>
+                  <a:schemeClr val="accent1"/>
+                </a:solidFill>
+                <a:latin typeface="Courier"/>
+                <a:cs typeface="Courier"/>
+              </a:rPr>
+              <a:t> </a:t>
+            </a:r>
+            <a:r>
+              <a:rPr lang="en-US" b="1" dirty="0" smtClean="0">
+                <a:solidFill>
+                  <a:srgbClr val="FF0000"/>
+                </a:solidFill>
+                <a:latin typeface="Courier"/>
+                <a:cs typeface="Courier"/>
+              </a:rPr>
+              <a:t>1_upper_euphotic_rxn.wide.txt</a:t>
+            </a:r>
+            <a:endParaRPr lang="en-US" b="1" dirty="0">
+              <a:solidFill>
+                <a:srgbClr val="FF0000"/>
+              </a:solidFill>
+              <a:latin typeface="Courier"/>
+              <a:cs typeface="Courier"/>
+            </a:endParaRPr>
+          </a:p>
+        </p:txBody>
+      </p:sp>
+    </p:spTree>
+    <p:extLst>
+      <p:ext uri="{BB962C8B-B14F-4D97-AF65-F5344CB8AC3E}">
+        <p14:creationId xmlns:p14="http://schemas.microsoft.com/office/powerpoint/2010/main" val="1750134997"/>
+      </p:ext>
+    </p:extLst>
+  </p:cSld>
+  <p:clrMapOvr>
+    <a:masterClrMapping/>
+  </p:clrMapOvr>
+</p:sld>
+</file>
+
 <file path=ppt/slides/slide2.xml><?xml version="1.0" encoding="utf-8"?>
 <p:sld xmlns:a="http://schemas.openxmlformats.org/drawingml/2006/main" xmlns:r="http://schemas.openxmlformats.org/officeDocument/2006/relationships" xmlns:p="http://schemas.openxmlformats.org/presentationml/2006/main">
   <p:cSld>
@@ -12995,17 +18381,22 @@
             <a:spLocks noGrp="1"/>
           </p:cNvSpPr>
           <p:nvPr>
-            <p:ph type="body" sz="quarter" idx="10"/>
+            <p:ph type="body" sz="quarter" idx="12"/>
           </p:nvPr>
         </p:nvSpPr>
-        <p:spPr/>
+        <p:spPr>
+          <a:xfrm>
+            <a:off x="799717" y="1065591"/>
+            <a:ext cx="7562850" cy="543076"/>
+          </a:xfrm>
+        </p:spPr>
         <p:txBody>
           <a:bodyPr/>
           <a:lstStyle/>
           <a:p>
             <a:r>
               <a:rPr lang="en-US" dirty="0" smtClean="0"/>
-              <a:t>Goals of Tutorial</a:t>
+              <a:t>Prerequisites</a:t>
             </a:r>
             <a:endParaRPr lang="en-US" dirty="0"/>
           </a:p>
@@ -13013,145 +18404,7 @@
       </p:sp>
       <p:sp>
         <p:nvSpPr>
-          <p:cNvPr id="3" name="Text Placeholder 2"/>
-          <p:cNvSpPr>
-            <a:spLocks noGrp="1"/>
-          </p:cNvSpPr>
-          <p:nvPr>
-            <p:ph type="body" sz="quarter" idx="11"/>
-          </p:nvPr>
-        </p:nvSpPr>
-        <p:spPr>
-          <a:xfrm>
-            <a:off x="814917" y="2290234"/>
-            <a:ext cx="7562850" cy="4019086"/>
-          </a:xfrm>
-        </p:spPr>
-        <p:txBody>
-          <a:bodyPr>
-            <a:normAutofit lnSpcReduction="10000"/>
-          </a:bodyPr>
-          <a:lstStyle/>
-          <a:p>
-            <a:pPr marL="342900" indent="-342900">
-              <a:lnSpc>
-                <a:spcPct val="120000"/>
-              </a:lnSpc>
-              <a:buFont typeface="+mj-lt"/>
-              <a:buAutoNum type="arabicPeriod"/>
-            </a:pPr>
-            <a:r>
-              <a:rPr lang="en-US" b="0" dirty="0"/>
-              <a:t>Give a brief overview of the Pathway Tools and the Pathologic </a:t>
-            </a:r>
-            <a:r>
-              <a:rPr lang="en-US" b="0" dirty="0" smtClean="0"/>
-              <a:t>Algorithm</a:t>
-            </a:r>
-          </a:p>
-          <a:p>
-            <a:pPr marL="342900" indent="-342900">
-              <a:lnSpc>
-                <a:spcPct val="120000"/>
-              </a:lnSpc>
-              <a:buFont typeface="+mj-lt"/>
-              <a:buAutoNum type="arabicPeriod"/>
-            </a:pPr>
-            <a:r>
-              <a:rPr lang="en-US" b="0" dirty="0"/>
-              <a:t>Load processed Environmental Pathway Genome Databases (</a:t>
-            </a:r>
-            <a:r>
-              <a:rPr lang="en-US" b="0" dirty="0" err="1"/>
-              <a:t>ePGDBs</a:t>
-            </a:r>
-            <a:r>
-              <a:rPr lang="en-US" b="0" dirty="0"/>
-              <a:t>) into Pathway </a:t>
-            </a:r>
-            <a:r>
-              <a:rPr lang="en-US" b="0" dirty="0" smtClean="0"/>
-              <a:t>Tools</a:t>
-            </a:r>
-          </a:p>
-          <a:p>
-            <a:pPr marL="342900" indent="-342900">
-              <a:lnSpc>
-                <a:spcPct val="120000"/>
-              </a:lnSpc>
-              <a:buFont typeface="+mj-lt"/>
-              <a:buAutoNum type="arabicPeriod"/>
-            </a:pPr>
-            <a:r>
-              <a:rPr lang="en-US" b="0" dirty="0"/>
-              <a:t>Explore predicted Pathways in Pathway Tools in the Cellular Overview, Pathway, and Reaction pages</a:t>
-            </a:r>
-            <a:r>
-              <a:rPr lang="en-US" b="0" dirty="0" smtClean="0"/>
-              <a:t>.</a:t>
-            </a:r>
-          </a:p>
-          <a:p>
-            <a:pPr marL="342900" indent="-342900">
-              <a:lnSpc>
-                <a:spcPct val="120000"/>
-              </a:lnSpc>
-              <a:buFont typeface="+mj-lt"/>
-              <a:buAutoNum type="arabicPeriod"/>
-            </a:pPr>
-            <a:r>
-              <a:rPr lang="en-US" b="0" dirty="0"/>
-              <a:t>Highlight predicted pathways on the cellular overview and compare </a:t>
-            </a:r>
-            <a:r>
-              <a:rPr lang="en-US" b="0" dirty="0" smtClean="0"/>
-              <a:t>samples</a:t>
-            </a:r>
-          </a:p>
-          <a:p>
-            <a:pPr marL="342900" indent="-342900">
-              <a:lnSpc>
-                <a:spcPct val="120000"/>
-              </a:lnSpc>
-              <a:buFont typeface="+mj-lt"/>
-              <a:buAutoNum type="arabicPeriod"/>
-            </a:pPr>
-            <a:r>
-              <a:rPr lang="en-US" b="0" dirty="0"/>
-              <a:t>Extract pathway and associated ORFs into long and wide formats</a:t>
-            </a:r>
-            <a:r>
-              <a:rPr lang="en-US" b="0" dirty="0" smtClean="0"/>
-              <a:t>.</a:t>
-            </a:r>
-          </a:p>
-          <a:p>
-            <a:pPr marL="342900" indent="-342900">
-              <a:lnSpc>
-                <a:spcPct val="120000"/>
-              </a:lnSpc>
-              <a:buFont typeface="+mj-lt"/>
-              <a:buAutoNum type="arabicPeriod"/>
-            </a:pPr>
-            <a:r>
-              <a:rPr lang="en-US" b="0" dirty="0"/>
-              <a:t>Understand how the '</a:t>
-            </a:r>
-            <a:r>
-              <a:rPr lang="en-US" b="0" dirty="0" err="1"/>
-              <a:t>Omics</a:t>
-            </a:r>
-            <a:r>
-              <a:rPr lang="en-US" b="0" dirty="0"/>
-              <a:t> Tools' feature to overlay quantitative metadata about pathways, e.g., ORF abundance.</a:t>
-            </a:r>
-            <a:endParaRPr lang="en-US" b="0" dirty="0" smtClean="0"/>
-          </a:p>
-        </p:txBody>
-      </p:sp>
-      <p:sp>
-        <p:nvSpPr>
-          <p:cNvPr id="6" name="Slide Number Placeholder 5"/>
+          <p:cNvPr id="5" name="Slide Number Placeholder 4"/>
           <p:cNvSpPr>
             <a:spLocks noGrp="1"/>
           </p:cNvSpPr>
@@ -13173,10 +18426,2242 @@
           </a:p>
         </p:txBody>
       </p:sp>
+      <p:sp>
+        <p:nvSpPr>
+          <p:cNvPr id="4" name="Text Placeholder 3"/>
+          <p:cNvSpPr>
+            <a:spLocks noGrp="1"/>
+          </p:cNvSpPr>
+          <p:nvPr>
+            <p:ph type="body" sz="quarter" idx="4294967295"/>
+          </p:nvPr>
+        </p:nvSpPr>
+        <p:spPr>
+          <a:xfrm>
+            <a:off x="837288" y="3317724"/>
+            <a:ext cx="8291512" cy="2016125"/>
+          </a:xfrm>
+          <a:prstGeom prst="rect">
+            <a:avLst/>
+          </a:prstGeom>
+        </p:spPr>
+        <p:txBody>
+          <a:bodyPr>
+            <a:normAutofit fontScale="62500" lnSpcReduction="20000"/>
+          </a:bodyPr>
+          <a:lstStyle/>
+          <a:p>
+            <a:pPr marL="285750" indent="-285750">
+              <a:lnSpc>
+                <a:spcPct val="120000"/>
+              </a:lnSpc>
+              <a:buFont typeface="Arial"/>
+              <a:buChar char="•"/>
+            </a:pPr>
+            <a:r>
+              <a:rPr lang="en-US" dirty="0"/>
+              <a:t>Presentation Slides: </a:t>
+            </a:r>
+            <a:r>
+              <a:rPr lang="en-US" dirty="0" err="1"/>
+              <a:t>MetaPathways_Tutorial_Pathway_Analysis.pdf</a:t>
+            </a:r>
+            <a:endParaRPr lang="en-US" dirty="0"/>
+          </a:p>
+          <a:p>
+            <a:pPr marL="285750" indent="-285750">
+              <a:lnSpc>
+                <a:spcPct val="120000"/>
+              </a:lnSpc>
+              <a:buFont typeface="Arial"/>
+              <a:buChar char="•"/>
+            </a:pPr>
+            <a:r>
+              <a:rPr lang="en-US" dirty="0"/>
+              <a:t>HOT </a:t>
+            </a:r>
+            <a:r>
+              <a:rPr lang="en-US" dirty="0" err="1"/>
+              <a:t>Fosmid</a:t>
+            </a:r>
+            <a:r>
+              <a:rPr lang="en-US" dirty="0"/>
+              <a:t>-end </a:t>
+            </a:r>
+            <a:r>
+              <a:rPr lang="en-US" dirty="0" err="1"/>
+              <a:t>ePGDBs</a:t>
+            </a:r>
+            <a:r>
+              <a:rPr lang="en-US" dirty="0"/>
+              <a:t>: </a:t>
+            </a:r>
+            <a:r>
+              <a:rPr lang="en-US" dirty="0" err="1"/>
+              <a:t>HOT_Sanger_ePGDBs.zip</a:t>
+            </a:r>
+            <a:endParaRPr lang="en-US" dirty="0"/>
+          </a:p>
+          <a:p>
+            <a:pPr marL="285750" indent="-285750">
+              <a:lnSpc>
+                <a:spcPct val="120000"/>
+              </a:lnSpc>
+              <a:buFont typeface="Arial"/>
+              <a:buChar char="•"/>
+            </a:pPr>
+            <a:r>
+              <a:rPr lang="en-US" dirty="0"/>
+              <a:t>Perl Pathway Extractor Script: </a:t>
+            </a:r>
+            <a:r>
+              <a:rPr lang="en-US" dirty="0" err="1"/>
+              <a:t>extract_pathway_table_from_pgdb.pl</a:t>
+            </a:r>
+            <a:endParaRPr lang="en-US" dirty="0"/>
+          </a:p>
+          <a:p>
+            <a:pPr marL="285750" indent="-285750">
+              <a:lnSpc>
+                <a:spcPct val="120000"/>
+              </a:lnSpc>
+              <a:buFont typeface="Arial"/>
+              <a:buChar char="•"/>
+            </a:pPr>
+            <a:r>
+              <a:rPr lang="en-US" dirty="0" smtClean="0"/>
+              <a:t>ORF </a:t>
+            </a:r>
+            <a:r>
+              <a:rPr lang="en-US" dirty="0" smtClean="0"/>
+              <a:t>Abundance Tables</a:t>
+            </a:r>
+            <a:r>
+              <a:rPr lang="en-US" dirty="0"/>
+              <a:t>: </a:t>
+            </a:r>
+            <a:r>
+              <a:rPr lang="en-US" dirty="0" smtClean="0"/>
+              <a:t/>
+            </a:r>
+            <a:br>
+              <a:rPr lang="en-US" dirty="0" smtClean="0"/>
+            </a:br>
+            <a:r>
+              <a:rPr lang="en-US" dirty="0" smtClean="0"/>
+              <a:t>1_upper_euphotic_rxn.wide.txt</a:t>
+            </a:r>
+            <a:r>
+              <a:rPr lang="en-US" dirty="0"/>
+              <a:t>, </a:t>
+            </a:r>
+            <a:r>
+              <a:rPr lang="en-US" dirty="0" err="1"/>
+              <a:t>HOT_Sanger_rxn.wide.txt</a:t>
+            </a:r>
+            <a:r>
+              <a:rPr lang="en-US" dirty="0"/>
+              <a:t> </a:t>
+            </a:r>
+          </a:p>
+        </p:txBody>
+      </p:sp>
+      <p:sp>
+        <p:nvSpPr>
+          <p:cNvPr id="7" name="Text Placeholder 3"/>
+          <p:cNvSpPr>
+            <a:spLocks noGrp="1"/>
+          </p:cNvSpPr>
+          <p:nvPr>
+            <p:ph type="body" sz="quarter" idx="4294967295"/>
+          </p:nvPr>
+        </p:nvSpPr>
+        <p:spPr>
+          <a:xfrm>
+            <a:off x="989688" y="1588937"/>
+            <a:ext cx="8139112" cy="1152525"/>
+          </a:xfrm>
+          <a:prstGeom prst="rect">
+            <a:avLst/>
+          </a:prstGeom>
+        </p:spPr>
+        <p:txBody>
+          <a:bodyPr/>
+          <a:lstStyle/>
+          <a:p>
+            <a:pPr marL="285750" indent="-285750">
+              <a:lnSpc>
+                <a:spcPct val="120000"/>
+              </a:lnSpc>
+              <a:buFont typeface="Arial"/>
+              <a:buChar char="•"/>
+            </a:pPr>
+            <a:r>
+              <a:rPr lang="en-US" sz="1800" dirty="0">
+                <a:latin typeface="+mj-lt"/>
+              </a:rPr>
+              <a:t>Install Pathway Tools </a:t>
+            </a:r>
+            <a:r>
+              <a:rPr lang="en-US" sz="1800" dirty="0" smtClean="0">
+                <a:latin typeface="+mj-lt"/>
+              </a:rPr>
+              <a:t/>
+            </a:r>
+            <a:br>
+              <a:rPr lang="en-US" sz="1800" dirty="0" smtClean="0">
+                <a:latin typeface="+mj-lt"/>
+              </a:rPr>
+            </a:br>
+            <a:r>
+              <a:rPr lang="en-US" sz="1800" dirty="0" smtClean="0">
+                <a:latin typeface="+mj-lt"/>
+                <a:hlinkClick r:id="rId2"/>
+              </a:rPr>
+              <a:t>http</a:t>
+            </a:r>
+            <a:r>
+              <a:rPr lang="en-US" sz="1800" dirty="0">
+                <a:latin typeface="+mj-lt"/>
+                <a:hlinkClick r:id="rId2"/>
+              </a:rPr>
+              <a:t>://biocyc.org/download-</a:t>
+            </a:r>
+            <a:r>
+              <a:rPr lang="en-US" sz="1800" dirty="0" smtClean="0">
+                <a:latin typeface="+mj-lt"/>
+                <a:hlinkClick r:id="rId2"/>
+              </a:rPr>
+              <a:t>bundle.shtml</a:t>
+            </a:r>
+            <a:endParaRPr lang="en-US" sz="1800" dirty="0" smtClean="0">
+              <a:latin typeface="+mj-lt"/>
+            </a:endParaRPr>
+          </a:p>
+          <a:p>
+            <a:pPr marL="285750" indent="-285750">
+              <a:lnSpc>
+                <a:spcPct val="120000"/>
+              </a:lnSpc>
+              <a:buFont typeface="Arial"/>
+              <a:buChar char="•"/>
+            </a:pPr>
+            <a:r>
+              <a:rPr lang="en-US" sz="1800" dirty="0">
+                <a:latin typeface="+mj-lt"/>
+              </a:rPr>
+              <a:t>Perl v5.0 </a:t>
+            </a:r>
+            <a:r>
+              <a:rPr lang="en-US" sz="1800" dirty="0">
+                <a:latin typeface="+mj-lt"/>
+                <a:hlinkClick r:id="rId3"/>
+              </a:rPr>
+              <a:t>http://www.perl.org</a:t>
+            </a:r>
+            <a:r>
+              <a:rPr lang="en-US" sz="1800" dirty="0" smtClean="0">
+                <a:latin typeface="+mj-lt"/>
+                <a:hlinkClick r:id="rId3"/>
+              </a:rPr>
+              <a:t>/</a:t>
+            </a:r>
+            <a:r>
+              <a:rPr lang="en-US" sz="1800" dirty="0" smtClean="0">
+                <a:latin typeface="+mj-lt"/>
+              </a:rPr>
+              <a:t> </a:t>
+            </a:r>
+            <a:endParaRPr lang="en-US" sz="1800" dirty="0">
+              <a:latin typeface="+mj-lt"/>
+            </a:endParaRPr>
+          </a:p>
+        </p:txBody>
+      </p:sp>
+      <p:sp>
+        <p:nvSpPr>
+          <p:cNvPr id="8" name="Text Placeholder 1"/>
+          <p:cNvSpPr txBox="1">
+            <a:spLocks/>
+          </p:cNvSpPr>
+          <p:nvPr/>
+        </p:nvSpPr>
+        <p:spPr>
+          <a:xfrm>
+            <a:off x="855232" y="2774648"/>
+            <a:ext cx="7562850" cy="543076"/>
+          </a:xfrm>
+          <a:prstGeom prst="rect">
+            <a:avLst/>
+          </a:prstGeom>
+        </p:spPr>
+        <p:txBody>
+          <a:bodyPr>
+            <a:normAutofit/>
+          </a:bodyPr>
+          <a:lstStyle>
+            <a:lvl1pPr marL="0" marR="0" indent="0" algn="l" defTabSz="914400" rtl="0" eaLnBrk="1" fontAlgn="auto" latinLnBrk="0" hangingPunct="1">
+              <a:lnSpc>
+                <a:spcPct val="100000"/>
+              </a:lnSpc>
+              <a:spcBef>
+                <a:spcPct val="0"/>
+              </a:spcBef>
+              <a:spcAft>
+                <a:spcPts val="0"/>
+              </a:spcAft>
+              <a:buClrTx/>
+              <a:buSzTx/>
+              <a:buFontTx/>
+              <a:buNone/>
+              <a:tabLst/>
+              <a:defRPr kumimoji="0" lang="en-US" sz="2400" b="1" i="0" u="none" strike="noStrike" kern="1200" cap="none" spc="0" normalizeH="0" baseline="0" noProof="0">
+                <a:ln>
+                  <a:noFill/>
+                </a:ln>
+                <a:solidFill>
+                  <a:schemeClr val="tx1"/>
+                </a:solidFill>
+                <a:effectLst/>
+                <a:uLnTx/>
+                <a:uFillTx/>
+                <a:latin typeface="Verdana" pitchFamily="34" charset="0"/>
+                <a:ea typeface="ＭＳ Ｐゴシック" charset="-128"/>
+                <a:cs typeface="+mn-cs"/>
+              </a:defRPr>
+            </a:lvl1pPr>
+            <a:lvl2pPr marL="742950" indent="-285750" algn="l" defTabSz="457200" rtl="0" eaLnBrk="1" fontAlgn="base" hangingPunct="1">
+              <a:spcBef>
+                <a:spcPct val="20000"/>
+              </a:spcBef>
+              <a:spcAft>
+                <a:spcPct val="0"/>
+              </a:spcAft>
+              <a:buFont typeface="Arial" pitchFamily="34" charset="0"/>
+              <a:buNone/>
+              <a:defRPr sz="2800" b="0" i="0" kern="1200">
+                <a:solidFill>
+                  <a:schemeClr val="tx1"/>
+                </a:solidFill>
+                <a:latin typeface="WhitneyHTF-Bold"/>
+                <a:ea typeface="ＭＳ Ｐゴシック" charset="-128"/>
+                <a:cs typeface="WhitneyHTF-Bold"/>
+              </a:defRPr>
+            </a:lvl2pPr>
+            <a:lvl3pPr marL="1143000" indent="-228600" algn="l" defTabSz="457200" rtl="0" eaLnBrk="1" fontAlgn="base" hangingPunct="1">
+              <a:spcBef>
+                <a:spcPct val="20000"/>
+              </a:spcBef>
+              <a:spcAft>
+                <a:spcPct val="0"/>
+              </a:spcAft>
+              <a:buFont typeface="Arial" pitchFamily="34" charset="0"/>
+              <a:buNone/>
+              <a:defRPr sz="2400" b="0" i="0" kern="1200">
+                <a:solidFill>
+                  <a:schemeClr val="tx1"/>
+                </a:solidFill>
+                <a:latin typeface="WhitneyHTF-Bold"/>
+                <a:ea typeface="ＭＳ Ｐゴシック" charset="-128"/>
+                <a:cs typeface="WhitneyHTF-Bold"/>
+              </a:defRPr>
+            </a:lvl3pPr>
+            <a:lvl4pPr marL="1600200" indent="-228600" algn="l" defTabSz="457200" rtl="0" eaLnBrk="1" fontAlgn="base" hangingPunct="1">
+              <a:spcBef>
+                <a:spcPct val="20000"/>
+              </a:spcBef>
+              <a:spcAft>
+                <a:spcPct val="0"/>
+              </a:spcAft>
+              <a:buFont typeface="Arial" pitchFamily="34" charset="0"/>
+              <a:buNone/>
+              <a:defRPr sz="2000" b="0" i="0" kern="1200">
+                <a:solidFill>
+                  <a:schemeClr val="tx1"/>
+                </a:solidFill>
+                <a:latin typeface="WhitneyHTF-Bold"/>
+                <a:ea typeface="ＭＳ Ｐゴシック" charset="-128"/>
+                <a:cs typeface="WhitneyHTF-Bold"/>
+              </a:defRPr>
+            </a:lvl4pPr>
+            <a:lvl5pPr marL="2057400" indent="-228600" algn="l" defTabSz="457200" rtl="0" eaLnBrk="1" fontAlgn="base" hangingPunct="1">
+              <a:spcBef>
+                <a:spcPct val="20000"/>
+              </a:spcBef>
+              <a:spcAft>
+                <a:spcPct val="0"/>
+              </a:spcAft>
+              <a:buFont typeface="Arial" pitchFamily="34" charset="0"/>
+              <a:buNone/>
+              <a:defRPr sz="2000" b="0" i="0" kern="1200">
+                <a:solidFill>
+                  <a:schemeClr val="tx1"/>
+                </a:solidFill>
+                <a:latin typeface="WhitneyHTF-Bold"/>
+                <a:ea typeface="ＭＳ Ｐゴシック" charset="-128"/>
+                <a:cs typeface="WhitneyHTF-Bold"/>
+              </a:defRPr>
+            </a:lvl5pPr>
+            <a:lvl6pPr marL="2514600" indent="-228600" algn="l" defTabSz="457200" rtl="0" eaLnBrk="1" latinLnBrk="0" hangingPunct="1">
+              <a:spcBef>
+                <a:spcPct val="20000"/>
+              </a:spcBef>
+              <a:buFont typeface="Arial"/>
+              <a:buChar char="•"/>
+              <a:defRPr sz="2000" kern="1200">
+                <a:solidFill>
+                  <a:schemeClr val="tx1"/>
+                </a:solidFill>
+                <a:latin typeface="+mn-lt"/>
+                <a:ea typeface="+mn-ea"/>
+                <a:cs typeface="+mn-cs"/>
+              </a:defRPr>
+            </a:lvl6pPr>
+            <a:lvl7pPr marL="2971800" indent="-228600" algn="l" defTabSz="457200" rtl="0" eaLnBrk="1" latinLnBrk="0" hangingPunct="1">
+              <a:spcBef>
+                <a:spcPct val="20000"/>
+              </a:spcBef>
+              <a:buFont typeface="Arial"/>
+              <a:buChar char="•"/>
+              <a:defRPr sz="2000" kern="1200">
+                <a:solidFill>
+                  <a:schemeClr val="tx1"/>
+                </a:solidFill>
+                <a:latin typeface="+mn-lt"/>
+                <a:ea typeface="+mn-ea"/>
+                <a:cs typeface="+mn-cs"/>
+              </a:defRPr>
+            </a:lvl7pPr>
+            <a:lvl8pPr marL="3429000" indent="-228600" algn="l" defTabSz="457200" rtl="0" eaLnBrk="1" latinLnBrk="0" hangingPunct="1">
+              <a:spcBef>
+                <a:spcPct val="20000"/>
+              </a:spcBef>
+              <a:buFont typeface="Arial"/>
+              <a:buChar char="•"/>
+              <a:defRPr sz="2000" kern="1200">
+                <a:solidFill>
+                  <a:schemeClr val="tx1"/>
+                </a:solidFill>
+                <a:latin typeface="+mn-lt"/>
+                <a:ea typeface="+mn-ea"/>
+                <a:cs typeface="+mn-cs"/>
+              </a:defRPr>
+            </a:lvl8pPr>
+            <a:lvl9pPr marL="3886200" indent="-228600" algn="l" defTabSz="457200" rtl="0" eaLnBrk="1" latinLnBrk="0" hangingPunct="1">
+              <a:spcBef>
+                <a:spcPct val="20000"/>
+              </a:spcBef>
+              <a:buFont typeface="Arial"/>
+              <a:buChar char="•"/>
+              <a:defRPr sz="2000" kern="1200">
+                <a:solidFill>
+                  <a:schemeClr val="tx1"/>
+                </a:solidFill>
+                <a:latin typeface="+mn-lt"/>
+                <a:ea typeface="+mn-ea"/>
+                <a:cs typeface="+mn-cs"/>
+              </a:defRPr>
+            </a:lvl9pPr>
+          </a:lstStyle>
+          <a:p>
+            <a:r>
+              <a:rPr lang="en-US" dirty="0" smtClean="0"/>
+              <a:t>Downloads</a:t>
+            </a:r>
+            <a:endParaRPr lang="en-US" dirty="0"/>
+          </a:p>
+        </p:txBody>
+      </p:sp>
     </p:spTree>
     <p:extLst>
       <p:ext uri="{BB962C8B-B14F-4D97-AF65-F5344CB8AC3E}">
-        <p14:creationId xmlns:p14="http://schemas.microsoft.com/office/powerpoint/2010/main" val="186881534"/>
+        <p14:creationId xmlns:p14="http://schemas.microsoft.com/office/powerpoint/2010/main" val="2330315662"/>
+      </p:ext>
+    </p:extLst>
+  </p:cSld>
+  <p:clrMapOvr>
+    <a:masterClrMapping/>
+  </p:clrMapOvr>
+</p:sld>
+</file>
+
+<file path=ppt/slides/slide20.xml><?xml version="1.0" encoding="utf-8"?>
+<p:sld xmlns:a="http://schemas.openxmlformats.org/drawingml/2006/main" xmlns:r="http://schemas.openxmlformats.org/officeDocument/2006/relationships" xmlns:p="http://schemas.openxmlformats.org/presentationml/2006/main">
+  <p:cSld>
+    <p:spTree>
+      <p:nvGrpSpPr>
+        <p:cNvPr id="1" name=""/>
+        <p:cNvGrpSpPr/>
+        <p:nvPr/>
+      </p:nvGrpSpPr>
+      <p:grpSpPr>
+        <a:xfrm>
+          <a:off x="0" y="0"/>
+          <a:ext cx="0" cy="0"/>
+          <a:chOff x="0" y="0"/>
+          <a:chExt cx="0" cy="0"/>
+        </a:xfrm>
+      </p:grpSpPr>
+      <p:sp>
+        <p:nvSpPr>
+          <p:cNvPr id="3" name="Slide Number Placeholder 2"/>
+          <p:cNvSpPr>
+            <a:spLocks noGrp="1"/>
+          </p:cNvSpPr>
+          <p:nvPr>
+            <p:ph type="sldNum" sz="quarter" idx="4"/>
+          </p:nvPr>
+        </p:nvSpPr>
+        <p:spPr/>
+        <p:txBody>
+          <a:bodyPr/>
+          <a:lstStyle/>
+          <a:p>
+            <a:fld id="{85BBF6EF-6D96-8244-B1A0-ACF7E23C545D}" type="slidenum">
+              <a:rPr lang="en-US" smtClean="0"/>
+              <a:pPr/>
+              <a:t>20</a:t>
+            </a:fld>
+            <a:endParaRPr lang="en-US" dirty="0"/>
+          </a:p>
+        </p:txBody>
+      </p:sp>
+      <p:sp>
+        <p:nvSpPr>
+          <p:cNvPr id="4" name="Text Placeholder 1"/>
+          <p:cNvSpPr>
+            <a:spLocks noGrp="1"/>
+          </p:cNvSpPr>
+          <p:nvPr>
+            <p:ph type="body" sz="quarter" idx="4294967295"/>
+          </p:nvPr>
+        </p:nvSpPr>
+        <p:spPr>
+          <a:xfrm>
+            <a:off x="814917" y="188640"/>
+            <a:ext cx="7562850" cy="504056"/>
+          </a:xfrm>
+          <a:prstGeom prst="rect">
+            <a:avLst/>
+          </a:prstGeom>
+        </p:spPr>
+        <p:txBody>
+          <a:bodyPr/>
+          <a:lstStyle/>
+          <a:p>
+            <a:pPr marL="0" indent="0">
+              <a:buNone/>
+            </a:pPr>
+            <a:r>
+              <a:rPr lang="en-US" sz="2400" b="1" dirty="0"/>
+              <a:t>6</a:t>
+            </a:r>
+            <a:r>
+              <a:rPr lang="en-US" sz="2400" b="1" dirty="0" smtClean="0"/>
+              <a:t>. </a:t>
+            </a:r>
+            <a:r>
+              <a:rPr lang="en-US" sz="2400" b="1" dirty="0"/>
+              <a:t>'</a:t>
+            </a:r>
+            <a:r>
+              <a:rPr lang="en-US" sz="2400" b="1" dirty="0" err="1"/>
+              <a:t>Omics</a:t>
+            </a:r>
+            <a:r>
+              <a:rPr lang="en-US" sz="2400" b="1" dirty="0"/>
+              <a:t> </a:t>
+            </a:r>
+            <a:r>
+              <a:rPr lang="en-US" sz="2400" b="1" dirty="0" smtClean="0"/>
+              <a:t>Tools’ feature for Metadata</a:t>
+            </a:r>
+            <a:endParaRPr lang="en-US" sz="2400" b="1" dirty="0"/>
+          </a:p>
+        </p:txBody>
+      </p:sp>
+      <p:pic>
+        <p:nvPicPr>
+          <p:cNvPr id="7" name="Picture 6" descr="Screen shot 2014-02-09 at 1.41.17 PM.png"/>
+          <p:cNvPicPr>
+            <a:picLocks noChangeAspect="1"/>
+          </p:cNvPicPr>
+          <p:nvPr/>
+        </p:nvPicPr>
+        <p:blipFill>
+          <a:blip r:embed="rId3">
+            <a:extLst>
+              <a:ext uri="{28A0092B-C50C-407E-A947-70E740481C1C}">
+                <a14:useLocalDpi xmlns:a14="http://schemas.microsoft.com/office/drawing/2010/main" val="0"/>
+              </a:ext>
+            </a:extLst>
+          </a:blip>
+          <a:stretch>
+            <a:fillRect/>
+          </a:stretch>
+        </p:blipFill>
+        <p:spPr>
+          <a:xfrm>
+            <a:off x="620528" y="1124744"/>
+            <a:ext cx="7942392" cy="4797152"/>
+          </a:xfrm>
+          <a:prstGeom prst="rect">
+            <a:avLst/>
+          </a:prstGeom>
+        </p:spPr>
+      </p:pic>
+    </p:spTree>
+    <p:extLst>
+      <p:ext uri="{BB962C8B-B14F-4D97-AF65-F5344CB8AC3E}">
+        <p14:creationId xmlns:p14="http://schemas.microsoft.com/office/powerpoint/2010/main" val="3151028134"/>
+      </p:ext>
+    </p:extLst>
+  </p:cSld>
+  <p:clrMapOvr>
+    <a:masterClrMapping/>
+  </p:clrMapOvr>
+</p:sld>
+</file>
+
+<file path=ppt/slides/slide21.xml><?xml version="1.0" encoding="utf-8"?>
+<p:sld xmlns:a="http://schemas.openxmlformats.org/drawingml/2006/main" xmlns:r="http://schemas.openxmlformats.org/officeDocument/2006/relationships" xmlns:p="http://schemas.openxmlformats.org/presentationml/2006/main">
+  <p:cSld>
+    <p:spTree>
+      <p:nvGrpSpPr>
+        <p:cNvPr id="1" name=""/>
+        <p:cNvGrpSpPr/>
+        <p:nvPr/>
+      </p:nvGrpSpPr>
+      <p:grpSpPr>
+        <a:xfrm>
+          <a:off x="0" y="0"/>
+          <a:ext cx="0" cy="0"/>
+          <a:chOff x="0" y="0"/>
+          <a:chExt cx="0" cy="0"/>
+        </a:xfrm>
+      </p:grpSpPr>
+      <p:sp>
+        <p:nvSpPr>
+          <p:cNvPr id="3" name="Slide Number Placeholder 2"/>
+          <p:cNvSpPr>
+            <a:spLocks noGrp="1"/>
+          </p:cNvSpPr>
+          <p:nvPr>
+            <p:ph type="sldNum" sz="quarter" idx="4"/>
+          </p:nvPr>
+        </p:nvSpPr>
+        <p:spPr/>
+        <p:txBody>
+          <a:bodyPr/>
+          <a:lstStyle/>
+          <a:p>
+            <a:fld id="{85BBF6EF-6D96-8244-B1A0-ACF7E23C545D}" type="slidenum">
+              <a:rPr lang="en-US" smtClean="0"/>
+              <a:pPr/>
+              <a:t>21</a:t>
+            </a:fld>
+            <a:endParaRPr lang="en-US" dirty="0"/>
+          </a:p>
+        </p:txBody>
+      </p:sp>
+      <p:sp>
+        <p:nvSpPr>
+          <p:cNvPr id="4" name="Text Placeholder 1"/>
+          <p:cNvSpPr>
+            <a:spLocks noGrp="1"/>
+          </p:cNvSpPr>
+          <p:nvPr>
+            <p:ph type="body" sz="quarter" idx="4294967295"/>
+          </p:nvPr>
+        </p:nvSpPr>
+        <p:spPr>
+          <a:xfrm>
+            <a:off x="814917" y="188640"/>
+            <a:ext cx="7562850" cy="504056"/>
+          </a:xfrm>
+          <a:prstGeom prst="rect">
+            <a:avLst/>
+          </a:prstGeom>
+        </p:spPr>
+        <p:txBody>
+          <a:bodyPr/>
+          <a:lstStyle/>
+          <a:p>
+            <a:pPr marL="0" indent="0">
+              <a:buNone/>
+            </a:pPr>
+            <a:r>
+              <a:rPr lang="en-US" sz="2400" b="1" dirty="0"/>
+              <a:t>6</a:t>
+            </a:r>
+            <a:r>
+              <a:rPr lang="en-US" sz="2400" b="1" dirty="0" smtClean="0"/>
+              <a:t>. </a:t>
+            </a:r>
+            <a:r>
+              <a:rPr lang="en-US" sz="2400" b="1" dirty="0"/>
+              <a:t>'</a:t>
+            </a:r>
+            <a:r>
+              <a:rPr lang="en-US" sz="2400" b="1" dirty="0" err="1"/>
+              <a:t>Omics</a:t>
+            </a:r>
+            <a:r>
+              <a:rPr lang="en-US" sz="2400" b="1" dirty="0"/>
+              <a:t> </a:t>
+            </a:r>
+            <a:r>
+              <a:rPr lang="en-US" sz="2400" b="1" dirty="0" smtClean="0"/>
+              <a:t>Tools’ feature for Metadata</a:t>
+            </a:r>
+            <a:endParaRPr lang="en-US" sz="2400" b="1" dirty="0"/>
+          </a:p>
+        </p:txBody>
+      </p:sp>
+      <p:pic>
+        <p:nvPicPr>
+          <p:cNvPr id="7" name="Picture 6" descr="Screen shot 2014-02-09 at 1.41.17 PM.png"/>
+          <p:cNvPicPr>
+            <a:picLocks noChangeAspect="1"/>
+          </p:cNvPicPr>
+          <p:nvPr/>
+        </p:nvPicPr>
+        <p:blipFill>
+          <a:blip r:embed="rId3">
+            <a:extLst>
+              <a:ext uri="{28A0092B-C50C-407E-A947-70E740481C1C}">
+                <a14:useLocalDpi xmlns:a14="http://schemas.microsoft.com/office/drawing/2010/main" val="0"/>
+              </a:ext>
+            </a:extLst>
+          </a:blip>
+          <a:stretch>
+            <a:fillRect/>
+          </a:stretch>
+        </p:blipFill>
+        <p:spPr>
+          <a:xfrm>
+            <a:off x="620528" y="1124744"/>
+            <a:ext cx="7942392" cy="4797152"/>
+          </a:xfrm>
+          <a:prstGeom prst="rect">
+            <a:avLst/>
+          </a:prstGeom>
+        </p:spPr>
+      </p:pic>
+      <p:pic>
+        <p:nvPicPr>
+          <p:cNvPr id="2" name="Picture 1" descr="Screen shot 2014-02-09 at 1.41.52 PM.png"/>
+          <p:cNvPicPr>
+            <a:picLocks noChangeAspect="1"/>
+          </p:cNvPicPr>
+          <p:nvPr/>
+        </p:nvPicPr>
+        <p:blipFill>
+          <a:blip r:embed="rId4">
+            <a:extLst>
+              <a:ext uri="{28A0092B-C50C-407E-A947-70E740481C1C}">
+                <a14:useLocalDpi xmlns:a14="http://schemas.microsoft.com/office/drawing/2010/main" val="0"/>
+              </a:ext>
+            </a:extLst>
+          </a:blip>
+          <a:stretch>
+            <a:fillRect/>
+          </a:stretch>
+        </p:blipFill>
+        <p:spPr>
+          <a:xfrm>
+            <a:off x="2555775" y="2444120"/>
+            <a:ext cx="5821991" cy="2808496"/>
+          </a:xfrm>
+          <a:prstGeom prst="rect">
+            <a:avLst/>
+          </a:prstGeom>
+        </p:spPr>
+      </p:pic>
+    </p:spTree>
+    <p:extLst>
+      <p:ext uri="{BB962C8B-B14F-4D97-AF65-F5344CB8AC3E}">
+        <p14:creationId xmlns:p14="http://schemas.microsoft.com/office/powerpoint/2010/main" val="2610016662"/>
+      </p:ext>
+    </p:extLst>
+  </p:cSld>
+  <p:clrMapOvr>
+    <a:masterClrMapping/>
+  </p:clrMapOvr>
+</p:sld>
+</file>
+
+<file path=ppt/slides/slide22.xml><?xml version="1.0" encoding="utf-8"?>
+<p:sld xmlns:a="http://schemas.openxmlformats.org/drawingml/2006/main" xmlns:r="http://schemas.openxmlformats.org/officeDocument/2006/relationships" xmlns:p="http://schemas.openxmlformats.org/presentationml/2006/main">
+  <p:cSld>
+    <p:spTree>
+      <p:nvGrpSpPr>
+        <p:cNvPr id="1" name=""/>
+        <p:cNvGrpSpPr/>
+        <p:nvPr/>
+      </p:nvGrpSpPr>
+      <p:grpSpPr>
+        <a:xfrm>
+          <a:off x="0" y="0"/>
+          <a:ext cx="0" cy="0"/>
+          <a:chOff x="0" y="0"/>
+          <a:chExt cx="0" cy="0"/>
+        </a:xfrm>
+      </p:grpSpPr>
+      <p:sp>
+        <p:nvSpPr>
+          <p:cNvPr id="3" name="Slide Number Placeholder 2"/>
+          <p:cNvSpPr>
+            <a:spLocks noGrp="1"/>
+          </p:cNvSpPr>
+          <p:nvPr>
+            <p:ph type="sldNum" sz="quarter" idx="4"/>
+          </p:nvPr>
+        </p:nvSpPr>
+        <p:spPr/>
+        <p:txBody>
+          <a:bodyPr/>
+          <a:lstStyle/>
+          <a:p>
+            <a:fld id="{85BBF6EF-6D96-8244-B1A0-ACF7E23C545D}" type="slidenum">
+              <a:rPr lang="en-US" smtClean="0"/>
+              <a:pPr/>
+              <a:t>22</a:t>
+            </a:fld>
+            <a:endParaRPr lang="en-US" dirty="0"/>
+          </a:p>
+        </p:txBody>
+      </p:sp>
+      <p:sp>
+        <p:nvSpPr>
+          <p:cNvPr id="4" name="Text Placeholder 1"/>
+          <p:cNvSpPr>
+            <a:spLocks noGrp="1"/>
+          </p:cNvSpPr>
+          <p:nvPr>
+            <p:ph type="body" sz="quarter" idx="4294967295"/>
+          </p:nvPr>
+        </p:nvSpPr>
+        <p:spPr>
+          <a:xfrm>
+            <a:off x="814917" y="188640"/>
+            <a:ext cx="7562850" cy="504056"/>
+          </a:xfrm>
+          <a:prstGeom prst="rect">
+            <a:avLst/>
+          </a:prstGeom>
+        </p:spPr>
+        <p:txBody>
+          <a:bodyPr/>
+          <a:lstStyle/>
+          <a:p>
+            <a:pPr marL="0" indent="0">
+              <a:buNone/>
+            </a:pPr>
+            <a:r>
+              <a:rPr lang="en-US" sz="2400" b="1" dirty="0"/>
+              <a:t>6</a:t>
+            </a:r>
+            <a:r>
+              <a:rPr lang="en-US" sz="2400" b="1" dirty="0" smtClean="0"/>
+              <a:t>. </a:t>
+            </a:r>
+            <a:r>
+              <a:rPr lang="en-US" sz="2400" b="1" dirty="0"/>
+              <a:t>'</a:t>
+            </a:r>
+            <a:r>
+              <a:rPr lang="en-US" sz="2400" b="1" dirty="0" err="1"/>
+              <a:t>Omics</a:t>
+            </a:r>
+            <a:r>
+              <a:rPr lang="en-US" sz="2400" b="1" dirty="0"/>
+              <a:t> </a:t>
+            </a:r>
+            <a:r>
+              <a:rPr lang="en-US" sz="2400" b="1" dirty="0" smtClean="0"/>
+              <a:t>Tools’ feature for Metadata</a:t>
+            </a:r>
+            <a:endParaRPr lang="en-US" sz="2400" b="1" dirty="0"/>
+          </a:p>
+        </p:txBody>
+      </p:sp>
+      <p:pic>
+        <p:nvPicPr>
+          <p:cNvPr id="5" name="Picture 4" descr="Screen shot 2014-02-09 at 2.07.24 PM.png"/>
+          <p:cNvPicPr>
+            <a:picLocks noChangeAspect="1"/>
+          </p:cNvPicPr>
+          <p:nvPr/>
+        </p:nvPicPr>
+        <p:blipFill>
+          <a:blip r:embed="rId3">
+            <a:extLst>
+              <a:ext uri="{28A0092B-C50C-407E-A947-70E740481C1C}">
+                <a14:useLocalDpi xmlns:a14="http://schemas.microsoft.com/office/drawing/2010/main" val="0"/>
+              </a:ext>
+            </a:extLst>
+          </a:blip>
+          <a:stretch>
+            <a:fillRect/>
+          </a:stretch>
+        </p:blipFill>
+        <p:spPr>
+          <a:xfrm>
+            <a:off x="971600" y="980728"/>
+            <a:ext cx="7128792" cy="4943323"/>
+          </a:xfrm>
+          <a:prstGeom prst="rect">
+            <a:avLst/>
+          </a:prstGeom>
+        </p:spPr>
+      </p:pic>
+    </p:spTree>
+    <p:extLst>
+      <p:ext uri="{BB962C8B-B14F-4D97-AF65-F5344CB8AC3E}">
+        <p14:creationId xmlns:p14="http://schemas.microsoft.com/office/powerpoint/2010/main" val="3408322167"/>
+      </p:ext>
+    </p:extLst>
+  </p:cSld>
+  <p:clrMapOvr>
+    <a:masterClrMapping/>
+  </p:clrMapOvr>
+</p:sld>
+</file>
+
+<file path=ppt/slides/slide23.xml><?xml version="1.0" encoding="utf-8"?>
+<p:sld xmlns:a="http://schemas.openxmlformats.org/drawingml/2006/main" xmlns:r="http://schemas.openxmlformats.org/officeDocument/2006/relationships" xmlns:p="http://schemas.openxmlformats.org/presentationml/2006/main">
+  <p:cSld>
+    <p:spTree>
+      <p:nvGrpSpPr>
+        <p:cNvPr id="1" name=""/>
+        <p:cNvGrpSpPr/>
+        <p:nvPr/>
+      </p:nvGrpSpPr>
+      <p:grpSpPr>
+        <a:xfrm>
+          <a:off x="0" y="0"/>
+          <a:ext cx="0" cy="0"/>
+          <a:chOff x="0" y="0"/>
+          <a:chExt cx="0" cy="0"/>
+        </a:xfrm>
+      </p:grpSpPr>
+      <p:sp>
+        <p:nvSpPr>
+          <p:cNvPr id="3" name="Slide Number Placeholder 2"/>
+          <p:cNvSpPr>
+            <a:spLocks noGrp="1"/>
+          </p:cNvSpPr>
+          <p:nvPr>
+            <p:ph type="sldNum" sz="quarter" idx="4"/>
+          </p:nvPr>
+        </p:nvSpPr>
+        <p:spPr/>
+        <p:txBody>
+          <a:bodyPr/>
+          <a:lstStyle/>
+          <a:p>
+            <a:fld id="{85BBF6EF-6D96-8244-B1A0-ACF7E23C545D}" type="slidenum">
+              <a:rPr lang="en-US" smtClean="0"/>
+              <a:pPr/>
+              <a:t>23</a:t>
+            </a:fld>
+            <a:endParaRPr lang="en-US" dirty="0"/>
+          </a:p>
+        </p:txBody>
+      </p:sp>
+      <p:sp>
+        <p:nvSpPr>
+          <p:cNvPr id="4" name="Text Placeholder 1"/>
+          <p:cNvSpPr>
+            <a:spLocks noGrp="1"/>
+          </p:cNvSpPr>
+          <p:nvPr>
+            <p:ph type="body" sz="quarter" idx="4294967295"/>
+          </p:nvPr>
+        </p:nvSpPr>
+        <p:spPr>
+          <a:xfrm>
+            <a:off x="814917" y="188640"/>
+            <a:ext cx="7562850" cy="504056"/>
+          </a:xfrm>
+          <a:prstGeom prst="rect">
+            <a:avLst/>
+          </a:prstGeom>
+        </p:spPr>
+        <p:txBody>
+          <a:bodyPr/>
+          <a:lstStyle/>
+          <a:p>
+            <a:pPr marL="0" indent="0">
+              <a:buNone/>
+            </a:pPr>
+            <a:r>
+              <a:rPr lang="en-US" sz="2400" b="1" dirty="0"/>
+              <a:t>6</a:t>
+            </a:r>
+            <a:r>
+              <a:rPr lang="en-US" sz="2400" b="1" dirty="0" smtClean="0"/>
+              <a:t>. </a:t>
+            </a:r>
+            <a:r>
+              <a:rPr lang="en-US" sz="2400" b="1" dirty="0"/>
+              <a:t>'</a:t>
+            </a:r>
+            <a:r>
+              <a:rPr lang="en-US" sz="2400" b="1" dirty="0" err="1"/>
+              <a:t>Omics</a:t>
+            </a:r>
+            <a:r>
+              <a:rPr lang="en-US" sz="2400" b="1" dirty="0"/>
+              <a:t> </a:t>
+            </a:r>
+            <a:r>
+              <a:rPr lang="en-US" sz="2400" b="1" dirty="0" smtClean="0"/>
+              <a:t>Tools’ feature for Metadata</a:t>
+            </a:r>
+            <a:endParaRPr lang="en-US" sz="2400" b="1" dirty="0"/>
+          </a:p>
+        </p:txBody>
+      </p:sp>
+      <p:pic>
+        <p:nvPicPr>
+          <p:cNvPr id="6" name="Picture 5" descr="Screen shot 2014-02-09 at 3.50.33 PM.png"/>
+          <p:cNvPicPr>
+            <a:picLocks noChangeAspect="1"/>
+          </p:cNvPicPr>
+          <p:nvPr/>
+        </p:nvPicPr>
+        <p:blipFill>
+          <a:blip r:embed="rId3">
+            <a:extLst>
+              <a:ext uri="{28A0092B-C50C-407E-A947-70E740481C1C}">
+                <a14:useLocalDpi xmlns:a14="http://schemas.microsoft.com/office/drawing/2010/main" val="0"/>
+              </a:ext>
+            </a:extLst>
+          </a:blip>
+          <a:stretch>
+            <a:fillRect/>
+          </a:stretch>
+        </p:blipFill>
+        <p:spPr>
+          <a:xfrm>
+            <a:off x="618378" y="836712"/>
+            <a:ext cx="7914062" cy="5111014"/>
+          </a:xfrm>
+          <a:prstGeom prst="rect">
+            <a:avLst/>
+          </a:prstGeom>
+        </p:spPr>
+      </p:pic>
+    </p:spTree>
+    <p:extLst>
+      <p:ext uri="{BB962C8B-B14F-4D97-AF65-F5344CB8AC3E}">
+        <p14:creationId xmlns:p14="http://schemas.microsoft.com/office/powerpoint/2010/main" val="1025108433"/>
+      </p:ext>
+    </p:extLst>
+  </p:cSld>
+  <p:clrMapOvr>
+    <a:masterClrMapping/>
+  </p:clrMapOvr>
+</p:sld>
+</file>
+
+<file path=ppt/slides/slide24.xml><?xml version="1.0" encoding="utf-8"?>
+<p:sld xmlns:a="http://schemas.openxmlformats.org/drawingml/2006/main" xmlns:r="http://schemas.openxmlformats.org/officeDocument/2006/relationships" xmlns:p="http://schemas.openxmlformats.org/presentationml/2006/main">
+  <p:cSld>
+    <p:spTree>
+      <p:nvGrpSpPr>
+        <p:cNvPr id="1" name=""/>
+        <p:cNvGrpSpPr/>
+        <p:nvPr/>
+      </p:nvGrpSpPr>
+      <p:grpSpPr>
+        <a:xfrm>
+          <a:off x="0" y="0"/>
+          <a:ext cx="0" cy="0"/>
+          <a:chOff x="0" y="0"/>
+          <a:chExt cx="0" cy="0"/>
+        </a:xfrm>
+      </p:grpSpPr>
+      <p:sp>
+        <p:nvSpPr>
+          <p:cNvPr id="3" name="Slide Number Placeholder 2"/>
+          <p:cNvSpPr>
+            <a:spLocks noGrp="1"/>
+          </p:cNvSpPr>
+          <p:nvPr>
+            <p:ph type="sldNum" sz="quarter" idx="4"/>
+          </p:nvPr>
+        </p:nvSpPr>
+        <p:spPr/>
+        <p:txBody>
+          <a:bodyPr/>
+          <a:lstStyle/>
+          <a:p>
+            <a:fld id="{85BBF6EF-6D96-8244-B1A0-ACF7E23C545D}" type="slidenum">
+              <a:rPr lang="en-US" smtClean="0"/>
+              <a:pPr/>
+              <a:t>24</a:t>
+            </a:fld>
+            <a:endParaRPr lang="en-US" dirty="0"/>
+          </a:p>
+        </p:txBody>
+      </p:sp>
+      <p:sp>
+        <p:nvSpPr>
+          <p:cNvPr id="4" name="Text Placeholder 1"/>
+          <p:cNvSpPr>
+            <a:spLocks noGrp="1"/>
+          </p:cNvSpPr>
+          <p:nvPr>
+            <p:ph type="body" sz="quarter" idx="4294967295"/>
+          </p:nvPr>
+        </p:nvSpPr>
+        <p:spPr>
+          <a:xfrm>
+            <a:off x="814917" y="188640"/>
+            <a:ext cx="7562850" cy="504056"/>
+          </a:xfrm>
+          <a:prstGeom prst="rect">
+            <a:avLst/>
+          </a:prstGeom>
+        </p:spPr>
+        <p:txBody>
+          <a:bodyPr/>
+          <a:lstStyle/>
+          <a:p>
+            <a:pPr marL="0" indent="0">
+              <a:buNone/>
+            </a:pPr>
+            <a:r>
+              <a:rPr lang="en-US" sz="2400" b="1" dirty="0"/>
+              <a:t>6</a:t>
+            </a:r>
+            <a:r>
+              <a:rPr lang="en-US" sz="2400" b="1" dirty="0" smtClean="0"/>
+              <a:t>. </a:t>
+            </a:r>
+            <a:r>
+              <a:rPr lang="en-US" sz="2400" b="1" dirty="0"/>
+              <a:t>'</a:t>
+            </a:r>
+            <a:r>
+              <a:rPr lang="en-US" sz="2400" b="1" dirty="0" err="1"/>
+              <a:t>Omics</a:t>
+            </a:r>
+            <a:r>
+              <a:rPr lang="en-US" sz="2400" b="1" dirty="0"/>
+              <a:t> </a:t>
+            </a:r>
+            <a:r>
+              <a:rPr lang="en-US" sz="2400" b="1" dirty="0" smtClean="0"/>
+              <a:t>Tools’ feature for Metadata</a:t>
+            </a:r>
+            <a:endParaRPr lang="en-US" sz="2400" b="1" dirty="0"/>
+          </a:p>
+        </p:txBody>
+      </p:sp>
+      <p:pic>
+        <p:nvPicPr>
+          <p:cNvPr id="6" name="Picture 5" descr="Screen shot 2014-02-09 at 3.50.33 PM.png"/>
+          <p:cNvPicPr>
+            <a:picLocks noChangeAspect="1"/>
+          </p:cNvPicPr>
+          <p:nvPr/>
+        </p:nvPicPr>
+        <p:blipFill>
+          <a:blip r:embed="rId3">
+            <a:extLst>
+              <a:ext uri="{28A0092B-C50C-407E-A947-70E740481C1C}">
+                <a14:useLocalDpi xmlns:a14="http://schemas.microsoft.com/office/drawing/2010/main" val="0"/>
+              </a:ext>
+            </a:extLst>
+          </a:blip>
+          <a:stretch>
+            <a:fillRect/>
+          </a:stretch>
+        </p:blipFill>
+        <p:spPr>
+          <a:xfrm>
+            <a:off x="618378" y="836712"/>
+            <a:ext cx="7914062" cy="5111014"/>
+          </a:xfrm>
+          <a:prstGeom prst="rect">
+            <a:avLst/>
+          </a:prstGeom>
+        </p:spPr>
+      </p:pic>
+      <p:pic>
+        <p:nvPicPr>
+          <p:cNvPr id="5" name="Picture 4" descr="Screen shot 2014-02-09 at 1.52.11 PM.png"/>
+          <p:cNvPicPr>
+            <a:picLocks noChangeAspect="1"/>
+          </p:cNvPicPr>
+          <p:nvPr/>
+        </p:nvPicPr>
+        <p:blipFill>
+          <a:blip r:embed="rId4">
+            <a:extLst>
+              <a:ext uri="{28A0092B-C50C-407E-A947-70E740481C1C}">
+                <a14:useLocalDpi xmlns:a14="http://schemas.microsoft.com/office/drawing/2010/main" val="0"/>
+              </a:ext>
+            </a:extLst>
+          </a:blip>
+          <a:stretch>
+            <a:fillRect/>
+          </a:stretch>
+        </p:blipFill>
+        <p:spPr>
+          <a:xfrm>
+            <a:off x="971600" y="836712"/>
+            <a:ext cx="3840056" cy="3356992"/>
+          </a:xfrm>
+          <a:prstGeom prst="rect">
+            <a:avLst/>
+          </a:prstGeom>
+        </p:spPr>
+      </p:pic>
+    </p:spTree>
+    <p:extLst>
+      <p:ext uri="{BB962C8B-B14F-4D97-AF65-F5344CB8AC3E}">
+        <p14:creationId xmlns:p14="http://schemas.microsoft.com/office/powerpoint/2010/main" val="1235744242"/>
+      </p:ext>
+    </p:extLst>
+  </p:cSld>
+  <p:clrMapOvr>
+    <a:masterClrMapping/>
+  </p:clrMapOvr>
+</p:sld>
+</file>
+
+<file path=ppt/slides/slide25.xml><?xml version="1.0" encoding="utf-8"?>
+<p:sld xmlns:a="http://schemas.openxmlformats.org/drawingml/2006/main" xmlns:r="http://schemas.openxmlformats.org/officeDocument/2006/relationships" xmlns:p="http://schemas.openxmlformats.org/presentationml/2006/main">
+  <p:cSld>
+    <p:spTree>
+      <p:nvGrpSpPr>
+        <p:cNvPr id="1" name=""/>
+        <p:cNvGrpSpPr/>
+        <p:nvPr/>
+      </p:nvGrpSpPr>
+      <p:grpSpPr>
+        <a:xfrm>
+          <a:off x="0" y="0"/>
+          <a:ext cx="0" cy="0"/>
+          <a:chOff x="0" y="0"/>
+          <a:chExt cx="0" cy="0"/>
+        </a:xfrm>
+      </p:grpSpPr>
+      <p:sp>
+        <p:nvSpPr>
+          <p:cNvPr id="3" name="Slide Number Placeholder 2"/>
+          <p:cNvSpPr>
+            <a:spLocks noGrp="1"/>
+          </p:cNvSpPr>
+          <p:nvPr>
+            <p:ph type="sldNum" sz="quarter" idx="4"/>
+          </p:nvPr>
+        </p:nvSpPr>
+        <p:spPr/>
+        <p:txBody>
+          <a:bodyPr/>
+          <a:lstStyle/>
+          <a:p>
+            <a:fld id="{85BBF6EF-6D96-8244-B1A0-ACF7E23C545D}" type="slidenum">
+              <a:rPr lang="en-US" smtClean="0"/>
+              <a:pPr/>
+              <a:t>25</a:t>
+            </a:fld>
+            <a:endParaRPr lang="en-US" dirty="0"/>
+          </a:p>
+        </p:txBody>
+      </p:sp>
+      <p:sp>
+        <p:nvSpPr>
+          <p:cNvPr id="4" name="Text Placeholder 1"/>
+          <p:cNvSpPr>
+            <a:spLocks noGrp="1"/>
+          </p:cNvSpPr>
+          <p:nvPr>
+            <p:ph type="body" sz="quarter" idx="4294967295"/>
+          </p:nvPr>
+        </p:nvSpPr>
+        <p:spPr>
+          <a:xfrm>
+            <a:off x="814917" y="188640"/>
+            <a:ext cx="7562850" cy="504056"/>
+          </a:xfrm>
+          <a:prstGeom prst="rect">
+            <a:avLst/>
+          </a:prstGeom>
+        </p:spPr>
+        <p:txBody>
+          <a:bodyPr/>
+          <a:lstStyle/>
+          <a:p>
+            <a:pPr marL="0" indent="0">
+              <a:buNone/>
+            </a:pPr>
+            <a:r>
+              <a:rPr lang="en-US" sz="2400" b="1" dirty="0"/>
+              <a:t>6</a:t>
+            </a:r>
+            <a:r>
+              <a:rPr lang="en-US" sz="2400" b="1" dirty="0" smtClean="0"/>
+              <a:t>. </a:t>
+            </a:r>
+            <a:r>
+              <a:rPr lang="en-US" sz="2400" b="1" dirty="0"/>
+              <a:t>'</a:t>
+            </a:r>
+            <a:r>
+              <a:rPr lang="en-US" sz="2400" b="1" dirty="0" err="1"/>
+              <a:t>Omics</a:t>
+            </a:r>
+            <a:r>
+              <a:rPr lang="en-US" sz="2400" b="1" dirty="0"/>
+              <a:t> </a:t>
+            </a:r>
+            <a:r>
+              <a:rPr lang="en-US" sz="2400" b="1" dirty="0" smtClean="0"/>
+              <a:t>Tools’ feature for Metadata</a:t>
+            </a:r>
+            <a:endParaRPr lang="en-US" sz="2400" b="1" dirty="0"/>
+          </a:p>
+        </p:txBody>
+      </p:sp>
+      <p:pic>
+        <p:nvPicPr>
+          <p:cNvPr id="6" name="Picture 5" descr="Screen shot 2014-02-09 at 3.50.33 PM.png"/>
+          <p:cNvPicPr>
+            <a:picLocks noChangeAspect="1"/>
+          </p:cNvPicPr>
+          <p:nvPr/>
+        </p:nvPicPr>
+        <p:blipFill>
+          <a:blip r:embed="rId3">
+            <a:extLst>
+              <a:ext uri="{28A0092B-C50C-407E-A947-70E740481C1C}">
+                <a14:useLocalDpi xmlns:a14="http://schemas.microsoft.com/office/drawing/2010/main" val="0"/>
+              </a:ext>
+            </a:extLst>
+          </a:blip>
+          <a:stretch>
+            <a:fillRect/>
+          </a:stretch>
+        </p:blipFill>
+        <p:spPr>
+          <a:xfrm>
+            <a:off x="618378" y="836712"/>
+            <a:ext cx="7914062" cy="5111014"/>
+          </a:xfrm>
+          <a:prstGeom prst="rect">
+            <a:avLst/>
+          </a:prstGeom>
+        </p:spPr>
+      </p:pic>
+      <p:pic>
+        <p:nvPicPr>
+          <p:cNvPr id="5" name="Picture 4" descr="Screen shot 2014-02-09 at 1.52.11 PM.png"/>
+          <p:cNvPicPr>
+            <a:picLocks noChangeAspect="1"/>
+          </p:cNvPicPr>
+          <p:nvPr/>
+        </p:nvPicPr>
+        <p:blipFill>
+          <a:blip r:embed="rId4">
+            <a:extLst>
+              <a:ext uri="{28A0092B-C50C-407E-A947-70E740481C1C}">
+                <a14:useLocalDpi xmlns:a14="http://schemas.microsoft.com/office/drawing/2010/main" val="0"/>
+              </a:ext>
+            </a:extLst>
+          </a:blip>
+          <a:stretch>
+            <a:fillRect/>
+          </a:stretch>
+        </p:blipFill>
+        <p:spPr>
+          <a:xfrm>
+            <a:off x="971600" y="836712"/>
+            <a:ext cx="3840056" cy="3356992"/>
+          </a:xfrm>
+          <a:prstGeom prst="rect">
+            <a:avLst/>
+          </a:prstGeom>
+        </p:spPr>
+      </p:pic>
+      <p:pic>
+        <p:nvPicPr>
+          <p:cNvPr id="2" name="Picture 1" descr="Screen shot 2014-02-09 at 1.54.59 PM.png"/>
+          <p:cNvPicPr>
+            <a:picLocks noChangeAspect="1"/>
+          </p:cNvPicPr>
+          <p:nvPr/>
+        </p:nvPicPr>
+        <p:blipFill>
+          <a:blip r:embed="rId5">
+            <a:extLst>
+              <a:ext uri="{28A0092B-C50C-407E-A947-70E740481C1C}">
+                <a14:useLocalDpi xmlns:a14="http://schemas.microsoft.com/office/drawing/2010/main" val="0"/>
+              </a:ext>
+            </a:extLst>
+          </a:blip>
+          <a:stretch>
+            <a:fillRect/>
+          </a:stretch>
+        </p:blipFill>
+        <p:spPr>
+          <a:xfrm>
+            <a:off x="25048" y="1484784"/>
+            <a:ext cx="9144000" cy="4372878"/>
+          </a:xfrm>
+          <a:prstGeom prst="rect">
+            <a:avLst/>
+          </a:prstGeom>
+        </p:spPr>
+      </p:pic>
+    </p:spTree>
+    <p:extLst>
+      <p:ext uri="{BB962C8B-B14F-4D97-AF65-F5344CB8AC3E}">
+        <p14:creationId xmlns:p14="http://schemas.microsoft.com/office/powerpoint/2010/main" val="3192091183"/>
+      </p:ext>
+    </p:extLst>
+  </p:cSld>
+  <p:clrMapOvr>
+    <a:masterClrMapping/>
+  </p:clrMapOvr>
+</p:sld>
+</file>
+
+<file path=ppt/slides/slide26.xml><?xml version="1.0" encoding="utf-8"?>
+<p:sld xmlns:a="http://schemas.openxmlformats.org/drawingml/2006/main" xmlns:r="http://schemas.openxmlformats.org/officeDocument/2006/relationships" xmlns:p="http://schemas.openxmlformats.org/presentationml/2006/main">
+  <p:cSld>
+    <p:spTree>
+      <p:nvGrpSpPr>
+        <p:cNvPr id="1" name=""/>
+        <p:cNvGrpSpPr/>
+        <p:nvPr/>
+      </p:nvGrpSpPr>
+      <p:grpSpPr>
+        <a:xfrm>
+          <a:off x="0" y="0"/>
+          <a:ext cx="0" cy="0"/>
+          <a:chOff x="0" y="0"/>
+          <a:chExt cx="0" cy="0"/>
+        </a:xfrm>
+      </p:grpSpPr>
+      <p:sp>
+        <p:nvSpPr>
+          <p:cNvPr id="3" name="Slide Number Placeholder 2"/>
+          <p:cNvSpPr>
+            <a:spLocks noGrp="1"/>
+          </p:cNvSpPr>
+          <p:nvPr>
+            <p:ph type="sldNum" sz="quarter" idx="4"/>
+          </p:nvPr>
+        </p:nvSpPr>
+        <p:spPr/>
+        <p:txBody>
+          <a:bodyPr/>
+          <a:lstStyle/>
+          <a:p>
+            <a:fld id="{85BBF6EF-6D96-8244-B1A0-ACF7E23C545D}" type="slidenum">
+              <a:rPr lang="en-US" smtClean="0"/>
+              <a:pPr/>
+              <a:t>26</a:t>
+            </a:fld>
+            <a:endParaRPr lang="en-US" dirty="0"/>
+          </a:p>
+        </p:txBody>
+      </p:sp>
+      <p:sp>
+        <p:nvSpPr>
+          <p:cNvPr id="4" name="Text Placeholder 1"/>
+          <p:cNvSpPr>
+            <a:spLocks noGrp="1"/>
+          </p:cNvSpPr>
+          <p:nvPr>
+            <p:ph type="body" sz="quarter" idx="4294967295"/>
+          </p:nvPr>
+        </p:nvSpPr>
+        <p:spPr>
+          <a:xfrm>
+            <a:off x="814917" y="188640"/>
+            <a:ext cx="7562850" cy="504056"/>
+          </a:xfrm>
+          <a:prstGeom prst="rect">
+            <a:avLst/>
+          </a:prstGeom>
+        </p:spPr>
+        <p:txBody>
+          <a:bodyPr/>
+          <a:lstStyle/>
+          <a:p>
+            <a:pPr marL="0" indent="0">
+              <a:buNone/>
+            </a:pPr>
+            <a:r>
+              <a:rPr lang="en-US" sz="2400" b="1" dirty="0"/>
+              <a:t>6</a:t>
+            </a:r>
+            <a:r>
+              <a:rPr lang="en-US" sz="2400" b="1" dirty="0" smtClean="0"/>
+              <a:t>. </a:t>
+            </a:r>
+            <a:r>
+              <a:rPr lang="en-US" sz="2400" b="1" dirty="0"/>
+              <a:t>'</a:t>
+            </a:r>
+            <a:r>
+              <a:rPr lang="en-US" sz="2400" b="1" dirty="0" err="1"/>
+              <a:t>Omics</a:t>
+            </a:r>
+            <a:r>
+              <a:rPr lang="en-US" sz="2400" b="1" dirty="0"/>
+              <a:t> </a:t>
+            </a:r>
+            <a:r>
+              <a:rPr lang="en-US" sz="2400" b="1" dirty="0" smtClean="0"/>
+              <a:t>Tools’ feature for Metadata</a:t>
+            </a:r>
+            <a:endParaRPr lang="en-US" sz="2400" b="1" dirty="0"/>
+          </a:p>
+        </p:txBody>
+      </p:sp>
+      <p:pic>
+        <p:nvPicPr>
+          <p:cNvPr id="6" name="Picture 5" descr="Screen shot 2014-02-09 at 3.50.33 PM.png"/>
+          <p:cNvPicPr>
+            <a:picLocks noChangeAspect="1"/>
+          </p:cNvPicPr>
+          <p:nvPr/>
+        </p:nvPicPr>
+        <p:blipFill>
+          <a:blip r:embed="rId3">
+            <a:extLst>
+              <a:ext uri="{28A0092B-C50C-407E-A947-70E740481C1C}">
+                <a14:useLocalDpi xmlns:a14="http://schemas.microsoft.com/office/drawing/2010/main" val="0"/>
+              </a:ext>
+            </a:extLst>
+          </a:blip>
+          <a:stretch>
+            <a:fillRect/>
+          </a:stretch>
+        </p:blipFill>
+        <p:spPr>
+          <a:xfrm>
+            <a:off x="618378" y="836712"/>
+            <a:ext cx="7914062" cy="5111014"/>
+          </a:xfrm>
+          <a:prstGeom prst="rect">
+            <a:avLst/>
+          </a:prstGeom>
+        </p:spPr>
+      </p:pic>
+      <p:pic>
+        <p:nvPicPr>
+          <p:cNvPr id="5" name="Picture 4" descr="Screen shot 2014-02-09 at 1.52.11 PM.png"/>
+          <p:cNvPicPr>
+            <a:picLocks noChangeAspect="1"/>
+          </p:cNvPicPr>
+          <p:nvPr/>
+        </p:nvPicPr>
+        <p:blipFill>
+          <a:blip r:embed="rId4">
+            <a:extLst>
+              <a:ext uri="{28A0092B-C50C-407E-A947-70E740481C1C}">
+                <a14:useLocalDpi xmlns:a14="http://schemas.microsoft.com/office/drawing/2010/main" val="0"/>
+              </a:ext>
+            </a:extLst>
+          </a:blip>
+          <a:stretch>
+            <a:fillRect/>
+          </a:stretch>
+        </p:blipFill>
+        <p:spPr>
+          <a:xfrm>
+            <a:off x="971600" y="836712"/>
+            <a:ext cx="3840056" cy="3356992"/>
+          </a:xfrm>
+          <a:prstGeom prst="rect">
+            <a:avLst/>
+          </a:prstGeom>
+        </p:spPr>
+      </p:pic>
+      <p:pic>
+        <p:nvPicPr>
+          <p:cNvPr id="2" name="Picture 1" descr="Screen shot 2014-02-09 at 1.54.59 PM.png"/>
+          <p:cNvPicPr>
+            <a:picLocks noChangeAspect="1"/>
+          </p:cNvPicPr>
+          <p:nvPr/>
+        </p:nvPicPr>
+        <p:blipFill>
+          <a:blip r:embed="rId5">
+            <a:extLst>
+              <a:ext uri="{28A0092B-C50C-407E-A947-70E740481C1C}">
+                <a14:useLocalDpi xmlns:a14="http://schemas.microsoft.com/office/drawing/2010/main" val="0"/>
+              </a:ext>
+            </a:extLst>
+          </a:blip>
+          <a:stretch>
+            <a:fillRect/>
+          </a:stretch>
+        </p:blipFill>
+        <p:spPr>
+          <a:xfrm>
+            <a:off x="25048" y="1484784"/>
+            <a:ext cx="9144000" cy="4372878"/>
+          </a:xfrm>
+          <a:prstGeom prst="rect">
+            <a:avLst/>
+          </a:prstGeom>
+        </p:spPr>
+      </p:pic>
+      <p:sp>
+        <p:nvSpPr>
+          <p:cNvPr id="9" name="Frame 8"/>
+          <p:cNvSpPr/>
+          <p:nvPr/>
+        </p:nvSpPr>
+        <p:spPr>
+          <a:xfrm>
+            <a:off x="3419872" y="2564904"/>
+            <a:ext cx="305336" cy="288032"/>
+          </a:xfrm>
+          <a:prstGeom prst="frame">
+            <a:avLst/>
+          </a:prstGeom>
+          <a:solidFill>
+            <a:srgbClr val="FF0000"/>
+          </a:solidFill>
+          <a:ln>
+            <a:solidFill>
+              <a:srgbClr val="FF0000"/>
+            </a:solidFill>
+          </a:ln>
+        </p:spPr>
+        <p:style>
+          <a:lnRef idx="1">
+            <a:schemeClr val="accent1"/>
+          </a:lnRef>
+          <a:fillRef idx="3">
+            <a:schemeClr val="accent1"/>
+          </a:fillRef>
+          <a:effectRef idx="2">
+            <a:schemeClr val="accent1"/>
+          </a:effectRef>
+          <a:fontRef idx="minor">
+            <a:schemeClr val="lt1"/>
+          </a:fontRef>
+        </p:style>
+        <p:txBody>
+          <a:bodyPr/>
+          <a:lstStyle/>
+          <a:p>
+            <a:endParaRPr lang="en-US"/>
+          </a:p>
+        </p:txBody>
+      </p:sp>
+      <p:sp>
+        <p:nvSpPr>
+          <p:cNvPr id="11" name="Frame 10"/>
+          <p:cNvSpPr/>
+          <p:nvPr/>
+        </p:nvSpPr>
+        <p:spPr>
+          <a:xfrm>
+            <a:off x="2987824" y="3005336"/>
+            <a:ext cx="2520280" cy="495672"/>
+          </a:xfrm>
+          <a:prstGeom prst="frame">
+            <a:avLst/>
+          </a:prstGeom>
+          <a:solidFill>
+            <a:srgbClr val="FF0000"/>
+          </a:solidFill>
+          <a:ln>
+            <a:solidFill>
+              <a:srgbClr val="FF0000"/>
+            </a:solidFill>
+          </a:ln>
+        </p:spPr>
+        <p:style>
+          <a:lnRef idx="1">
+            <a:schemeClr val="accent1"/>
+          </a:lnRef>
+          <a:fillRef idx="3">
+            <a:schemeClr val="accent1"/>
+          </a:fillRef>
+          <a:effectRef idx="2">
+            <a:schemeClr val="accent1"/>
+          </a:effectRef>
+          <a:fontRef idx="minor">
+            <a:schemeClr val="lt1"/>
+          </a:fontRef>
+        </p:style>
+        <p:txBody>
+          <a:bodyPr/>
+          <a:lstStyle/>
+          <a:p>
+            <a:endParaRPr lang="en-US"/>
+          </a:p>
+        </p:txBody>
+      </p:sp>
+      <p:sp>
+        <p:nvSpPr>
+          <p:cNvPr id="12" name="Frame 11"/>
+          <p:cNvSpPr/>
+          <p:nvPr/>
+        </p:nvSpPr>
+        <p:spPr>
+          <a:xfrm>
+            <a:off x="971600" y="3356992"/>
+            <a:ext cx="1728192" cy="391852"/>
+          </a:xfrm>
+          <a:prstGeom prst="frame">
+            <a:avLst/>
+          </a:prstGeom>
+          <a:solidFill>
+            <a:srgbClr val="FF0000"/>
+          </a:solidFill>
+          <a:ln>
+            <a:solidFill>
+              <a:srgbClr val="FF0000"/>
+            </a:solidFill>
+          </a:ln>
+        </p:spPr>
+        <p:style>
+          <a:lnRef idx="1">
+            <a:schemeClr val="accent1"/>
+          </a:lnRef>
+          <a:fillRef idx="3">
+            <a:schemeClr val="accent1"/>
+          </a:fillRef>
+          <a:effectRef idx="2">
+            <a:schemeClr val="accent1"/>
+          </a:effectRef>
+          <a:fontRef idx="minor">
+            <a:schemeClr val="lt1"/>
+          </a:fontRef>
+        </p:style>
+        <p:txBody>
+          <a:bodyPr/>
+          <a:lstStyle/>
+          <a:p>
+            <a:endParaRPr lang="en-US"/>
+          </a:p>
+        </p:txBody>
+      </p:sp>
+      <p:sp>
+        <p:nvSpPr>
+          <p:cNvPr id="13" name="Frame 12"/>
+          <p:cNvSpPr/>
+          <p:nvPr/>
+        </p:nvSpPr>
+        <p:spPr>
+          <a:xfrm>
+            <a:off x="1124000" y="3789288"/>
+            <a:ext cx="927720" cy="391852"/>
+          </a:xfrm>
+          <a:prstGeom prst="frame">
+            <a:avLst/>
+          </a:prstGeom>
+          <a:solidFill>
+            <a:srgbClr val="FF0000"/>
+          </a:solidFill>
+          <a:ln>
+            <a:solidFill>
+              <a:srgbClr val="FF0000"/>
+            </a:solidFill>
+          </a:ln>
+        </p:spPr>
+        <p:style>
+          <a:lnRef idx="1">
+            <a:schemeClr val="accent1"/>
+          </a:lnRef>
+          <a:fillRef idx="3">
+            <a:schemeClr val="accent1"/>
+          </a:fillRef>
+          <a:effectRef idx="2">
+            <a:schemeClr val="accent1"/>
+          </a:effectRef>
+          <a:fontRef idx="minor">
+            <a:schemeClr val="lt1"/>
+          </a:fontRef>
+        </p:style>
+        <p:txBody>
+          <a:bodyPr/>
+          <a:lstStyle/>
+          <a:p>
+            <a:endParaRPr lang="en-US"/>
+          </a:p>
+        </p:txBody>
+      </p:sp>
+      <p:sp>
+        <p:nvSpPr>
+          <p:cNvPr id="14" name="Frame 13"/>
+          <p:cNvSpPr/>
+          <p:nvPr/>
+        </p:nvSpPr>
+        <p:spPr>
+          <a:xfrm>
+            <a:off x="25048" y="4181140"/>
+            <a:ext cx="2378328" cy="391852"/>
+          </a:xfrm>
+          <a:prstGeom prst="frame">
+            <a:avLst/>
+          </a:prstGeom>
+          <a:solidFill>
+            <a:srgbClr val="FF0000"/>
+          </a:solidFill>
+          <a:ln>
+            <a:solidFill>
+              <a:srgbClr val="FF0000"/>
+            </a:solidFill>
+          </a:ln>
+        </p:spPr>
+        <p:style>
+          <a:lnRef idx="1">
+            <a:schemeClr val="accent1"/>
+          </a:lnRef>
+          <a:fillRef idx="3">
+            <a:schemeClr val="accent1"/>
+          </a:fillRef>
+          <a:effectRef idx="2">
+            <a:schemeClr val="accent1"/>
+          </a:effectRef>
+          <a:fontRef idx="minor">
+            <a:schemeClr val="lt1"/>
+          </a:fontRef>
+        </p:style>
+        <p:txBody>
+          <a:bodyPr/>
+          <a:lstStyle/>
+          <a:p>
+            <a:endParaRPr lang="en-US"/>
+          </a:p>
+        </p:txBody>
+      </p:sp>
+    </p:spTree>
+    <p:extLst>
+      <p:ext uri="{BB962C8B-B14F-4D97-AF65-F5344CB8AC3E}">
+        <p14:creationId xmlns:p14="http://schemas.microsoft.com/office/powerpoint/2010/main" val="837078589"/>
+      </p:ext>
+    </p:extLst>
+  </p:cSld>
+  <p:clrMapOvr>
+    <a:masterClrMapping/>
+  </p:clrMapOvr>
+  <p:timing>
+    <p:tnLst>
+      <p:par>
+        <p:cTn xmlns:p14="http://schemas.microsoft.com/office/powerpoint/2010/main" id="1" dur="indefinite" restart="never" nodeType="tmRoot"/>
+      </p:par>
+    </p:tnLst>
+  </p:timing>
+</p:sld>
+</file>
+
+<file path=ppt/slides/slide27.xml><?xml version="1.0" encoding="utf-8"?>
+<p:sld xmlns:a="http://schemas.openxmlformats.org/drawingml/2006/main" xmlns:r="http://schemas.openxmlformats.org/officeDocument/2006/relationships" xmlns:p="http://schemas.openxmlformats.org/presentationml/2006/main">
+  <p:cSld>
+    <p:spTree>
+      <p:nvGrpSpPr>
+        <p:cNvPr id="1" name=""/>
+        <p:cNvGrpSpPr/>
+        <p:nvPr/>
+      </p:nvGrpSpPr>
+      <p:grpSpPr>
+        <a:xfrm>
+          <a:off x="0" y="0"/>
+          <a:ext cx="0" cy="0"/>
+          <a:chOff x="0" y="0"/>
+          <a:chExt cx="0" cy="0"/>
+        </a:xfrm>
+      </p:grpSpPr>
+      <p:sp>
+        <p:nvSpPr>
+          <p:cNvPr id="3" name="Slide Number Placeholder 2"/>
+          <p:cNvSpPr>
+            <a:spLocks noGrp="1"/>
+          </p:cNvSpPr>
+          <p:nvPr>
+            <p:ph type="sldNum" sz="quarter" idx="4"/>
+          </p:nvPr>
+        </p:nvSpPr>
+        <p:spPr/>
+        <p:txBody>
+          <a:bodyPr/>
+          <a:lstStyle/>
+          <a:p>
+            <a:fld id="{85BBF6EF-6D96-8244-B1A0-ACF7E23C545D}" type="slidenum">
+              <a:rPr lang="en-US" smtClean="0"/>
+              <a:pPr/>
+              <a:t>27</a:t>
+            </a:fld>
+            <a:endParaRPr lang="en-US" dirty="0"/>
+          </a:p>
+        </p:txBody>
+      </p:sp>
+      <p:sp>
+        <p:nvSpPr>
+          <p:cNvPr id="4" name="Text Placeholder 1"/>
+          <p:cNvSpPr>
+            <a:spLocks noGrp="1"/>
+          </p:cNvSpPr>
+          <p:nvPr>
+            <p:ph type="body" sz="quarter" idx="4294967295"/>
+          </p:nvPr>
+        </p:nvSpPr>
+        <p:spPr>
+          <a:xfrm>
+            <a:off x="814917" y="188640"/>
+            <a:ext cx="7562850" cy="504056"/>
+          </a:xfrm>
+          <a:prstGeom prst="rect">
+            <a:avLst/>
+          </a:prstGeom>
+        </p:spPr>
+        <p:txBody>
+          <a:bodyPr/>
+          <a:lstStyle/>
+          <a:p>
+            <a:pPr marL="0" indent="0">
+              <a:buNone/>
+            </a:pPr>
+            <a:r>
+              <a:rPr lang="en-US" sz="2400" b="1" dirty="0"/>
+              <a:t>6</a:t>
+            </a:r>
+            <a:r>
+              <a:rPr lang="en-US" sz="2400" b="1" dirty="0" smtClean="0"/>
+              <a:t>. </a:t>
+            </a:r>
+            <a:r>
+              <a:rPr lang="en-US" sz="2400" b="1" dirty="0"/>
+              <a:t>'</a:t>
+            </a:r>
+            <a:r>
+              <a:rPr lang="en-US" sz="2400" b="1" dirty="0" err="1"/>
+              <a:t>Omics</a:t>
+            </a:r>
+            <a:r>
+              <a:rPr lang="en-US" sz="2400" b="1" dirty="0"/>
+              <a:t> </a:t>
+            </a:r>
+            <a:r>
+              <a:rPr lang="en-US" sz="2400" b="1" dirty="0" smtClean="0"/>
+              <a:t>Tools’ feature for Metadata</a:t>
+            </a:r>
+            <a:endParaRPr lang="en-US" sz="2400" b="1" dirty="0"/>
+          </a:p>
+        </p:txBody>
+      </p:sp>
+      <p:pic>
+        <p:nvPicPr>
+          <p:cNvPr id="7" name="Picture 6" descr="Screen shot 2014-02-09 at 1.41.17 PM.png"/>
+          <p:cNvPicPr>
+            <a:picLocks noChangeAspect="1"/>
+          </p:cNvPicPr>
+          <p:nvPr/>
+        </p:nvPicPr>
+        <p:blipFill>
+          <a:blip r:embed="rId3">
+            <a:extLst>
+              <a:ext uri="{28A0092B-C50C-407E-A947-70E740481C1C}">
+                <a14:useLocalDpi xmlns:a14="http://schemas.microsoft.com/office/drawing/2010/main" val="0"/>
+              </a:ext>
+            </a:extLst>
+          </a:blip>
+          <a:stretch>
+            <a:fillRect/>
+          </a:stretch>
+        </p:blipFill>
+        <p:spPr>
+          <a:xfrm>
+            <a:off x="971600" y="1556792"/>
+            <a:ext cx="6876256" cy="4153213"/>
+          </a:xfrm>
+          <a:prstGeom prst="rect">
+            <a:avLst/>
+          </a:prstGeom>
+        </p:spPr>
+      </p:pic>
+    </p:spTree>
+    <p:extLst>
+      <p:ext uri="{BB962C8B-B14F-4D97-AF65-F5344CB8AC3E}">
+        <p14:creationId xmlns:p14="http://schemas.microsoft.com/office/powerpoint/2010/main" val="1714671663"/>
+      </p:ext>
+    </p:extLst>
+  </p:cSld>
+  <p:clrMapOvr>
+    <a:masterClrMapping/>
+  </p:clrMapOvr>
+  <p:timing>
+    <p:tnLst>
+      <p:par>
+        <p:cTn xmlns:p14="http://schemas.microsoft.com/office/powerpoint/2010/main" id="1" dur="indefinite" restart="never" nodeType="tmRoot"/>
+      </p:par>
+    </p:tnLst>
+  </p:timing>
+</p:sld>
+</file>
+
+<file path=ppt/slides/slide28.xml><?xml version="1.0" encoding="utf-8"?>
+<p:sld xmlns:a="http://schemas.openxmlformats.org/drawingml/2006/main" xmlns:r="http://schemas.openxmlformats.org/officeDocument/2006/relationships" xmlns:p="http://schemas.openxmlformats.org/presentationml/2006/main">
+  <p:cSld>
+    <p:spTree>
+      <p:nvGrpSpPr>
+        <p:cNvPr id="1" name=""/>
+        <p:cNvGrpSpPr/>
+        <p:nvPr/>
+      </p:nvGrpSpPr>
+      <p:grpSpPr>
+        <a:xfrm>
+          <a:off x="0" y="0"/>
+          <a:ext cx="0" cy="0"/>
+          <a:chOff x="0" y="0"/>
+          <a:chExt cx="0" cy="0"/>
+        </a:xfrm>
+      </p:grpSpPr>
+      <p:sp>
+        <p:nvSpPr>
+          <p:cNvPr id="3" name="Slide Number Placeholder 2"/>
+          <p:cNvSpPr>
+            <a:spLocks noGrp="1"/>
+          </p:cNvSpPr>
+          <p:nvPr>
+            <p:ph type="sldNum" sz="quarter" idx="4"/>
+          </p:nvPr>
+        </p:nvSpPr>
+        <p:spPr/>
+        <p:txBody>
+          <a:bodyPr/>
+          <a:lstStyle/>
+          <a:p>
+            <a:fld id="{85BBF6EF-6D96-8244-B1A0-ACF7E23C545D}" type="slidenum">
+              <a:rPr lang="en-US" smtClean="0"/>
+              <a:pPr/>
+              <a:t>28</a:t>
+            </a:fld>
+            <a:endParaRPr lang="en-US" dirty="0"/>
+          </a:p>
+        </p:txBody>
+      </p:sp>
+      <p:sp>
+        <p:nvSpPr>
+          <p:cNvPr id="4" name="Text Placeholder 1"/>
+          <p:cNvSpPr>
+            <a:spLocks noGrp="1"/>
+          </p:cNvSpPr>
+          <p:nvPr>
+            <p:ph type="body" sz="quarter" idx="4294967295"/>
+          </p:nvPr>
+        </p:nvSpPr>
+        <p:spPr>
+          <a:xfrm>
+            <a:off x="814917" y="188640"/>
+            <a:ext cx="7562850" cy="504056"/>
+          </a:xfrm>
+          <a:prstGeom prst="rect">
+            <a:avLst/>
+          </a:prstGeom>
+        </p:spPr>
+        <p:txBody>
+          <a:bodyPr/>
+          <a:lstStyle/>
+          <a:p>
+            <a:pPr marL="0" indent="0">
+              <a:buNone/>
+            </a:pPr>
+            <a:r>
+              <a:rPr lang="en-US" sz="2400" b="1" dirty="0"/>
+              <a:t>6</a:t>
+            </a:r>
+            <a:r>
+              <a:rPr lang="en-US" sz="2400" b="1" dirty="0" smtClean="0"/>
+              <a:t>. </a:t>
+            </a:r>
+            <a:r>
+              <a:rPr lang="en-US" sz="2400" b="1" dirty="0"/>
+              <a:t>'</a:t>
+            </a:r>
+            <a:r>
+              <a:rPr lang="en-US" sz="2400" b="1" dirty="0" err="1"/>
+              <a:t>Omics</a:t>
+            </a:r>
+            <a:r>
+              <a:rPr lang="en-US" sz="2400" b="1" dirty="0"/>
+              <a:t> </a:t>
+            </a:r>
+            <a:r>
+              <a:rPr lang="en-US" sz="2400" b="1" dirty="0" smtClean="0"/>
+              <a:t>Tools’ feature for Metadata</a:t>
+            </a:r>
+            <a:endParaRPr lang="en-US" sz="2400" b="1" dirty="0"/>
+          </a:p>
+        </p:txBody>
+      </p:sp>
+      <p:pic>
+        <p:nvPicPr>
+          <p:cNvPr id="7" name="Picture 6" descr="Screen shot 2014-02-09 at 1.41.17 PM.png"/>
+          <p:cNvPicPr>
+            <a:picLocks noChangeAspect="1"/>
+          </p:cNvPicPr>
+          <p:nvPr/>
+        </p:nvPicPr>
+        <p:blipFill>
+          <a:blip r:embed="rId3">
+            <a:extLst>
+              <a:ext uri="{28A0092B-C50C-407E-A947-70E740481C1C}">
+                <a14:useLocalDpi xmlns:a14="http://schemas.microsoft.com/office/drawing/2010/main" val="0"/>
+              </a:ext>
+            </a:extLst>
+          </a:blip>
+          <a:stretch>
+            <a:fillRect/>
+          </a:stretch>
+        </p:blipFill>
+        <p:spPr>
+          <a:xfrm>
+            <a:off x="971600" y="1556792"/>
+            <a:ext cx="6876256" cy="4153213"/>
+          </a:xfrm>
+          <a:prstGeom prst="rect">
+            <a:avLst/>
+          </a:prstGeom>
+        </p:spPr>
+      </p:pic>
+      <p:pic>
+        <p:nvPicPr>
+          <p:cNvPr id="2" name="Picture 1" descr="Screen shot 2014-02-09 at 1.50.45 PM.png"/>
+          <p:cNvPicPr>
+            <a:picLocks noChangeAspect="1"/>
+          </p:cNvPicPr>
+          <p:nvPr/>
+        </p:nvPicPr>
+        <p:blipFill>
+          <a:blip r:embed="rId4">
+            <a:extLst>
+              <a:ext uri="{28A0092B-C50C-407E-A947-70E740481C1C}">
+                <a14:useLocalDpi xmlns:a14="http://schemas.microsoft.com/office/drawing/2010/main" val="0"/>
+              </a:ext>
+            </a:extLst>
+          </a:blip>
+          <a:stretch>
+            <a:fillRect/>
+          </a:stretch>
+        </p:blipFill>
+        <p:spPr>
+          <a:xfrm>
+            <a:off x="815412" y="908720"/>
+            <a:ext cx="7428995" cy="5452933"/>
+          </a:xfrm>
+          <a:prstGeom prst="rect">
+            <a:avLst/>
+          </a:prstGeom>
+        </p:spPr>
+      </p:pic>
+    </p:spTree>
+    <p:extLst>
+      <p:ext uri="{BB962C8B-B14F-4D97-AF65-F5344CB8AC3E}">
+        <p14:creationId xmlns:p14="http://schemas.microsoft.com/office/powerpoint/2010/main" val="3784770943"/>
+      </p:ext>
+    </p:extLst>
+  </p:cSld>
+  <p:clrMapOvr>
+    <a:masterClrMapping/>
+  </p:clrMapOvr>
+  <p:timing>
+    <p:tnLst>
+      <p:par>
+        <p:cTn xmlns:p14="http://schemas.microsoft.com/office/powerpoint/2010/main" id="1" dur="indefinite" restart="never" nodeType="tmRoot"/>
+      </p:par>
+    </p:tnLst>
+  </p:timing>
+</p:sld>
+</file>
+
+<file path=ppt/slides/slide29.xml><?xml version="1.0" encoding="utf-8"?>
+<p:sld xmlns:a="http://schemas.openxmlformats.org/drawingml/2006/main" xmlns:r="http://schemas.openxmlformats.org/officeDocument/2006/relationships" xmlns:p="http://schemas.openxmlformats.org/presentationml/2006/main">
+  <p:cSld>
+    <p:spTree>
+      <p:nvGrpSpPr>
+        <p:cNvPr id="1" name=""/>
+        <p:cNvGrpSpPr/>
+        <p:nvPr/>
+      </p:nvGrpSpPr>
+      <p:grpSpPr>
+        <a:xfrm>
+          <a:off x="0" y="0"/>
+          <a:ext cx="0" cy="0"/>
+          <a:chOff x="0" y="0"/>
+          <a:chExt cx="0" cy="0"/>
+        </a:xfrm>
+      </p:grpSpPr>
+      <p:sp>
+        <p:nvSpPr>
+          <p:cNvPr id="3" name="Slide Number Placeholder 2"/>
+          <p:cNvSpPr>
+            <a:spLocks noGrp="1"/>
+          </p:cNvSpPr>
+          <p:nvPr>
+            <p:ph type="sldNum" sz="quarter" idx="4"/>
+          </p:nvPr>
+        </p:nvSpPr>
+        <p:spPr/>
+        <p:txBody>
+          <a:bodyPr/>
+          <a:lstStyle/>
+          <a:p>
+            <a:fld id="{85BBF6EF-6D96-8244-B1A0-ACF7E23C545D}" type="slidenum">
+              <a:rPr lang="en-US" smtClean="0"/>
+              <a:pPr/>
+              <a:t>29</a:t>
+            </a:fld>
+            <a:endParaRPr lang="en-US" dirty="0"/>
+          </a:p>
+        </p:txBody>
+      </p:sp>
+      <p:sp>
+        <p:nvSpPr>
+          <p:cNvPr id="4" name="Text Placeholder 1"/>
+          <p:cNvSpPr>
+            <a:spLocks noGrp="1"/>
+          </p:cNvSpPr>
+          <p:nvPr>
+            <p:ph type="body" sz="quarter" idx="4294967295"/>
+          </p:nvPr>
+        </p:nvSpPr>
+        <p:spPr>
+          <a:xfrm>
+            <a:off x="755576" y="2960948"/>
+            <a:ext cx="7562850" cy="504056"/>
+          </a:xfrm>
+          <a:prstGeom prst="rect">
+            <a:avLst/>
+          </a:prstGeom>
+        </p:spPr>
+        <p:txBody>
+          <a:bodyPr/>
+          <a:lstStyle/>
+          <a:p>
+            <a:pPr marL="0" indent="0" algn="ctr">
+              <a:buNone/>
+            </a:pPr>
+            <a:r>
+              <a:rPr lang="en-US" b="1" dirty="0" smtClean="0"/>
+              <a:t>Demo</a:t>
+            </a:r>
+            <a:endParaRPr lang="en-US" b="1" dirty="0"/>
+          </a:p>
+        </p:txBody>
+      </p:sp>
+    </p:spTree>
+    <p:extLst>
+      <p:ext uri="{BB962C8B-B14F-4D97-AF65-F5344CB8AC3E}">
+        <p14:creationId xmlns:p14="http://schemas.microsoft.com/office/powerpoint/2010/main" val="932277517"/>
       </p:ext>
     </p:extLst>
   </p:cSld>
@@ -13217,17 +20702,22 @@
             <a:spLocks noGrp="1"/>
           </p:cNvSpPr>
           <p:nvPr>
-            <p:ph type="body" sz="quarter" idx="10"/>
+            <p:ph type="body" sz="quarter" idx="12"/>
           </p:nvPr>
         </p:nvSpPr>
-        <p:spPr/>
+        <p:spPr>
+          <a:xfrm>
+            <a:off x="814917" y="764704"/>
+            <a:ext cx="7562850" cy="543076"/>
+          </a:xfrm>
+        </p:spPr>
         <p:txBody>
           <a:bodyPr/>
           <a:lstStyle/>
           <a:p>
             <a:r>
               <a:rPr lang="en-US" dirty="0" smtClean="0"/>
-              <a:t>Prerequisites</a:t>
+              <a:t>Goals of Tutorial</a:t>
             </a:r>
             <a:endParaRPr lang="en-US" dirty="0"/>
           </a:p>
@@ -13235,118 +20725,7 @@
       </p:sp>
       <p:sp>
         <p:nvSpPr>
-          <p:cNvPr id="4" name="Text Placeholder 3"/>
-          <p:cNvSpPr>
-            <a:spLocks noGrp="1"/>
-          </p:cNvSpPr>
-          <p:nvPr>
-            <p:ph type="body" sz="quarter" idx="12"/>
-          </p:nvPr>
-        </p:nvSpPr>
-        <p:spPr>
-          <a:xfrm>
-            <a:off x="967317" y="3861048"/>
-            <a:ext cx="8290408" cy="2016224"/>
-          </a:xfrm>
-        </p:spPr>
-        <p:txBody>
-          <a:bodyPr>
-            <a:normAutofit/>
-          </a:bodyPr>
-          <a:lstStyle/>
-          <a:p>
-            <a:pPr marL="285750" indent="-285750">
-              <a:lnSpc>
-                <a:spcPct val="120000"/>
-              </a:lnSpc>
-              <a:buFont typeface="Arial"/>
-              <a:buChar char="•"/>
-            </a:pPr>
-            <a:r>
-              <a:rPr lang="en-US" dirty="0"/>
-              <a:t>Presentation Slides: </a:t>
-            </a:r>
-            <a:r>
-              <a:rPr lang="en-US" dirty="0" err="1"/>
-              <a:t>MetaPathways_Tutorial_Pathway_Analysis.pdf</a:t>
-            </a:r>
-            <a:endParaRPr lang="en-US" dirty="0"/>
-          </a:p>
-          <a:p>
-            <a:pPr marL="285750" indent="-285750">
-              <a:lnSpc>
-                <a:spcPct val="120000"/>
-              </a:lnSpc>
-              <a:buFont typeface="Arial"/>
-              <a:buChar char="•"/>
-            </a:pPr>
-            <a:r>
-              <a:rPr lang="en-US" dirty="0"/>
-              <a:t>HOT </a:t>
-            </a:r>
-            <a:r>
-              <a:rPr lang="en-US" dirty="0" err="1"/>
-              <a:t>Fosmid</a:t>
-            </a:r>
-            <a:r>
-              <a:rPr lang="en-US" dirty="0"/>
-              <a:t>-end </a:t>
-            </a:r>
-            <a:r>
-              <a:rPr lang="en-US" dirty="0" err="1"/>
-              <a:t>ePGDBs</a:t>
-            </a:r>
-            <a:r>
-              <a:rPr lang="en-US" dirty="0"/>
-              <a:t>: </a:t>
-            </a:r>
-            <a:r>
-              <a:rPr lang="en-US" dirty="0" err="1"/>
-              <a:t>HOT_Sanger_ePGDBs.zip</a:t>
-            </a:r>
-            <a:endParaRPr lang="en-US" dirty="0"/>
-          </a:p>
-          <a:p>
-            <a:pPr marL="285750" indent="-285750">
-              <a:lnSpc>
-                <a:spcPct val="120000"/>
-              </a:lnSpc>
-              <a:buFont typeface="Arial"/>
-              <a:buChar char="•"/>
-            </a:pPr>
-            <a:r>
-              <a:rPr lang="en-US" dirty="0"/>
-              <a:t>Perl Pathway Extractor Script: </a:t>
-            </a:r>
-            <a:r>
-              <a:rPr lang="en-US" dirty="0" err="1"/>
-              <a:t>extract_pathway_table_from_pgdb.pl</a:t>
-            </a:r>
-            <a:endParaRPr lang="en-US" dirty="0"/>
-          </a:p>
-          <a:p>
-            <a:pPr marL="285750" indent="-285750">
-              <a:lnSpc>
-                <a:spcPct val="120000"/>
-              </a:lnSpc>
-              <a:buFont typeface="Arial"/>
-              <a:buChar char="•"/>
-            </a:pPr>
-            <a:r>
-              <a:rPr lang="en-US" dirty="0"/>
-              <a:t>ORF Abundance Table: </a:t>
-            </a:r>
-            <a:r>
-              <a:rPr lang="en-US" dirty="0" err="1"/>
-              <a:t>HOT_Sanger_Omics_ORF_Tables.zip</a:t>
-            </a:r>
-            <a:endParaRPr lang="en-US" dirty="0"/>
-          </a:p>
-        </p:txBody>
-      </p:sp>
-      <p:sp>
-        <p:nvSpPr>
-          <p:cNvPr id="5" name="Slide Number Placeholder 4"/>
+          <p:cNvPr id="6" name="Slide Number Placeholder 5"/>
           <p:cNvSpPr>
             <a:spLocks noGrp="1"/>
           </p:cNvSpPr>
@@ -13370,132 +20749,162 @@
       </p:sp>
       <p:sp>
         <p:nvSpPr>
-          <p:cNvPr id="6" name="Text Placeholder 1"/>
+          <p:cNvPr id="3" name="Text Placeholder 2"/>
           <p:cNvSpPr>
             <a:spLocks noGrp="1"/>
           </p:cNvSpPr>
           <p:nvPr>
-            <p:ph type="body" sz="quarter" idx="10"/>
+            <p:ph type="body" sz="quarter" idx="4294967295"/>
           </p:nvPr>
         </p:nvSpPr>
         <p:spPr>
           <a:xfrm>
-            <a:off x="814917" y="3317966"/>
-            <a:ext cx="7562850" cy="543076"/>
+            <a:off x="969590" y="1484784"/>
+            <a:ext cx="7562850" cy="4017962"/>
           </a:xfrm>
+          <a:prstGeom prst="rect">
+            <a:avLst/>
+          </a:prstGeom>
         </p:spPr>
         <p:txBody>
-          <a:bodyPr/>
+          <a:bodyPr>
+            <a:normAutofit fontScale="55000" lnSpcReduction="20000"/>
+          </a:bodyPr>
           <a:lstStyle/>
           <a:p>
-            <a:r>
-              <a:rPr lang="en-US" dirty="0" smtClean="0"/>
-              <a:t>Downloads</a:t>
-            </a:r>
-            <a:endParaRPr lang="en-US" dirty="0"/>
-          </a:p>
-        </p:txBody>
-      </p:sp>
-      <p:sp>
-        <p:nvSpPr>
-          <p:cNvPr id="7" name="Text Placeholder 3"/>
-          <p:cNvSpPr>
-            <a:spLocks noGrp="1"/>
-          </p:cNvSpPr>
-          <p:nvPr>
-            <p:ph type="body" sz="quarter" idx="12"/>
-          </p:nvPr>
-        </p:nvSpPr>
-        <p:spPr>
-          <a:xfrm>
-            <a:off x="967317" y="2132308"/>
-            <a:ext cx="8138008" cy="1152676"/>
-          </a:xfrm>
-        </p:spPr>
-        <p:txBody>
-          <a:bodyPr/>
-          <a:lstStyle/>
-          <a:p>
-            <a:pPr marL="285750" indent="-285750">
+            <a:pPr marL="342900" indent="-342900">
               <a:lnSpc>
                 <a:spcPct val="120000"/>
               </a:lnSpc>
-              <a:buFont typeface="Arial"/>
-              <a:buChar char="•"/>
+              <a:buFont typeface="+mj-lt"/>
+              <a:buAutoNum type="arabicPeriod"/>
             </a:pPr>
             <a:r>
-              <a:rPr lang="en-US" dirty="0"/>
-              <a:t>Install Pathway Tools </a:t>
-            </a:r>
-            <a:r>
-              <a:rPr lang="en-US" dirty="0" smtClean="0"/>
-              <a:t/>
-            </a:r>
-            <a:br>
-              <a:rPr lang="en-US" dirty="0" smtClean="0"/>
-            </a:br>
-            <a:r>
-              <a:rPr lang="en-US" dirty="0" smtClean="0">
-                <a:hlinkClick r:id="rId2"/>
-              </a:rPr>
-              <a:t>http</a:t>
-            </a:r>
-            <a:r>
-              <a:rPr lang="en-US" dirty="0">
-                <a:hlinkClick r:id="rId2"/>
-              </a:rPr>
-              <a:t>://biocyc.org/download-</a:t>
-            </a:r>
-            <a:r>
-              <a:rPr lang="en-US" dirty="0" smtClean="0">
-                <a:hlinkClick r:id="rId2"/>
-              </a:rPr>
-              <a:t>bundle.shtml</a:t>
-            </a:r>
-            <a:endParaRPr lang="en-US" dirty="0" smtClean="0"/>
-          </a:p>
-          <a:p>
-            <a:pPr marL="285750" indent="-285750">
+              <a:rPr lang="en-US" b="0" dirty="0"/>
+              <a:t>Give a brief overview of the Pathway Tools and the Pathologic </a:t>
+            </a:r>
+            <a:r>
+              <a:rPr lang="en-US" b="0" dirty="0" smtClean="0"/>
+              <a:t>Algorithm</a:t>
+            </a:r>
+          </a:p>
+          <a:p>
+            <a:pPr marL="342900" indent="-342900">
               <a:lnSpc>
                 <a:spcPct val="120000"/>
               </a:lnSpc>
-              <a:buFont typeface="Arial"/>
-              <a:buChar char="•"/>
+              <a:buFont typeface="+mj-lt"/>
+              <a:buAutoNum type="arabicPeriod"/>
             </a:pPr>
             <a:r>
-              <a:rPr lang="en-US" dirty="0"/>
-              <a:t>Perl v5.0 </a:t>
-            </a:r>
-            <a:r>
-              <a:rPr lang="en-US" dirty="0">
-                <a:hlinkClick r:id="rId3"/>
-              </a:rPr>
-              <a:t>http://www.perl.org</a:t>
-            </a:r>
-            <a:r>
-              <a:rPr lang="en-US" dirty="0" smtClean="0">
-                <a:hlinkClick r:id="rId3"/>
-              </a:rPr>
-              <a:t>/</a:t>
-            </a:r>
-            <a:r>
-              <a:rPr lang="en-US" dirty="0" smtClean="0"/>
-              <a:t> </a:t>
-            </a:r>
-            <a:endParaRPr lang="en-US" dirty="0"/>
+              <a:rPr lang="en-US" b="0" dirty="0"/>
+              <a:t>Load processed Environmental Pathway Genome Databases (</a:t>
+            </a:r>
+            <a:r>
+              <a:rPr lang="en-US" b="0" dirty="0" err="1"/>
+              <a:t>ePGDBs</a:t>
+            </a:r>
+            <a:r>
+              <a:rPr lang="en-US" b="0" dirty="0"/>
+              <a:t>) into Pathway </a:t>
+            </a:r>
+            <a:r>
+              <a:rPr lang="en-US" b="0" dirty="0" smtClean="0"/>
+              <a:t>Tools</a:t>
+            </a:r>
+          </a:p>
+          <a:p>
+            <a:pPr marL="342900" indent="-342900">
+              <a:lnSpc>
+                <a:spcPct val="120000"/>
+              </a:lnSpc>
+              <a:buFont typeface="+mj-lt"/>
+              <a:buAutoNum type="arabicPeriod"/>
+            </a:pPr>
+            <a:r>
+              <a:rPr lang="en-US" b="0" dirty="0"/>
+              <a:t>Explore predicted Pathways in Pathway Tools in the Cellular Overview, Pathway, and Reaction pages</a:t>
+            </a:r>
+            <a:r>
+              <a:rPr lang="en-US" b="0" dirty="0" smtClean="0"/>
+              <a:t>.</a:t>
+            </a:r>
+          </a:p>
+          <a:p>
+            <a:pPr marL="342900" indent="-342900">
+              <a:lnSpc>
+                <a:spcPct val="120000"/>
+              </a:lnSpc>
+              <a:buFont typeface="+mj-lt"/>
+              <a:buAutoNum type="arabicPeriod"/>
+            </a:pPr>
+            <a:r>
+              <a:rPr lang="en-US" b="0" dirty="0"/>
+              <a:t>Highlight predicted pathways on the cellular overview and compare </a:t>
+            </a:r>
+            <a:r>
+              <a:rPr lang="en-US" b="0" dirty="0" smtClean="0"/>
+              <a:t>samples</a:t>
+            </a:r>
+          </a:p>
+          <a:p>
+            <a:pPr marL="342900" indent="-342900">
+              <a:lnSpc>
+                <a:spcPct val="120000"/>
+              </a:lnSpc>
+              <a:buFont typeface="+mj-lt"/>
+              <a:buAutoNum type="arabicPeriod"/>
+            </a:pPr>
+            <a:r>
+              <a:rPr lang="en-US" b="0" dirty="0"/>
+              <a:t>Extract pathway and associated ORFs into long and wide formats</a:t>
+            </a:r>
+            <a:r>
+              <a:rPr lang="en-US" b="0" dirty="0" smtClean="0"/>
+              <a:t>.</a:t>
+            </a:r>
+          </a:p>
+          <a:p>
+            <a:pPr marL="342900" indent="-342900">
+              <a:lnSpc>
+                <a:spcPct val="120000"/>
+              </a:lnSpc>
+              <a:buFont typeface="+mj-lt"/>
+              <a:buAutoNum type="arabicPeriod"/>
+            </a:pPr>
+            <a:r>
+              <a:rPr lang="en-US" b="0" dirty="0"/>
+              <a:t>Understand how the '</a:t>
+            </a:r>
+            <a:r>
+              <a:rPr lang="en-US" b="0" dirty="0" err="1"/>
+              <a:t>Omics</a:t>
+            </a:r>
+            <a:r>
+              <a:rPr lang="en-US" b="0" dirty="0"/>
+              <a:t> Tools' feature to overlay quantitative metadata about pathways, e.g., ORF abundance.</a:t>
+            </a:r>
+            <a:endParaRPr lang="en-US" b="0" dirty="0" smtClean="0"/>
           </a:p>
         </p:txBody>
       </p:sp>
     </p:spTree>
     <p:extLst>
       <p:ext uri="{BB962C8B-B14F-4D97-AF65-F5344CB8AC3E}">
-        <p14:creationId xmlns:p14="http://schemas.microsoft.com/office/powerpoint/2010/main" val="2330315662"/>
+        <p14:creationId xmlns:p14="http://schemas.microsoft.com/office/powerpoint/2010/main" val="186881534"/>
       </p:ext>
     </p:extLst>
   </p:cSld>
   <p:clrMapOvr>
     <a:masterClrMapping/>
   </p:clrMapOvr>
+  <p:timing>
+    <p:tnLst>
+      <p:par>
+        <p:cTn xmlns:p14="http://schemas.microsoft.com/office/powerpoint/2010/main" id="1" dur="indefinite" restart="never" nodeType="tmRoot"/>
+      </p:par>
+    </p:tnLst>
+  </p:timing>
 </p:sld>
 </file>
 
@@ -13568,11 +20977,7 @@
             </a:pPr>
             <a:r>
               <a:rPr lang="en-US" sz="2400" b="1" dirty="0" smtClean="0"/>
-              <a:t>1. </a:t>
-            </a:r>
-            <a:r>
-              <a:rPr lang="en-US" sz="2400" b="1" dirty="0" smtClean="0"/>
-              <a:t>Pathway Tools &amp; </a:t>
+              <a:t>1. Pathway Tools &amp; </a:t>
             </a:r>
             <a:r>
               <a:rPr lang="en-US" sz="2400" b="1" dirty="0" err="1" smtClean="0"/>
@@ -13594,8 +20999,8 @@
         </p:nvSpPr>
         <p:spPr>
           <a:xfrm>
-            <a:off x="804157" y="908720"/>
-            <a:ext cx="5098326" cy="3240360"/>
+            <a:off x="804157" y="1196751"/>
+            <a:ext cx="5098326" cy="2143857"/>
           </a:xfrm>
           <a:prstGeom prst="rect">
             <a:avLst/>
@@ -13603,7 +21008,7 @@
         </p:spPr>
         <p:txBody>
           <a:bodyPr>
-            <a:normAutofit fontScale="92500"/>
+            <a:normAutofit fontScale="70000" lnSpcReduction="20000"/>
           </a:bodyPr>
           <a:lstStyle/>
           <a:p>
@@ -13674,6 +21079,160 @@
           <a:xfrm>
             <a:off x="6126603" y="1196752"/>
             <a:ext cx="2836689" cy="2143857"/>
+          </a:xfrm>
+          <a:prstGeom prst="rect">
+            <a:avLst/>
+          </a:prstGeom>
+        </p:spPr>
+      </p:pic>
+      <p:sp>
+        <p:nvSpPr>
+          <p:cNvPr id="6" name="Text Placeholder 1"/>
+          <p:cNvSpPr>
+            <a:spLocks noGrp="1"/>
+          </p:cNvSpPr>
+          <p:nvPr>
+            <p:ph type="body" sz="quarter" idx="4294967295"/>
+          </p:nvPr>
+        </p:nvSpPr>
+        <p:spPr>
+          <a:xfrm>
+            <a:off x="395536" y="836712"/>
+            <a:ext cx="2666306" cy="543076"/>
+          </a:xfrm>
+          <a:prstGeom prst="rect">
+            <a:avLst/>
+          </a:prstGeom>
+        </p:spPr>
+        <p:txBody>
+          <a:bodyPr/>
+          <a:lstStyle/>
+          <a:p>
+            <a:pPr marL="0" indent="0">
+              <a:buNone/>
+            </a:pPr>
+            <a:r>
+              <a:rPr lang="en-US" sz="2000" b="1" dirty="0" smtClean="0"/>
+              <a:t>Pathway Tools</a:t>
+            </a:r>
+            <a:endParaRPr lang="en-US" sz="2000" b="1" dirty="0"/>
+          </a:p>
+        </p:txBody>
+      </p:sp>
+      <p:sp>
+        <p:nvSpPr>
+          <p:cNvPr id="9" name="Text Placeholder 2"/>
+          <p:cNvSpPr>
+            <a:spLocks noGrp="1"/>
+          </p:cNvSpPr>
+          <p:nvPr>
+            <p:ph type="body" sz="quarter" idx="4294967295"/>
+          </p:nvPr>
+        </p:nvSpPr>
+        <p:spPr>
+          <a:xfrm>
+            <a:off x="852483" y="3501008"/>
+            <a:ext cx="7463933" cy="628433"/>
+          </a:xfrm>
+          <a:prstGeom prst="rect">
+            <a:avLst/>
+          </a:prstGeom>
+        </p:spPr>
+        <p:txBody>
+          <a:bodyPr>
+            <a:normAutofit/>
+          </a:bodyPr>
+          <a:lstStyle/>
+          <a:p>
+            <a:pPr>
+              <a:lnSpc>
+                <a:spcPct val="120000"/>
+              </a:lnSpc>
+            </a:pPr>
+            <a:r>
+              <a:rPr lang="en-US" sz="1700" dirty="0" smtClean="0"/>
+              <a:t>rule-based model on  on pathways class and completeness</a:t>
+            </a:r>
+            <a:endParaRPr lang="en-US" sz="1700" b="0" dirty="0" smtClean="0"/>
+          </a:p>
+        </p:txBody>
+      </p:sp>
+      <p:sp>
+        <p:nvSpPr>
+          <p:cNvPr id="10" name="Text Placeholder 1"/>
+          <p:cNvSpPr>
+            <a:spLocks noGrp="1"/>
+          </p:cNvSpPr>
+          <p:nvPr>
+            <p:ph type="body" sz="quarter" idx="4294967295"/>
+          </p:nvPr>
+        </p:nvSpPr>
+        <p:spPr>
+          <a:xfrm>
+            <a:off x="505213" y="3140968"/>
+            <a:ext cx="2666306" cy="526619"/>
+          </a:xfrm>
+          <a:prstGeom prst="rect">
+            <a:avLst/>
+          </a:prstGeom>
+        </p:spPr>
+        <p:txBody>
+          <a:bodyPr/>
+          <a:lstStyle/>
+          <a:p>
+            <a:pPr marL="0" indent="0">
+              <a:buNone/>
+            </a:pPr>
+            <a:r>
+              <a:rPr lang="en-US" sz="2000" b="1" dirty="0" smtClean="0"/>
+              <a:t>Pathologic </a:t>
+            </a:r>
+            <a:endParaRPr lang="en-US" sz="2000" b="1" dirty="0"/>
+          </a:p>
+        </p:txBody>
+      </p:sp>
+      <p:pic>
+        <p:nvPicPr>
+          <p:cNvPr id="5" name="Picture 4"/>
+          <p:cNvPicPr>
+            <a:picLocks noChangeAspect="1"/>
+          </p:cNvPicPr>
+          <p:nvPr/>
+        </p:nvPicPr>
+        <p:blipFill>
+          <a:blip r:embed="rId3"/>
+          <a:stretch>
+            <a:fillRect/>
+          </a:stretch>
+        </p:blipFill>
+        <p:spPr>
+          <a:xfrm>
+            <a:off x="6126603" y="188640"/>
+            <a:ext cx="2808312" cy="887789"/>
+          </a:xfrm>
+          <a:prstGeom prst="rect">
+            <a:avLst/>
+          </a:prstGeom>
+        </p:spPr>
+      </p:pic>
+      <p:pic>
+        <p:nvPicPr>
+          <p:cNvPr id="12" name="Picture 11"/>
+          <p:cNvPicPr>
+            <a:picLocks noChangeAspect="1"/>
+          </p:cNvPicPr>
+          <p:nvPr/>
+        </p:nvPicPr>
+        <p:blipFill>
+          <a:blip r:embed="rId4"/>
+          <a:stretch>
+            <a:fillRect/>
+          </a:stretch>
+        </p:blipFill>
+        <p:spPr>
+          <a:xfrm>
+            <a:off x="1753860" y="4116536"/>
+            <a:ext cx="5600700" cy="2336800"/>
           </a:xfrm>
           <a:prstGeom prst="rect">
             <a:avLst/>
@@ -13762,11 +21321,7 @@
             </a:pPr>
             <a:r>
               <a:rPr lang="en-US" sz="2400" b="1" dirty="0" smtClean="0"/>
-              <a:t>1. </a:t>
-            </a:r>
-            <a:r>
-              <a:rPr lang="en-US" sz="2400" b="1" dirty="0" smtClean="0"/>
-              <a:t>Pathway Tools &amp; </a:t>
+              <a:t>1. Pathway Tools &amp; </a:t>
             </a:r>
             <a:r>
               <a:rPr lang="en-US" sz="2400" b="1" dirty="0" err="1" smtClean="0"/>
@@ -13806,10 +21361,792 @@
           </a:prstGeom>
         </p:spPr>
       </p:pic>
+      <p:pic>
+        <p:nvPicPr>
+          <p:cNvPr id="5" name="Picture 4"/>
+          <p:cNvPicPr>
+            <a:picLocks noChangeAspect="1"/>
+          </p:cNvPicPr>
+          <p:nvPr/>
+        </p:nvPicPr>
+        <p:blipFill>
+          <a:blip r:embed="rId3"/>
+          <a:stretch>
+            <a:fillRect/>
+          </a:stretch>
+        </p:blipFill>
+        <p:spPr>
+          <a:xfrm>
+            <a:off x="6126603" y="188640"/>
+            <a:ext cx="2808312" cy="887789"/>
+          </a:xfrm>
+          <a:prstGeom prst="rect">
+            <a:avLst/>
+          </a:prstGeom>
+        </p:spPr>
+      </p:pic>
     </p:spTree>
     <p:extLst>
       <p:ext uri="{BB962C8B-B14F-4D97-AF65-F5344CB8AC3E}">
         <p14:creationId xmlns:p14="http://schemas.microsoft.com/office/powerpoint/2010/main" val="1395924324"/>
+      </p:ext>
+    </p:extLst>
+  </p:cSld>
+  <p:clrMapOvr>
+    <a:masterClrMapping/>
+  </p:clrMapOvr>
+</p:sld>
+</file>
+
+<file path=ppt/slides/slide6.xml><?xml version="1.0" encoding="utf-8"?>
+<p:sld xmlns:a="http://schemas.openxmlformats.org/drawingml/2006/main" xmlns:r="http://schemas.openxmlformats.org/officeDocument/2006/relationships" xmlns:p="http://schemas.openxmlformats.org/presentationml/2006/main">
+  <p:cSld>
+    <p:spTree>
+      <p:nvGrpSpPr>
+        <p:cNvPr id="1" name=""/>
+        <p:cNvGrpSpPr/>
+        <p:nvPr/>
+      </p:nvGrpSpPr>
+      <p:grpSpPr>
+        <a:xfrm>
+          <a:off x="0" y="0"/>
+          <a:ext cx="0" cy="0"/>
+          <a:chOff x="0" y="0"/>
+          <a:chExt cx="0" cy="0"/>
+        </a:xfrm>
+      </p:grpSpPr>
+      <p:sp>
+        <p:nvSpPr>
+          <p:cNvPr id="3" name="Slide Number Placeholder 2"/>
+          <p:cNvSpPr>
+            <a:spLocks noGrp="1"/>
+          </p:cNvSpPr>
+          <p:nvPr>
+            <p:ph type="sldNum" sz="quarter" idx="4"/>
+          </p:nvPr>
+        </p:nvSpPr>
+        <p:spPr/>
+        <p:txBody>
+          <a:bodyPr/>
+          <a:lstStyle/>
+          <a:p>
+            <a:fld id="{85BBF6EF-6D96-8244-B1A0-ACF7E23C545D}" type="slidenum">
+              <a:rPr lang="en-US" smtClean="0"/>
+              <a:pPr/>
+              <a:t>6</a:t>
+            </a:fld>
+            <a:endParaRPr lang="en-US" dirty="0"/>
+          </a:p>
+        </p:txBody>
+      </p:sp>
+      <p:sp>
+        <p:nvSpPr>
+          <p:cNvPr id="7" name="Text Placeholder 1"/>
+          <p:cNvSpPr>
+            <a:spLocks noGrp="1"/>
+          </p:cNvSpPr>
+          <p:nvPr>
+            <p:ph type="body" sz="quarter" idx="4294967295"/>
+          </p:nvPr>
+        </p:nvSpPr>
+        <p:spPr>
+          <a:xfrm>
+            <a:off x="814917" y="188640"/>
+            <a:ext cx="7562850" cy="543076"/>
+          </a:xfrm>
+          <a:prstGeom prst="rect">
+            <a:avLst/>
+          </a:prstGeom>
+        </p:spPr>
+        <p:txBody>
+          <a:bodyPr/>
+          <a:lstStyle/>
+          <a:p>
+            <a:pPr marL="0" indent="0">
+              <a:buNone/>
+            </a:pPr>
+            <a:r>
+              <a:rPr lang="en-US" sz="2400" b="1" dirty="0" smtClean="0"/>
+              <a:t>2. </a:t>
+            </a:r>
+            <a:r>
+              <a:rPr lang="en-US" sz="2400" b="1" dirty="0" smtClean="0"/>
+              <a:t>Loading </a:t>
+            </a:r>
+            <a:r>
+              <a:rPr lang="en-US" sz="2400" b="1" dirty="0" err="1" smtClean="0"/>
+              <a:t>ePGDBs</a:t>
+            </a:r>
+            <a:r>
+              <a:rPr lang="en-US" sz="2400" b="1" dirty="0" smtClean="0"/>
+              <a:t> </a:t>
+            </a:r>
+            <a:r>
+              <a:rPr lang="en-US" sz="2400" b="1" dirty="0"/>
+              <a:t>into Pathway Tools</a:t>
+            </a:r>
+            <a:endParaRPr lang="en-US" sz="2400" b="1" dirty="0"/>
+          </a:p>
+        </p:txBody>
+      </p:sp>
+      <p:sp>
+        <p:nvSpPr>
+          <p:cNvPr id="8" name="Text Placeholder 2"/>
+          <p:cNvSpPr>
+            <a:spLocks noGrp="1"/>
+          </p:cNvSpPr>
+          <p:nvPr>
+            <p:ph type="body" sz="quarter" idx="4294967295"/>
+          </p:nvPr>
+        </p:nvSpPr>
+        <p:spPr>
+          <a:xfrm>
+            <a:off x="814917" y="1412776"/>
+            <a:ext cx="7562850" cy="1440160"/>
+          </a:xfrm>
+          <a:prstGeom prst="rect">
+            <a:avLst/>
+          </a:prstGeom>
+        </p:spPr>
+        <p:txBody>
+          <a:bodyPr>
+            <a:normAutofit fontScale="62500" lnSpcReduction="20000"/>
+          </a:bodyPr>
+          <a:lstStyle/>
+          <a:p>
+            <a:pPr marL="514350" indent="-514350">
+              <a:lnSpc>
+                <a:spcPct val="120000"/>
+              </a:lnSpc>
+              <a:buFont typeface="+mj-lt"/>
+              <a:buAutoNum type="arabicPeriod"/>
+            </a:pPr>
+            <a:r>
+              <a:rPr lang="en-US" dirty="0" smtClean="0"/>
+              <a:t>Place completed </a:t>
+            </a:r>
+            <a:r>
+              <a:rPr lang="en-US" dirty="0" err="1" smtClean="0"/>
+              <a:t>ePGDB</a:t>
+            </a:r>
+            <a:r>
+              <a:rPr lang="en-US" dirty="0" smtClean="0"/>
+              <a:t> </a:t>
+            </a:r>
+            <a:r>
+              <a:rPr lang="en-US" dirty="0" smtClean="0">
+                <a:latin typeface="Courier"/>
+                <a:cs typeface="Courier"/>
+              </a:rPr>
+              <a:t>&lt;sample&gt;</a:t>
+            </a:r>
+            <a:r>
+              <a:rPr lang="en-US" dirty="0" err="1" smtClean="0">
+                <a:latin typeface="Courier"/>
+                <a:cs typeface="Courier"/>
+              </a:rPr>
+              <a:t>cyc</a:t>
+            </a:r>
+            <a:r>
+              <a:rPr lang="en-US" dirty="0" smtClean="0">
+                <a:latin typeface="Courier"/>
+                <a:cs typeface="Courier"/>
+              </a:rPr>
+              <a:t>/ </a:t>
+            </a:r>
+            <a:r>
+              <a:rPr lang="en-US" dirty="0" smtClean="0"/>
+              <a:t>folder into</a:t>
+            </a:r>
+            <a:r>
+              <a:rPr lang="en-US" dirty="0"/>
+              <a:t/>
+            </a:r>
+            <a:br>
+              <a:rPr lang="en-US" dirty="0"/>
+            </a:br>
+            <a:r>
+              <a:rPr lang="en-US" dirty="0" err="1" smtClean="0">
+                <a:latin typeface="Courier"/>
+                <a:cs typeface="Courier"/>
+              </a:rPr>
+              <a:t>ptools</a:t>
+            </a:r>
+            <a:r>
+              <a:rPr lang="en-US" dirty="0" smtClean="0">
+                <a:latin typeface="Courier"/>
+                <a:cs typeface="Courier"/>
+              </a:rPr>
+              <a:t>-local/</a:t>
+            </a:r>
+            <a:r>
+              <a:rPr lang="en-US" dirty="0" err="1" smtClean="0">
+                <a:latin typeface="Courier"/>
+                <a:cs typeface="Courier"/>
+              </a:rPr>
+              <a:t>pgdbs</a:t>
+            </a:r>
+            <a:r>
+              <a:rPr lang="en-US" dirty="0" smtClean="0">
+                <a:latin typeface="Courier"/>
+                <a:cs typeface="Courier"/>
+              </a:rPr>
+              <a:t>/user/</a:t>
+            </a:r>
+          </a:p>
+          <a:p>
+            <a:pPr marL="514350" indent="-514350">
+              <a:lnSpc>
+                <a:spcPct val="120000"/>
+              </a:lnSpc>
+              <a:buFont typeface="+mj-lt"/>
+              <a:buAutoNum type="arabicPeriod"/>
+            </a:pPr>
+            <a:r>
+              <a:rPr lang="en-US" dirty="0" smtClean="0"/>
+              <a:t>Update </a:t>
+            </a:r>
+            <a:r>
+              <a:rPr lang="en-US" dirty="0" err="1" smtClean="0"/>
+              <a:t>organism.dat</a:t>
+            </a:r>
+            <a:r>
+              <a:rPr lang="en-US" dirty="0"/>
+              <a:t> </a:t>
+            </a:r>
+            <a:r>
+              <a:rPr lang="en-US" dirty="0" smtClean="0"/>
+              <a:t>in each </a:t>
+            </a:r>
+            <a:r>
+              <a:rPr lang="en-US" dirty="0" err="1" smtClean="0"/>
+              <a:t>ePGDB</a:t>
+            </a:r>
+            <a:r>
+              <a:rPr lang="en-US" dirty="0"/>
+              <a:t/>
+            </a:r>
+            <a:br>
+              <a:rPr lang="en-US" dirty="0"/>
+            </a:br>
+            <a:r>
+              <a:rPr lang="en-US" dirty="0" smtClean="0">
+                <a:latin typeface="Courier"/>
+                <a:cs typeface="Courier"/>
+              </a:rPr>
+              <a:t>&lt;</a:t>
+            </a:r>
+            <a:r>
+              <a:rPr lang="en-US" dirty="0">
+                <a:latin typeface="Courier"/>
+                <a:cs typeface="Courier"/>
+              </a:rPr>
+              <a:t>sample&gt;</a:t>
+            </a:r>
+            <a:r>
+              <a:rPr lang="en-US" dirty="0" err="1">
+                <a:latin typeface="Courier"/>
+                <a:cs typeface="Courier"/>
+              </a:rPr>
+              <a:t>cyc</a:t>
+            </a:r>
+            <a:r>
+              <a:rPr lang="en-US" dirty="0" smtClean="0">
+                <a:latin typeface="Courier"/>
+                <a:cs typeface="Courier"/>
+              </a:rPr>
+              <a:t>/1.0/input/</a:t>
+            </a:r>
+            <a:r>
+              <a:rPr lang="en-US" dirty="0" err="1" smtClean="0">
+                <a:latin typeface="Courier"/>
+                <a:cs typeface="Courier"/>
+              </a:rPr>
+              <a:t>organism.dat</a:t>
+            </a:r>
+            <a:endParaRPr lang="en-US" dirty="0" smtClean="0">
+              <a:latin typeface="Courier"/>
+              <a:cs typeface="Courier"/>
+            </a:endParaRPr>
+          </a:p>
+        </p:txBody>
+      </p:sp>
+      <p:sp>
+        <p:nvSpPr>
+          <p:cNvPr id="9" name="Text Placeholder 1"/>
+          <p:cNvSpPr>
+            <a:spLocks noGrp="1"/>
+          </p:cNvSpPr>
+          <p:nvPr>
+            <p:ph type="body" sz="quarter" idx="4294967295"/>
+          </p:nvPr>
+        </p:nvSpPr>
+        <p:spPr>
+          <a:xfrm>
+            <a:off x="395536" y="836712"/>
+            <a:ext cx="2666306" cy="543076"/>
+          </a:xfrm>
+          <a:prstGeom prst="rect">
+            <a:avLst/>
+          </a:prstGeom>
+        </p:spPr>
+        <p:txBody>
+          <a:bodyPr/>
+          <a:lstStyle/>
+          <a:p>
+            <a:pPr marL="0" indent="0">
+              <a:buNone/>
+            </a:pPr>
+            <a:r>
+              <a:rPr lang="en-US" sz="2000" b="1" dirty="0" smtClean="0"/>
+              <a:t>Two Operations:</a:t>
+            </a:r>
+            <a:endParaRPr lang="en-US" sz="2000" b="1" dirty="0"/>
+          </a:p>
+        </p:txBody>
+      </p:sp>
+      <p:pic>
+        <p:nvPicPr>
+          <p:cNvPr id="4" name="Picture 3" descr="Screen shot 2014-02-09 at 10.34.53 AM.png"/>
+          <p:cNvPicPr>
+            <a:picLocks noChangeAspect="1"/>
+          </p:cNvPicPr>
+          <p:nvPr/>
+        </p:nvPicPr>
+        <p:blipFill>
+          <a:blip r:embed="rId2">
+            <a:extLst>
+              <a:ext uri="{28A0092B-C50C-407E-A947-70E740481C1C}">
+                <a14:useLocalDpi xmlns:a14="http://schemas.microsoft.com/office/drawing/2010/main" val="0"/>
+              </a:ext>
+            </a:extLst>
+          </a:blip>
+          <a:stretch>
+            <a:fillRect/>
+          </a:stretch>
+        </p:blipFill>
+        <p:spPr>
+          <a:xfrm>
+            <a:off x="539552" y="3645024"/>
+            <a:ext cx="3937000" cy="1625600"/>
+          </a:xfrm>
+          <a:prstGeom prst="rect">
+            <a:avLst/>
+          </a:prstGeom>
+        </p:spPr>
+      </p:pic>
+      <p:pic>
+        <p:nvPicPr>
+          <p:cNvPr id="10" name="Picture 9" descr="Screen shot 2014-02-09 at 10.35.09 AM.png"/>
+          <p:cNvPicPr>
+            <a:picLocks noChangeAspect="1"/>
+          </p:cNvPicPr>
+          <p:nvPr/>
+        </p:nvPicPr>
+        <p:blipFill>
+          <a:blip r:embed="rId3">
+            <a:extLst>
+              <a:ext uri="{28A0092B-C50C-407E-A947-70E740481C1C}">
+                <a14:useLocalDpi xmlns:a14="http://schemas.microsoft.com/office/drawing/2010/main" val="0"/>
+              </a:ext>
+            </a:extLst>
+          </a:blip>
+          <a:stretch>
+            <a:fillRect/>
+          </a:stretch>
+        </p:blipFill>
+        <p:spPr>
+          <a:xfrm>
+            <a:off x="4950296" y="3675360"/>
+            <a:ext cx="3848100" cy="1663700"/>
+          </a:xfrm>
+          <a:prstGeom prst="rect">
+            <a:avLst/>
+          </a:prstGeom>
+        </p:spPr>
+      </p:pic>
+    </p:spTree>
+    <p:extLst>
+      <p:ext uri="{BB962C8B-B14F-4D97-AF65-F5344CB8AC3E}">
+        <p14:creationId xmlns:p14="http://schemas.microsoft.com/office/powerpoint/2010/main" val="472742003"/>
+      </p:ext>
+    </p:extLst>
+  </p:cSld>
+  <p:clrMapOvr>
+    <a:masterClrMapping/>
+  </p:clrMapOvr>
+</p:sld>
+</file>
+
+<file path=ppt/slides/slide7.xml><?xml version="1.0" encoding="utf-8"?>
+<p:sld xmlns:a="http://schemas.openxmlformats.org/drawingml/2006/main" xmlns:r="http://schemas.openxmlformats.org/officeDocument/2006/relationships" xmlns:p="http://schemas.openxmlformats.org/presentationml/2006/main">
+  <p:cSld>
+    <p:spTree>
+      <p:nvGrpSpPr>
+        <p:cNvPr id="1" name=""/>
+        <p:cNvGrpSpPr/>
+        <p:nvPr/>
+      </p:nvGrpSpPr>
+      <p:grpSpPr>
+        <a:xfrm>
+          <a:off x="0" y="0"/>
+          <a:ext cx="0" cy="0"/>
+          <a:chOff x="0" y="0"/>
+          <a:chExt cx="0" cy="0"/>
+        </a:xfrm>
+      </p:grpSpPr>
+      <p:sp>
+        <p:nvSpPr>
+          <p:cNvPr id="3" name="Slide Number Placeholder 2"/>
+          <p:cNvSpPr>
+            <a:spLocks noGrp="1"/>
+          </p:cNvSpPr>
+          <p:nvPr>
+            <p:ph type="sldNum" sz="quarter" idx="4"/>
+          </p:nvPr>
+        </p:nvSpPr>
+        <p:spPr/>
+        <p:txBody>
+          <a:bodyPr/>
+          <a:lstStyle/>
+          <a:p>
+            <a:fld id="{85BBF6EF-6D96-8244-B1A0-ACF7E23C545D}" type="slidenum">
+              <a:rPr lang="en-US" smtClean="0"/>
+              <a:pPr/>
+              <a:t>7</a:t>
+            </a:fld>
+            <a:endParaRPr lang="en-US" dirty="0"/>
+          </a:p>
+        </p:txBody>
+      </p:sp>
+      <p:sp>
+        <p:nvSpPr>
+          <p:cNvPr id="4" name="Text Placeholder 1"/>
+          <p:cNvSpPr>
+            <a:spLocks noGrp="1"/>
+          </p:cNvSpPr>
+          <p:nvPr>
+            <p:ph type="body" sz="quarter" idx="4294967295"/>
+          </p:nvPr>
+        </p:nvSpPr>
+        <p:spPr>
+          <a:xfrm>
+            <a:off x="814917" y="188640"/>
+            <a:ext cx="7562850" cy="543076"/>
+          </a:xfrm>
+          <a:prstGeom prst="rect">
+            <a:avLst/>
+          </a:prstGeom>
+        </p:spPr>
+        <p:txBody>
+          <a:bodyPr/>
+          <a:lstStyle/>
+          <a:p>
+            <a:pPr marL="0" indent="0">
+              <a:buNone/>
+            </a:pPr>
+            <a:r>
+              <a:rPr lang="en-US" sz="2400" b="1" dirty="0" smtClean="0"/>
+              <a:t>3</a:t>
+            </a:r>
+            <a:r>
+              <a:rPr lang="en-US" sz="2400" b="1" dirty="0"/>
+              <a:t>. Cellular Overview, Pathway, and Reaction </a:t>
+            </a:r>
+            <a:r>
+              <a:rPr lang="en-US" sz="2400" b="1" dirty="0" smtClean="0"/>
+              <a:t>Pages</a:t>
+            </a:r>
+            <a:endParaRPr lang="en-US" sz="2400" b="1" dirty="0"/>
+          </a:p>
+        </p:txBody>
+      </p:sp>
+      <p:pic>
+        <p:nvPicPr>
+          <p:cNvPr id="5" name="Picture 4" descr="Screen shot 2014-02-09 at 1.58.21 PM.png"/>
+          <p:cNvPicPr>
+            <a:picLocks noChangeAspect="1"/>
+          </p:cNvPicPr>
+          <p:nvPr/>
+        </p:nvPicPr>
+        <p:blipFill>
+          <a:blip r:embed="rId2">
+            <a:extLst>
+              <a:ext uri="{28A0092B-C50C-407E-A947-70E740481C1C}">
+                <a14:useLocalDpi xmlns:a14="http://schemas.microsoft.com/office/drawing/2010/main" val="0"/>
+              </a:ext>
+            </a:extLst>
+          </a:blip>
+          <a:stretch>
+            <a:fillRect/>
+          </a:stretch>
+        </p:blipFill>
+        <p:spPr>
+          <a:xfrm>
+            <a:off x="1043608" y="928534"/>
+            <a:ext cx="7137380" cy="5256584"/>
+          </a:xfrm>
+          <a:prstGeom prst="rect">
+            <a:avLst/>
+          </a:prstGeom>
+        </p:spPr>
+      </p:pic>
+    </p:spTree>
+    <p:extLst>
+      <p:ext uri="{BB962C8B-B14F-4D97-AF65-F5344CB8AC3E}">
+        <p14:creationId xmlns:p14="http://schemas.microsoft.com/office/powerpoint/2010/main" val="2945528981"/>
+      </p:ext>
+    </p:extLst>
+  </p:cSld>
+  <p:clrMapOvr>
+    <a:masterClrMapping/>
+  </p:clrMapOvr>
+</p:sld>
+</file>
+
+<file path=ppt/slides/slide8.xml><?xml version="1.0" encoding="utf-8"?>
+<p:sld xmlns:a="http://schemas.openxmlformats.org/drawingml/2006/main" xmlns:r="http://schemas.openxmlformats.org/officeDocument/2006/relationships" xmlns:p="http://schemas.openxmlformats.org/presentationml/2006/main">
+  <p:cSld>
+    <p:spTree>
+      <p:nvGrpSpPr>
+        <p:cNvPr id="1" name=""/>
+        <p:cNvGrpSpPr/>
+        <p:nvPr/>
+      </p:nvGrpSpPr>
+      <p:grpSpPr>
+        <a:xfrm>
+          <a:off x="0" y="0"/>
+          <a:ext cx="0" cy="0"/>
+          <a:chOff x="0" y="0"/>
+          <a:chExt cx="0" cy="0"/>
+        </a:xfrm>
+      </p:grpSpPr>
+      <p:sp>
+        <p:nvSpPr>
+          <p:cNvPr id="3" name="Slide Number Placeholder 2"/>
+          <p:cNvSpPr>
+            <a:spLocks noGrp="1"/>
+          </p:cNvSpPr>
+          <p:nvPr>
+            <p:ph type="sldNum" sz="quarter" idx="4"/>
+          </p:nvPr>
+        </p:nvSpPr>
+        <p:spPr/>
+        <p:txBody>
+          <a:bodyPr/>
+          <a:lstStyle/>
+          <a:p>
+            <a:fld id="{85BBF6EF-6D96-8244-B1A0-ACF7E23C545D}" type="slidenum">
+              <a:rPr lang="en-US" smtClean="0"/>
+              <a:pPr/>
+              <a:t>8</a:t>
+            </a:fld>
+            <a:endParaRPr lang="en-US" dirty="0"/>
+          </a:p>
+        </p:txBody>
+      </p:sp>
+      <p:sp>
+        <p:nvSpPr>
+          <p:cNvPr id="4" name="Text Placeholder 1"/>
+          <p:cNvSpPr>
+            <a:spLocks noGrp="1"/>
+          </p:cNvSpPr>
+          <p:nvPr>
+            <p:ph type="body" sz="quarter" idx="4294967295"/>
+          </p:nvPr>
+        </p:nvSpPr>
+        <p:spPr>
+          <a:xfrm>
+            <a:off x="814917" y="188640"/>
+            <a:ext cx="7562850" cy="543076"/>
+          </a:xfrm>
+          <a:prstGeom prst="rect">
+            <a:avLst/>
+          </a:prstGeom>
+        </p:spPr>
+        <p:txBody>
+          <a:bodyPr/>
+          <a:lstStyle/>
+          <a:p>
+            <a:pPr marL="0" indent="0">
+              <a:buNone/>
+            </a:pPr>
+            <a:r>
+              <a:rPr lang="en-US" sz="2400" b="1" dirty="0" smtClean="0"/>
+              <a:t>3</a:t>
+            </a:r>
+            <a:r>
+              <a:rPr lang="en-US" sz="2400" b="1" dirty="0"/>
+              <a:t>. Cellular Overview, Pathway, and Reaction </a:t>
+            </a:r>
+            <a:r>
+              <a:rPr lang="en-US" sz="2400" b="1" dirty="0" smtClean="0"/>
+              <a:t>Pages</a:t>
+            </a:r>
+            <a:endParaRPr lang="en-US" sz="2400" b="1" dirty="0"/>
+          </a:p>
+        </p:txBody>
+      </p:sp>
+      <p:pic>
+        <p:nvPicPr>
+          <p:cNvPr id="2" name="Picture 1" descr="Screen shot 2014-02-09 at 1.59.39 PM.png"/>
+          <p:cNvPicPr>
+            <a:picLocks noChangeAspect="1"/>
+          </p:cNvPicPr>
+          <p:nvPr/>
+        </p:nvPicPr>
+        <p:blipFill>
+          <a:blip r:embed="rId3">
+            <a:extLst>
+              <a:ext uri="{28A0092B-C50C-407E-A947-70E740481C1C}">
+                <a14:useLocalDpi xmlns:a14="http://schemas.microsoft.com/office/drawing/2010/main" val="0"/>
+              </a:ext>
+            </a:extLst>
+          </a:blip>
+          <a:stretch>
+            <a:fillRect/>
+          </a:stretch>
+        </p:blipFill>
+        <p:spPr>
+          <a:xfrm>
+            <a:off x="1547665" y="731716"/>
+            <a:ext cx="6264696" cy="5746614"/>
+          </a:xfrm>
+          <a:prstGeom prst="rect">
+            <a:avLst/>
+          </a:prstGeom>
+        </p:spPr>
+      </p:pic>
+    </p:spTree>
+    <p:extLst>
+      <p:ext uri="{BB962C8B-B14F-4D97-AF65-F5344CB8AC3E}">
+        <p14:creationId xmlns:p14="http://schemas.microsoft.com/office/powerpoint/2010/main" val="1838156528"/>
+      </p:ext>
+    </p:extLst>
+  </p:cSld>
+  <p:clrMapOvr>
+    <a:masterClrMapping/>
+  </p:clrMapOvr>
+</p:sld>
+</file>
+
+<file path=ppt/slides/slide9.xml><?xml version="1.0" encoding="utf-8"?>
+<p:sld xmlns:a="http://schemas.openxmlformats.org/drawingml/2006/main" xmlns:r="http://schemas.openxmlformats.org/officeDocument/2006/relationships" xmlns:p="http://schemas.openxmlformats.org/presentationml/2006/main">
+  <p:cSld>
+    <p:spTree>
+      <p:nvGrpSpPr>
+        <p:cNvPr id="1" name=""/>
+        <p:cNvGrpSpPr/>
+        <p:nvPr/>
+      </p:nvGrpSpPr>
+      <p:grpSpPr>
+        <a:xfrm>
+          <a:off x="0" y="0"/>
+          <a:ext cx="0" cy="0"/>
+          <a:chOff x="0" y="0"/>
+          <a:chExt cx="0" cy="0"/>
+        </a:xfrm>
+      </p:grpSpPr>
+      <p:sp>
+        <p:nvSpPr>
+          <p:cNvPr id="3" name="Slide Number Placeholder 2"/>
+          <p:cNvSpPr>
+            <a:spLocks noGrp="1"/>
+          </p:cNvSpPr>
+          <p:nvPr>
+            <p:ph type="sldNum" sz="quarter" idx="4"/>
+          </p:nvPr>
+        </p:nvSpPr>
+        <p:spPr/>
+        <p:txBody>
+          <a:bodyPr/>
+          <a:lstStyle/>
+          <a:p>
+            <a:fld id="{85BBF6EF-6D96-8244-B1A0-ACF7E23C545D}" type="slidenum">
+              <a:rPr lang="en-US" smtClean="0"/>
+              <a:pPr/>
+              <a:t>9</a:t>
+            </a:fld>
+            <a:endParaRPr lang="en-US" dirty="0"/>
+          </a:p>
+        </p:txBody>
+      </p:sp>
+      <p:sp>
+        <p:nvSpPr>
+          <p:cNvPr id="4" name="Text Placeholder 1"/>
+          <p:cNvSpPr>
+            <a:spLocks noGrp="1"/>
+          </p:cNvSpPr>
+          <p:nvPr>
+            <p:ph type="body" sz="quarter" idx="4294967295"/>
+          </p:nvPr>
+        </p:nvSpPr>
+        <p:spPr>
+          <a:xfrm>
+            <a:off x="814917" y="188640"/>
+            <a:ext cx="7562850" cy="543076"/>
+          </a:xfrm>
+          <a:prstGeom prst="rect">
+            <a:avLst/>
+          </a:prstGeom>
+        </p:spPr>
+        <p:txBody>
+          <a:bodyPr/>
+          <a:lstStyle/>
+          <a:p>
+            <a:pPr marL="0" indent="0">
+              <a:buNone/>
+            </a:pPr>
+            <a:r>
+              <a:rPr lang="en-US" sz="2400" b="1" dirty="0" smtClean="0"/>
+              <a:t>3</a:t>
+            </a:r>
+            <a:r>
+              <a:rPr lang="en-US" sz="2400" b="1" dirty="0"/>
+              <a:t>. Cellular Overview, Pathway, and Reaction </a:t>
+            </a:r>
+            <a:r>
+              <a:rPr lang="en-US" sz="2400" b="1" dirty="0" smtClean="0"/>
+              <a:t>Pages</a:t>
+            </a:r>
+            <a:endParaRPr lang="en-US" sz="2400" b="1" dirty="0"/>
+          </a:p>
+        </p:txBody>
+      </p:sp>
+      <p:pic>
+        <p:nvPicPr>
+          <p:cNvPr id="5" name="Picture 4" descr="Screen shot 2014-02-09 at 3.55.53 PM.png"/>
+          <p:cNvPicPr>
+            <a:picLocks noChangeAspect="1"/>
+          </p:cNvPicPr>
+          <p:nvPr/>
+        </p:nvPicPr>
+        <p:blipFill>
+          <a:blip r:embed="rId3">
+            <a:extLst>
+              <a:ext uri="{28A0092B-C50C-407E-A947-70E740481C1C}">
+                <a14:useLocalDpi xmlns:a14="http://schemas.microsoft.com/office/drawing/2010/main" val="0"/>
+              </a:ext>
+            </a:extLst>
+          </a:blip>
+          <a:stretch>
+            <a:fillRect/>
+          </a:stretch>
+        </p:blipFill>
+        <p:spPr>
+          <a:xfrm>
+            <a:off x="7992" y="980728"/>
+            <a:ext cx="9144000" cy="4714240"/>
+          </a:xfrm>
+          <a:prstGeom prst="rect">
+            <a:avLst/>
+          </a:prstGeom>
+        </p:spPr>
+      </p:pic>
+    </p:spTree>
+    <p:extLst>
+      <p:ext uri="{BB962C8B-B14F-4D97-AF65-F5344CB8AC3E}">
+        <p14:creationId xmlns:p14="http://schemas.microsoft.com/office/powerpoint/2010/main" val="4231136039"/>
       </p:ext>
     </p:extLst>
   </p:cSld>

--- a/pathway_analysis/files/MetaPathways_Tutorial_Pathway_Analysis.pptx
+++ b/pathway_analysis/files/MetaPathways_Tutorial_Pathway_Analysis.pptx
@@ -285,7 +285,7 @@
             </a:pPr>
             <a:fld id="{AA49B741-88AC-6046-8125-575B19BFA23B}" type="datetime1">
               <a:rPr lang="en-CA" smtClean="0"/>
-              <a:t>14-02-09</a:t>
+              <a:t>14-02-10</a:t>
             </a:fld>
             <a:endParaRPr lang="en-US"/>
           </a:p>
@@ -506,7 +506,7 @@
             </a:pPr>
             <a:fld id="{3CD34768-8411-9743-9214-14D42A6AC634}" type="datetime1">
               <a:rPr lang="en-CA" smtClean="0"/>
-              <a:t>14-02-09</a:t>
+              <a:t>14-02-10</a:t>
             </a:fld>
             <a:endParaRPr lang="en-US"/>
           </a:p>
@@ -14843,19 +14843,8 @@
                 <a:ea typeface="ＭＳ Ｐゴシック" pitchFamily="-111" charset="-128"/>
                 <a:cs typeface="ＭＳ Ｐゴシック" pitchFamily="-111" charset="-128"/>
               </a:rPr>
-              <a:t>Ph.D. </a:t>
-            </a:r>
-            <a:r>
-              <a:rPr lang="en-US" sz="1800" dirty="0" smtClean="0">
-                <a:ea typeface="ＭＳ Ｐゴシック" pitchFamily="-111" charset="-128"/>
-                <a:cs typeface="ＭＳ Ｐゴシック" pitchFamily="-111" charset="-128"/>
-              </a:rPr>
-              <a:t>Candidate Bioinformatics</a:t>
-            </a:r>
-            <a:endParaRPr lang="en-US" sz="1800" dirty="0" smtClean="0">
-              <a:ea typeface="ＭＳ Ｐゴシック" pitchFamily="-111" charset="-128"/>
-              <a:cs typeface="ＭＳ Ｐゴシック" pitchFamily="-111" charset="-128"/>
-            </a:endParaRPr>
+              <a:t>Ph.D. Candidate Bioinformatics</a:t>
+            </a:r>
           </a:p>
           <a:p>
             <a:pPr marL="0" indent="0" algn="ctr">
@@ -14919,10 +14908,6 @@
               </a:rPr>
               <a:t> Workshop</a:t>
             </a:r>
-            <a:endParaRPr lang="en-US" sz="1800" dirty="0" smtClean="0">
-              <a:ea typeface="ＭＳ Ｐゴシック" pitchFamily="-111" charset="-128"/>
-              <a:cs typeface="ＭＳ Ｐゴシック" pitchFamily="-111" charset="-128"/>
-            </a:endParaRPr>
           </a:p>
           <a:p>
             <a:pPr marL="0" indent="0" algn="ctr">
@@ -17780,7 +17765,7 @@
         <p:spPr>
           <a:xfrm>
             <a:off x="469504" y="3901698"/>
-            <a:ext cx="8711008" cy="2308324"/>
+            <a:ext cx="8711008" cy="2154436"/>
           </a:xfrm>
           <a:prstGeom prst="rect">
             <a:avLst/>
@@ -17885,27 +17870,11 @@
           </a:p>
           <a:p>
             <a:r>
-              <a:rPr lang="en-US" sz="1000" dirty="0" smtClean="0">
-                <a:latin typeface="Courier"/>
-                <a:cs typeface="Courier"/>
-              </a:rPr>
-              <a:t>PWY	1_upper_euphotic	6_upper_euphotic	2_chlorophyllmax	3_below_euphotic	5_uppermesopelagic	7_omz	4_deepabyss</a:t>
-            </a:r>
-          </a:p>
-          <a:p>
-            <a:r>
-              <a:rPr lang="en-US" sz="1000" dirty="0" smtClean="0">
-                <a:latin typeface="Courier"/>
-                <a:cs typeface="Courier"/>
-              </a:rPr>
-              <a:t>SUCSYN</a:t>
-            </a:r>
-            <a:r>
               <a:rPr lang="en-US" sz="1000" dirty="0">
                 <a:latin typeface="Courier"/>
                 <a:cs typeface="Courier"/>
               </a:rPr>
-              <a:t>-PWY	0	16	10	8	17	13	16</a:t>
+              <a:t>RXN	1_upper_euphotic	6_upper_euphotic	2_chlorophyllmax	3_below_euphotic	5_uppermesopelagic	7_omz	4_deepabyss</a:t>
             </a:r>
           </a:p>
           <a:p>
@@ -17914,7 +17883,7 @@
                 <a:latin typeface="Courier"/>
                 <a:cs typeface="Courier"/>
               </a:rPr>
-              <a:t>PWY-6733	0	1	0	0	0	0	0</a:t>
+              <a:t>1.7.7.2-RXN	0	0	2	0	0	1	1</a:t>
             </a:r>
           </a:p>
           <a:p>
@@ -17923,7 +17892,7 @@
                 <a:latin typeface="Courier"/>
                 <a:cs typeface="Courier"/>
               </a:rPr>
-              <a:t>PWY-5274	0	0	0	1	0	0	0</a:t>
+              <a:t>PPGPPSYN-RXN	0	1	0	0	0	0	0</a:t>
             </a:r>
           </a:p>
           <a:p>
@@ -17932,7 +17901,7 @@
                 <a:latin typeface="Courier"/>
                 <a:cs typeface="Courier"/>
               </a:rPr>
-              <a:t>PWY-6728	0	0	0	46	0	59	0</a:t>
+              <a:t>RXN-6641	1	0	1	0	1	3	2</a:t>
             </a:r>
           </a:p>
           <a:p>
@@ -17941,7 +17910,7 @@
                 <a:latin typeface="Courier"/>
                 <a:cs typeface="Courier"/>
               </a:rPr>
-              <a:t>PWY-241	12	6	8	6	7	12	7</a:t>
+              <a:t>RXN3DJ-170	1	0	0	0	0	0	2</a:t>
             </a:r>
           </a:p>
         </p:txBody>
@@ -18530,11 +18499,7 @@
             </a:pPr>
             <a:r>
               <a:rPr lang="en-US" dirty="0" smtClean="0"/>
-              <a:t>ORF </a:t>
-            </a:r>
-            <a:r>
-              <a:rPr lang="en-US" dirty="0" smtClean="0"/>
-              <a:t>Abundance Tables</a:t>
+              <a:t>ORF Abundance Tables</a:t>
             </a:r>
             <a:r>
               <a:rPr lang="en-US" dirty="0"/>
@@ -21467,11 +21432,7 @@
             </a:pPr>
             <a:r>
               <a:rPr lang="en-US" sz="2400" b="1" dirty="0" smtClean="0"/>
-              <a:t>2. </a:t>
-            </a:r>
-            <a:r>
-              <a:rPr lang="en-US" sz="2400" b="1" dirty="0" smtClean="0"/>
-              <a:t>Loading </a:t>
+              <a:t>2. Loading </a:t>
             </a:r>
             <a:r>
               <a:rPr lang="en-US" sz="2400" b="1" dirty="0" err="1" smtClean="0"/>
@@ -21485,7 +21446,6 @@
               <a:rPr lang="en-US" sz="2400" b="1" dirty="0"/>
               <a:t>into Pathway Tools</a:t>
             </a:r>
-            <a:endParaRPr lang="en-US" sz="2400" b="1" dirty="0"/>
           </a:p>
         </p:txBody>
       </p:sp>

--- a/pathway_analysis/files/MetaPathways_Tutorial_Pathway_Analysis.pptx
+++ b/pathway_analysis/files/MetaPathways_Tutorial_Pathway_Analysis.pptx
@@ -14947,6 +14947,74 @@
           </a:p>
         </p:txBody>
       </p:sp>
+      <p:sp>
+        <p:nvSpPr>
+          <p:cNvPr id="2" name="TextBox 1"/>
+          <p:cNvSpPr txBox="1"/>
+          <p:nvPr/>
+        </p:nvSpPr>
+        <p:spPr>
+          <a:xfrm>
+            <a:off x="1763688" y="6208638"/>
+            <a:ext cx="5436836" cy="292388"/>
+          </a:xfrm>
+          <a:prstGeom prst="rect">
+            <a:avLst/>
+          </a:prstGeom>
+          <a:noFill/>
+        </p:spPr>
+        <p:txBody>
+          <a:bodyPr wrap="none" rtlCol="0">
+            <a:spAutoFit/>
+          </a:bodyPr>
+          <a:lstStyle/>
+          <a:p>
+            <a:r>
+              <a:rPr lang="en-US" sz="1300" b="1" dirty="0">
+                <a:hlinkClick r:id="rId3"/>
+              </a:rPr>
+              <a:t>https://</a:t>
+            </a:r>
+            <a:r>
+              <a:rPr lang="en-US" sz="1300" b="1" dirty="0" err="1">
+                <a:hlinkClick r:id="rId3"/>
+              </a:rPr>
+              <a:t>github.com</a:t>
+            </a:r>
+            <a:r>
+              <a:rPr lang="en-US" sz="1300" b="1" dirty="0">
+                <a:hlinkClick r:id="rId3"/>
+              </a:rPr>
+              <a:t>/</a:t>
+            </a:r>
+            <a:r>
+              <a:rPr lang="en-US" sz="1300" b="1" dirty="0" err="1">
+                <a:hlinkClick r:id="rId3"/>
+              </a:rPr>
+              <a:t>nielshanson</a:t>
+            </a:r>
+            <a:r>
+              <a:rPr lang="en-US" sz="1300" b="1" dirty="0">
+                <a:hlinkClick r:id="rId3"/>
+              </a:rPr>
+              <a:t>/</a:t>
+            </a:r>
+            <a:r>
+              <a:rPr lang="en-US" sz="1300" b="1" dirty="0" err="1">
+                <a:hlinkClick r:id="rId3"/>
+              </a:rPr>
+              <a:t>mp_tutorial</a:t>
+            </a:r>
+            <a:r>
+              <a:rPr lang="en-US" sz="1300" b="1" dirty="0">
+                <a:hlinkClick r:id="rId3"/>
+              </a:rPr>
+              <a:t>/wiki/Pathway-Analysis</a:t>
+            </a:r>
+            <a:endParaRPr lang="en-US" sz="1300" b="1" dirty="0"/>
+          </a:p>
+        </p:txBody>
+      </p:sp>
     </p:spTree>
     <p:extLst>
       <p:ext uri="{BB962C8B-B14F-4D97-AF65-F5344CB8AC3E}">
@@ -16557,18 +16625,18 @@
               <a:t>the </a:t>
             </a:r>
             <a:r>
-              <a:rPr lang="en-US" dirty="0" smtClean="0">
+              <a:rPr lang="en-US" b="1" dirty="0" smtClean="0">
                 <a:latin typeface="Courier"/>
                 <a:cs typeface="Courier"/>
               </a:rPr>
               <a:t>-t</a:t>
             </a:r>
             <a:r>
-              <a:rPr lang="en-US" dirty="0" smtClean="0"/>
+              <a:rPr lang="en-US" b="1" dirty="0" smtClean="0"/>
               <a:t> </a:t>
             </a:r>
             <a:r>
-              <a:rPr lang="en-US" dirty="0" smtClean="0">
+              <a:rPr lang="en-US" b="1" dirty="0" smtClean="0">
                 <a:latin typeface="Courier"/>
                 <a:cs typeface="Courier"/>
               </a:rPr>
@@ -20601,8 +20669,8 @@
         </p:nvSpPr>
         <p:spPr>
           <a:xfrm>
-            <a:off x="755576" y="2960948"/>
-            <a:ext cx="7562850" cy="504056"/>
+            <a:off x="3131840" y="1664804"/>
+            <a:ext cx="3168352" cy="504056"/>
           </a:xfrm>
           <a:prstGeom prst="rect">
             <a:avLst/>
@@ -20617,12 +20685,42 @@
             </a:pPr>
             <a:r>
               <a:rPr lang="en-US" b="1" dirty="0" smtClean="0"/>
-              <a:t>Demo</a:t>
+              <a:t>Questions?</a:t>
             </a:r>
             <a:endParaRPr lang="en-US" b="1" dirty="0"/>
           </a:p>
         </p:txBody>
       </p:sp>
+      <p:pic>
+        <p:nvPicPr>
+          <p:cNvPr id="2" name="Picture 1" descr="pgdb_logo.pdf"/>
+          <p:cNvPicPr>
+            <a:picLocks noChangeAspect="1"/>
+          </p:cNvPicPr>
+          <p:nvPr/>
+        </p:nvPicPr>
+        <p:blipFill>
+          <a:blip r:embed="rId3">
+            <a:extLst>
+              <a:ext uri="{28A0092B-C50C-407E-A947-70E740481C1C}">
+                <a14:useLocalDpi xmlns:a14="http://schemas.microsoft.com/office/drawing/2010/main" val="0"/>
+              </a:ext>
+            </a:extLst>
+          </a:blip>
+          <a:stretch>
+            <a:fillRect/>
+          </a:stretch>
+        </p:blipFill>
+        <p:spPr>
+          <a:xfrm>
+            <a:off x="2840403" y="2132856"/>
+            <a:ext cx="3387781" cy="3033246"/>
+          </a:xfrm>
+          <a:prstGeom prst="rect">
+            <a:avLst/>
+          </a:prstGeom>
+        </p:spPr>
+      </p:pic>
     </p:spTree>
     <p:extLst>
       <p:ext uri="{BB962C8B-B14F-4D97-AF65-F5344CB8AC3E}">

--- a/pathway_analysis/files/MetaPathways_Tutorial_Pathway_Analysis.pptx
+++ b/pathway_analysis/files/MetaPathways_Tutorial_Pathway_Analysis.pptx
@@ -18500,7 +18500,9 @@
               <a:t>Presentation Slides: </a:t>
             </a:r>
             <a:r>
-              <a:rPr lang="en-US" dirty="0" err="1"/>
+              <a:rPr lang="en-US" dirty="0" err="1">
+                <a:hlinkClick r:id="rId2"/>
+              </a:rPr>
               <a:t>MetaPathways_Tutorial_Pathway_Analysis.pdf</a:t>
             </a:r>
             <a:endParaRPr lang="en-US" dirty="0"/>
@@ -18534,7 +18536,9 @@
               <a:t>: </a:t>
             </a:r>
             <a:r>
-              <a:rPr lang="en-US" dirty="0" err="1"/>
+              <a:rPr lang="en-US" dirty="0" err="1">
+                <a:hlinkClick r:id="rId3"/>
+              </a:rPr>
               <a:t>HOT_Sanger_ePGDBs.zip</a:t>
             </a:r>
             <a:endParaRPr lang="en-US" dirty="0"/>
@@ -18552,7 +18556,9 @@
               <a:t>Perl Pathway Extractor Script: </a:t>
             </a:r>
             <a:r>
-              <a:rPr lang="en-US" dirty="0" err="1"/>
+              <a:rPr lang="en-US" dirty="0" err="1">
+                <a:hlinkClick r:id="rId4"/>
+              </a:rPr>
               <a:t>extract_pathway_table_from_pgdb.pl</a:t>
             </a:r>
             <a:endParaRPr lang="en-US" dirty="0"/>
@@ -18581,7 +18587,9 @@
               <a:rPr lang="en-US" dirty="0" smtClean="0"/>
             </a:br>
             <a:r>
-              <a:rPr lang="en-US" dirty="0" smtClean="0"/>
+              <a:rPr lang="en-US" dirty="0" smtClean="0">
+                <a:hlinkClick r:id="rId5"/>
+              </a:rPr>
               <a:t>1_upper_euphotic_rxn.wide.txt</a:t>
             </a:r>
             <a:r>
@@ -18589,7 +18597,9 @@
               <a:t>, </a:t>
             </a:r>
             <a:r>
-              <a:rPr lang="en-US" dirty="0" err="1"/>
+              <a:rPr lang="en-US" dirty="0" err="1">
+                <a:hlinkClick r:id="rId6"/>
+              </a:rPr>
               <a:t>HOT_Sanger_rxn.wide.txt</a:t>
             </a:r>
             <a:r>
@@ -18649,21 +18659,21 @@
             <a:r>
               <a:rPr lang="en-US" sz="1800" dirty="0" smtClean="0">
                 <a:latin typeface="+mj-lt"/>
-                <a:hlinkClick r:id="rId2"/>
+                <a:hlinkClick r:id="rId7"/>
               </a:rPr>
               <a:t>http</a:t>
             </a:r>
             <a:r>
               <a:rPr lang="en-US" sz="1800" dirty="0">
                 <a:latin typeface="+mj-lt"/>
-                <a:hlinkClick r:id="rId2"/>
+                <a:hlinkClick r:id="rId7"/>
               </a:rPr>
               <a:t>://biocyc.org/download-</a:t>
             </a:r>
             <a:r>
               <a:rPr lang="en-US" sz="1800" dirty="0" smtClean="0">
                 <a:latin typeface="+mj-lt"/>
-                <a:hlinkClick r:id="rId2"/>
+                <a:hlinkClick r:id="rId7"/>
               </a:rPr>
               <a:t>bundle.shtml</a:t>
             </a:r>
@@ -18688,14 +18698,14 @@
             <a:r>
               <a:rPr lang="en-US" sz="1800" dirty="0">
                 <a:latin typeface="+mj-lt"/>
-                <a:hlinkClick r:id="rId3"/>
+                <a:hlinkClick r:id="rId8"/>
               </a:rPr>
               <a:t>http://www.perl.org</a:t>
             </a:r>
             <a:r>
               <a:rPr lang="en-US" sz="1800" dirty="0" smtClean="0">
                 <a:latin typeface="+mj-lt"/>
-                <a:hlinkClick r:id="rId3"/>
+                <a:hlinkClick r:id="rId8"/>
               </a:rPr>
               <a:t>/</a:t>
             </a:r>

--- a/pathway_analysis/files/MetaPathways_Tutorial_Pathway_Analysis.pptx
+++ b/pathway_analysis/files/MetaPathways_Tutorial_Pathway_Analysis.pptx
@@ -13938,7 +13938,7 @@
       </p:grpSpPr>
       <p:pic>
         <p:nvPicPr>
-          <p:cNvPr id="8" name="Picture 7" descr="IGEM_Calgary_Gebome_Alberta_Logo.png"/>
+          <p:cNvPr id="9" name="Picture 8" descr="pathway_tools_page_no.png"/>
           <p:cNvPicPr>
             <a:picLocks noChangeAspect="1"/>
           </p:cNvPicPr>
@@ -13946,36 +13946,6 @@
         </p:nvPicPr>
         <p:blipFill>
           <a:blip r:embed="rId24">
-            <a:extLst>
-              <a:ext uri="{28A0092B-C50C-407E-A947-70E740481C1C}">
-                <a14:useLocalDpi xmlns:a14="http://schemas.microsoft.com/office/drawing/2010/main" val="0"/>
-              </a:ext>
-            </a:extLst>
-          </a:blip>
-          <a:stretch>
-            <a:fillRect/>
-          </a:stretch>
-        </p:blipFill>
-        <p:spPr>
-          <a:xfrm>
-            <a:off x="134007" y="5890941"/>
-            <a:ext cx="1259162" cy="829272"/>
-          </a:xfrm>
-          <a:prstGeom prst="rect">
-            <a:avLst/>
-          </a:prstGeom>
-        </p:spPr>
-      </p:pic>
-      <p:pic>
-        <p:nvPicPr>
-          <p:cNvPr id="9" name="Picture 8" descr="pathway_tools_page_no.png"/>
-          <p:cNvPicPr>
-            <a:picLocks noChangeAspect="1"/>
-          </p:cNvPicPr>
-          <p:nvPr userDrawn="1"/>
-        </p:nvPicPr>
-        <p:blipFill>
-          <a:blip r:embed="rId25">
             <a:extLst>
               <a:ext uri="{28A0092B-C50C-407E-A947-70E740481C1C}">
                 <a14:useLocalDpi xmlns:a14="http://schemas.microsoft.com/office/drawing/2010/main" val="0"/>
